--- a/source/region growing.pptx
+++ b/source/region growing.pptx
@@ -7,6 +7,8 @@
   <p:sldIdLst>
     <p:sldId id="256" r:id="rId2"/>
     <p:sldId id="258" r:id="rId3"/>
+    <p:sldId id="259" r:id="rId4"/>
+    <p:sldId id="260" r:id="rId5"/>
   </p:sldIdLst>
   <p:sldSz cx="12192000" cy="6858000"/>
   <p:notesSz cx="6858000" cy="9144000"/>
@@ -105,6 +107,11 @@
       </a:defRPr>
     </a:lvl9pPr>
   </p:defaultTextStyle>
+  <p:extLst>
+    <p:ext uri="{EFAFB233-063F-42B5-8137-9DF3F51BA10A}">
+      <p15:sldGuideLst xmlns:p15="http://schemas.microsoft.com/office/powerpoint/2012/main"/>
+    </p:ext>
+  </p:extLst>
 </p:presentation>
 </file>
 
@@ -239,7 +246,7 @@
           <a:p>
             <a:fld id="{FC97A991-CD15-4C78-AE56-C10CA12ACE40}" type="datetimeFigureOut">
               <a:rPr lang="en-US" smtClean="0"/>
-              <a:t>12/19/2015</a:t>
+              <a:t>1/2/2016</a:t>
             </a:fld>
             <a:endParaRPr lang="en-US"/>
           </a:p>
@@ -409,7 +416,7 @@
           <a:p>
             <a:fld id="{FC97A991-CD15-4C78-AE56-C10CA12ACE40}" type="datetimeFigureOut">
               <a:rPr lang="en-US" smtClean="0"/>
-              <a:t>12/19/2015</a:t>
+              <a:t>1/2/2016</a:t>
             </a:fld>
             <a:endParaRPr lang="en-US"/>
           </a:p>
@@ -589,7 +596,7 @@
           <a:p>
             <a:fld id="{FC97A991-CD15-4C78-AE56-C10CA12ACE40}" type="datetimeFigureOut">
               <a:rPr lang="en-US" smtClean="0"/>
-              <a:t>12/19/2015</a:t>
+              <a:t>1/2/2016</a:t>
             </a:fld>
             <a:endParaRPr lang="en-US"/>
           </a:p>
@@ -759,7 +766,7 @@
           <a:p>
             <a:fld id="{FC97A991-CD15-4C78-AE56-C10CA12ACE40}" type="datetimeFigureOut">
               <a:rPr lang="en-US" smtClean="0"/>
-              <a:t>12/19/2015</a:t>
+              <a:t>1/2/2016</a:t>
             </a:fld>
             <a:endParaRPr lang="en-US"/>
           </a:p>
@@ -1005,7 +1012,7 @@
           <a:p>
             <a:fld id="{FC97A991-CD15-4C78-AE56-C10CA12ACE40}" type="datetimeFigureOut">
               <a:rPr lang="en-US" smtClean="0"/>
-              <a:t>12/19/2015</a:t>
+              <a:t>1/2/2016</a:t>
             </a:fld>
             <a:endParaRPr lang="en-US"/>
           </a:p>
@@ -1237,7 +1244,7 @@
           <a:p>
             <a:fld id="{FC97A991-CD15-4C78-AE56-C10CA12ACE40}" type="datetimeFigureOut">
               <a:rPr lang="en-US" smtClean="0"/>
-              <a:t>12/19/2015</a:t>
+              <a:t>1/2/2016</a:t>
             </a:fld>
             <a:endParaRPr lang="en-US"/>
           </a:p>
@@ -1604,7 +1611,7 @@
           <a:p>
             <a:fld id="{FC97A991-CD15-4C78-AE56-C10CA12ACE40}" type="datetimeFigureOut">
               <a:rPr lang="en-US" smtClean="0"/>
-              <a:t>12/19/2015</a:t>
+              <a:t>1/2/2016</a:t>
             </a:fld>
             <a:endParaRPr lang="en-US"/>
           </a:p>
@@ -1722,7 +1729,7 @@
           <a:p>
             <a:fld id="{FC97A991-CD15-4C78-AE56-C10CA12ACE40}" type="datetimeFigureOut">
               <a:rPr lang="en-US" smtClean="0"/>
-              <a:t>12/19/2015</a:t>
+              <a:t>1/2/2016</a:t>
             </a:fld>
             <a:endParaRPr lang="en-US"/>
           </a:p>
@@ -1817,7 +1824,7 @@
           <a:p>
             <a:fld id="{FC97A991-CD15-4C78-AE56-C10CA12ACE40}" type="datetimeFigureOut">
               <a:rPr lang="en-US" smtClean="0"/>
-              <a:t>12/19/2015</a:t>
+              <a:t>1/2/2016</a:t>
             </a:fld>
             <a:endParaRPr lang="en-US"/>
           </a:p>
@@ -2094,7 +2101,7 @@
           <a:p>
             <a:fld id="{FC97A991-CD15-4C78-AE56-C10CA12ACE40}" type="datetimeFigureOut">
               <a:rPr lang="en-US" smtClean="0"/>
-              <a:t>12/19/2015</a:t>
+              <a:t>1/2/2016</a:t>
             </a:fld>
             <a:endParaRPr lang="en-US"/>
           </a:p>
@@ -2347,7 +2354,7 @@
           <a:p>
             <a:fld id="{FC97A991-CD15-4C78-AE56-C10CA12ACE40}" type="datetimeFigureOut">
               <a:rPr lang="en-US" smtClean="0"/>
-              <a:t>12/19/2015</a:t>
+              <a:t>1/2/2016</a:t>
             </a:fld>
             <a:endParaRPr lang="en-US"/>
           </a:p>
@@ -2560,7 +2567,7 @@
           <a:p>
             <a:fld id="{FC97A991-CD15-4C78-AE56-C10CA12ACE40}" type="datetimeFigureOut">
               <a:rPr lang="en-US" smtClean="0"/>
-              <a:t>12/19/2015</a:t>
+              <a:t>1/2/2016</a:t>
             </a:fld>
             <a:endParaRPr lang="en-US"/>
           </a:p>
@@ -9491,6 +9498,6545 @@
 </p:sld>
 </file>
 
+<file path=ppt/slides/slide3.xml><?xml version="1.0" encoding="utf-8"?>
+<p:sld xmlns:a="http://schemas.openxmlformats.org/drawingml/2006/main" xmlns:r="http://schemas.openxmlformats.org/officeDocument/2006/relationships" xmlns:p="http://schemas.openxmlformats.org/presentationml/2006/main">
+  <p:cSld>
+    <p:spTree>
+      <p:nvGrpSpPr>
+        <p:cNvPr id="1" name=""/>
+        <p:cNvGrpSpPr/>
+        <p:nvPr/>
+      </p:nvGrpSpPr>
+      <p:grpSpPr>
+        <a:xfrm>
+          <a:off x="0" y="0"/>
+          <a:ext cx="0" cy="0"/>
+          <a:chOff x="0" y="0"/>
+          <a:chExt cx="0" cy="0"/>
+        </a:xfrm>
+      </p:grpSpPr>
+      <p:sp>
+        <p:nvSpPr>
+          <p:cNvPr id="13" name="Rectangle 12"/>
+          <p:cNvSpPr/>
+          <p:nvPr/>
+        </p:nvSpPr>
+        <p:spPr>
+          <a:xfrm>
+            <a:off x="3212432" y="986589"/>
+            <a:ext cx="8831179" cy="5354053"/>
+          </a:xfrm>
+          <a:prstGeom prst="rect">
+            <a:avLst/>
+          </a:prstGeom>
+        </p:spPr>
+        <p:style>
+          <a:lnRef idx="2">
+            <a:schemeClr val="accent6"/>
+          </a:lnRef>
+          <a:fillRef idx="1">
+            <a:schemeClr val="lt1"/>
+          </a:fillRef>
+          <a:effectRef idx="0">
+            <a:schemeClr val="accent6"/>
+          </a:effectRef>
+          <a:fontRef idx="minor">
+            <a:schemeClr val="dk1"/>
+          </a:fontRef>
+        </p:style>
+        <p:txBody>
+          <a:bodyPr rtlCol="0" anchor="ctr"/>
+          <a:lstStyle/>
+          <a:p>
+            <a:pPr algn="ctr"/>
+            <a:endParaRPr lang="en-US"/>
+          </a:p>
+        </p:txBody>
+      </p:sp>
+      <p:graphicFrame>
+        <p:nvGraphicFramePr>
+          <p:cNvPr id="4" name="Table 3"/>
+          <p:cNvGraphicFramePr>
+            <a:graphicFrameLocks noGrp="1"/>
+          </p:cNvGraphicFramePr>
+          <p:nvPr>
+            <p:extLst>
+              <p:ext uri="{D42A27DB-BD31-4B8C-83A1-F6EECF244321}">
+                <p14:modId xmlns:p14="http://schemas.microsoft.com/office/powerpoint/2010/main" val="1810343111"/>
+              </p:ext>
+            </p:extLst>
+          </p:nvPr>
+        </p:nvGraphicFramePr>
+        <p:xfrm>
+          <a:off x="3708399" y="1612523"/>
+          <a:ext cx="3657600" cy="3657600"/>
+        </p:xfrm>
+        <a:graphic>
+          <a:graphicData uri="http://schemas.openxmlformats.org/drawingml/2006/table">
+            <a:tbl>
+              <a:tblPr firstRow="1" bandRow="1">
+                <a:tableStyleId>{5C22544A-7EE6-4342-B048-85BDC9FD1C3A}</a:tableStyleId>
+              </a:tblPr>
+              <a:tblGrid>
+                <a:gridCol w="609600"/>
+                <a:gridCol w="609600"/>
+                <a:gridCol w="609600"/>
+                <a:gridCol w="609600"/>
+                <a:gridCol w="609600"/>
+                <a:gridCol w="609600"/>
+              </a:tblGrid>
+              <a:tr h="609600">
+                <a:tc>
+                  <a:txBody>
+                    <a:bodyPr/>
+                    <a:lstStyle/>
+                    <a:p>
+                      <a:pPr algn="ctr"/>
+                      <a:r>
+                        <a:rPr lang="en-US" b="1" smtClean="0">
+                          <a:solidFill>
+                            <a:schemeClr val="tx1"/>
+                          </a:solidFill>
+                          <a:latin typeface="Times New Roman" panose="02020603050405020304" pitchFamily="18" charset="0"/>
+                          <a:cs typeface="Times New Roman" panose="02020603050405020304" pitchFamily="18" charset="0"/>
+                        </a:rPr>
+                        <a:t>2</a:t>
+                      </a:r>
+                      <a:endParaRPr lang="en-US" b="1">
+                        <a:solidFill>
+                          <a:schemeClr val="tx1"/>
+                        </a:solidFill>
+                        <a:latin typeface="Times New Roman" panose="02020603050405020304" pitchFamily="18" charset="0"/>
+                        <a:cs typeface="Times New Roman" panose="02020603050405020304" pitchFamily="18" charset="0"/>
+                      </a:endParaRPr>
+                    </a:p>
+                  </a:txBody>
+                  <a:tcPr>
+                    <a:lnL w="12700" cap="flat" cmpd="sng" algn="ctr">
+                      <a:solidFill>
+                        <a:schemeClr val="tx1"/>
+                      </a:solidFill>
+                      <a:prstDash val="solid"/>
+                      <a:round/>
+                      <a:headEnd type="none" w="med" len="med"/>
+                      <a:tailEnd type="none" w="med" len="med"/>
+                    </a:lnL>
+                    <a:lnR w="12700" cap="flat" cmpd="sng" algn="ctr">
+                      <a:solidFill>
+                        <a:schemeClr val="tx1"/>
+                      </a:solidFill>
+                      <a:prstDash val="solid"/>
+                      <a:round/>
+                      <a:headEnd type="none" w="med" len="med"/>
+                      <a:tailEnd type="none" w="med" len="med"/>
+                    </a:lnR>
+                    <a:lnT w="12700" cap="flat" cmpd="sng" algn="ctr">
+                      <a:solidFill>
+                        <a:schemeClr val="tx1"/>
+                      </a:solidFill>
+                      <a:prstDash val="solid"/>
+                      <a:round/>
+                      <a:headEnd type="none" w="med" len="med"/>
+                      <a:tailEnd type="none" w="med" len="med"/>
+                    </a:lnT>
+                    <a:lnB w="12700" cap="flat" cmpd="sng" algn="ctr">
+                      <a:solidFill>
+                        <a:schemeClr val="tx1"/>
+                      </a:solidFill>
+                      <a:prstDash val="solid"/>
+                      <a:round/>
+                      <a:headEnd type="none" w="med" len="med"/>
+                      <a:tailEnd type="none" w="med" len="med"/>
+                    </a:lnB>
+                    <a:lnTlToBr w="12700" cmpd="sng">
+                      <a:noFill/>
+                      <a:prstDash val="solid"/>
+                    </a:lnTlToBr>
+                    <a:lnBlToTr w="12700" cmpd="sng">
+                      <a:noFill/>
+                      <a:prstDash val="solid"/>
+                    </a:lnBlToTr>
+                    <a:solidFill>
+                      <a:schemeClr val="bg1"/>
+                    </a:solidFill>
+                  </a:tcPr>
+                </a:tc>
+                <a:tc>
+                  <a:txBody>
+                    <a:bodyPr/>
+                    <a:lstStyle/>
+                    <a:p>
+                      <a:pPr algn="ctr"/>
+                      <a:r>
+                        <a:rPr lang="en-US" b="1" smtClean="0">
+                          <a:solidFill>
+                            <a:schemeClr val="tx1"/>
+                          </a:solidFill>
+                          <a:latin typeface="Times New Roman" panose="02020603050405020304" pitchFamily="18" charset="0"/>
+                          <a:cs typeface="Times New Roman" panose="02020603050405020304" pitchFamily="18" charset="0"/>
+                        </a:rPr>
+                        <a:t>3</a:t>
+                      </a:r>
+                      <a:endParaRPr lang="en-US" b="1">
+                        <a:solidFill>
+                          <a:schemeClr val="tx1"/>
+                        </a:solidFill>
+                        <a:latin typeface="Times New Roman" panose="02020603050405020304" pitchFamily="18" charset="0"/>
+                        <a:cs typeface="Times New Roman" panose="02020603050405020304" pitchFamily="18" charset="0"/>
+                      </a:endParaRPr>
+                    </a:p>
+                  </a:txBody>
+                  <a:tcPr>
+                    <a:lnL w="12700" cap="flat" cmpd="sng" algn="ctr">
+                      <a:solidFill>
+                        <a:schemeClr val="tx1"/>
+                      </a:solidFill>
+                      <a:prstDash val="solid"/>
+                      <a:round/>
+                      <a:headEnd type="none" w="med" len="med"/>
+                      <a:tailEnd type="none" w="med" len="med"/>
+                    </a:lnL>
+                    <a:lnR w="12700" cap="flat" cmpd="sng" algn="ctr">
+                      <a:solidFill>
+                        <a:schemeClr val="tx1"/>
+                      </a:solidFill>
+                      <a:prstDash val="solid"/>
+                      <a:round/>
+                      <a:headEnd type="none" w="med" len="med"/>
+                      <a:tailEnd type="none" w="med" len="med"/>
+                    </a:lnR>
+                    <a:lnT w="12700" cap="flat" cmpd="sng" algn="ctr">
+                      <a:solidFill>
+                        <a:schemeClr val="tx1"/>
+                      </a:solidFill>
+                      <a:prstDash val="solid"/>
+                      <a:round/>
+                      <a:headEnd type="none" w="med" len="med"/>
+                      <a:tailEnd type="none" w="med" len="med"/>
+                    </a:lnT>
+                    <a:lnB w="12700" cap="flat" cmpd="sng" algn="ctr">
+                      <a:solidFill>
+                        <a:schemeClr val="tx1"/>
+                      </a:solidFill>
+                      <a:prstDash val="solid"/>
+                      <a:round/>
+                      <a:headEnd type="none" w="med" len="med"/>
+                      <a:tailEnd type="none" w="med" len="med"/>
+                    </a:lnB>
+                    <a:lnTlToBr w="12700" cmpd="sng">
+                      <a:noFill/>
+                      <a:prstDash val="solid"/>
+                    </a:lnTlToBr>
+                    <a:lnBlToTr w="12700" cmpd="sng">
+                      <a:noFill/>
+                      <a:prstDash val="solid"/>
+                    </a:lnBlToTr>
+                    <a:solidFill>
+                      <a:schemeClr val="bg1"/>
+                    </a:solidFill>
+                  </a:tcPr>
+                </a:tc>
+                <a:tc>
+                  <a:txBody>
+                    <a:bodyPr/>
+                    <a:lstStyle/>
+                    <a:p>
+                      <a:pPr algn="ctr"/>
+                      <a:r>
+                        <a:rPr lang="en-US" b="1" smtClean="0">
+                          <a:solidFill>
+                            <a:schemeClr val="tx1"/>
+                          </a:solidFill>
+                          <a:latin typeface="Times New Roman" panose="02020603050405020304" pitchFamily="18" charset="0"/>
+                          <a:cs typeface="Times New Roman" panose="02020603050405020304" pitchFamily="18" charset="0"/>
+                        </a:rPr>
+                        <a:t>8</a:t>
+                      </a:r>
+                      <a:endParaRPr lang="en-US" b="1">
+                        <a:solidFill>
+                          <a:schemeClr val="tx1"/>
+                        </a:solidFill>
+                        <a:latin typeface="Times New Roman" panose="02020603050405020304" pitchFamily="18" charset="0"/>
+                        <a:cs typeface="Times New Roman" panose="02020603050405020304" pitchFamily="18" charset="0"/>
+                      </a:endParaRPr>
+                    </a:p>
+                  </a:txBody>
+                  <a:tcPr>
+                    <a:lnL w="12700" cap="flat" cmpd="sng" algn="ctr">
+                      <a:solidFill>
+                        <a:schemeClr val="tx1"/>
+                      </a:solidFill>
+                      <a:prstDash val="solid"/>
+                      <a:round/>
+                      <a:headEnd type="none" w="med" len="med"/>
+                      <a:tailEnd type="none" w="med" len="med"/>
+                    </a:lnL>
+                    <a:lnR w="12700" cap="flat" cmpd="sng" algn="ctr">
+                      <a:solidFill>
+                        <a:schemeClr val="tx1"/>
+                      </a:solidFill>
+                      <a:prstDash val="solid"/>
+                      <a:round/>
+                      <a:headEnd type="none" w="med" len="med"/>
+                      <a:tailEnd type="none" w="med" len="med"/>
+                    </a:lnR>
+                    <a:lnT w="12700" cap="flat" cmpd="sng" algn="ctr">
+                      <a:solidFill>
+                        <a:schemeClr val="tx1"/>
+                      </a:solidFill>
+                      <a:prstDash val="solid"/>
+                      <a:round/>
+                      <a:headEnd type="none" w="med" len="med"/>
+                      <a:tailEnd type="none" w="med" len="med"/>
+                    </a:lnT>
+                    <a:lnB w="12700" cap="flat" cmpd="sng" algn="ctr">
+                      <a:solidFill>
+                        <a:schemeClr val="tx1"/>
+                      </a:solidFill>
+                      <a:prstDash val="solid"/>
+                      <a:round/>
+                      <a:headEnd type="none" w="med" len="med"/>
+                      <a:tailEnd type="none" w="med" len="med"/>
+                    </a:lnB>
+                    <a:lnTlToBr w="12700" cmpd="sng">
+                      <a:noFill/>
+                      <a:prstDash val="solid"/>
+                    </a:lnTlToBr>
+                    <a:lnBlToTr w="12700" cmpd="sng">
+                      <a:noFill/>
+                      <a:prstDash val="solid"/>
+                    </a:lnBlToTr>
+                    <a:solidFill>
+                      <a:schemeClr val="bg1"/>
+                    </a:solidFill>
+                  </a:tcPr>
+                </a:tc>
+                <a:tc>
+                  <a:txBody>
+                    <a:bodyPr/>
+                    <a:lstStyle/>
+                    <a:p>
+                      <a:pPr algn="ctr"/>
+                      <a:r>
+                        <a:rPr lang="en-US" b="1" smtClean="0">
+                          <a:solidFill>
+                            <a:schemeClr val="tx1"/>
+                          </a:solidFill>
+                          <a:latin typeface="Times New Roman" panose="02020603050405020304" pitchFamily="18" charset="0"/>
+                          <a:cs typeface="Times New Roman" panose="02020603050405020304" pitchFamily="18" charset="0"/>
+                        </a:rPr>
+                        <a:t>2</a:t>
+                      </a:r>
+                      <a:endParaRPr lang="en-US" b="1">
+                        <a:solidFill>
+                          <a:schemeClr val="tx1"/>
+                        </a:solidFill>
+                        <a:latin typeface="Times New Roman" panose="02020603050405020304" pitchFamily="18" charset="0"/>
+                        <a:cs typeface="Times New Roman" panose="02020603050405020304" pitchFamily="18" charset="0"/>
+                      </a:endParaRPr>
+                    </a:p>
+                  </a:txBody>
+                  <a:tcPr>
+                    <a:lnL w="12700" cap="flat" cmpd="sng" algn="ctr">
+                      <a:solidFill>
+                        <a:schemeClr val="tx1"/>
+                      </a:solidFill>
+                      <a:prstDash val="solid"/>
+                      <a:round/>
+                      <a:headEnd type="none" w="med" len="med"/>
+                      <a:tailEnd type="none" w="med" len="med"/>
+                    </a:lnL>
+                    <a:lnR w="12700" cap="flat" cmpd="sng" algn="ctr">
+                      <a:solidFill>
+                        <a:schemeClr val="tx1"/>
+                      </a:solidFill>
+                      <a:prstDash val="solid"/>
+                      <a:round/>
+                      <a:headEnd type="none" w="med" len="med"/>
+                      <a:tailEnd type="none" w="med" len="med"/>
+                    </a:lnR>
+                    <a:lnT w="12700" cap="flat" cmpd="sng" algn="ctr">
+                      <a:solidFill>
+                        <a:schemeClr val="tx1"/>
+                      </a:solidFill>
+                      <a:prstDash val="solid"/>
+                      <a:round/>
+                      <a:headEnd type="none" w="med" len="med"/>
+                      <a:tailEnd type="none" w="med" len="med"/>
+                    </a:lnT>
+                    <a:lnB w="12700" cap="flat" cmpd="sng" algn="ctr">
+                      <a:solidFill>
+                        <a:schemeClr val="tx1"/>
+                      </a:solidFill>
+                      <a:prstDash val="solid"/>
+                      <a:round/>
+                      <a:headEnd type="none" w="med" len="med"/>
+                      <a:tailEnd type="none" w="med" len="med"/>
+                    </a:lnB>
+                    <a:lnTlToBr w="12700" cmpd="sng">
+                      <a:noFill/>
+                      <a:prstDash val="solid"/>
+                    </a:lnTlToBr>
+                    <a:lnBlToTr w="12700" cmpd="sng">
+                      <a:noFill/>
+                      <a:prstDash val="solid"/>
+                    </a:lnBlToTr>
+                    <a:solidFill>
+                      <a:schemeClr val="bg1"/>
+                    </a:solidFill>
+                  </a:tcPr>
+                </a:tc>
+                <a:tc>
+                  <a:txBody>
+                    <a:bodyPr/>
+                    <a:lstStyle/>
+                    <a:p>
+                      <a:pPr algn="ctr"/>
+                      <a:r>
+                        <a:rPr lang="en-US" b="1" smtClean="0">
+                          <a:solidFill>
+                            <a:schemeClr val="tx1"/>
+                          </a:solidFill>
+                          <a:latin typeface="Times New Roman" panose="02020603050405020304" pitchFamily="18" charset="0"/>
+                          <a:cs typeface="Times New Roman" panose="02020603050405020304" pitchFamily="18" charset="0"/>
+                        </a:rPr>
+                        <a:t>7</a:t>
+                      </a:r>
+                      <a:endParaRPr lang="en-US" b="1">
+                        <a:solidFill>
+                          <a:schemeClr val="tx1"/>
+                        </a:solidFill>
+                        <a:latin typeface="Times New Roman" panose="02020603050405020304" pitchFamily="18" charset="0"/>
+                        <a:cs typeface="Times New Roman" panose="02020603050405020304" pitchFamily="18" charset="0"/>
+                      </a:endParaRPr>
+                    </a:p>
+                  </a:txBody>
+                  <a:tcPr>
+                    <a:lnL w="12700" cap="flat" cmpd="sng" algn="ctr">
+                      <a:solidFill>
+                        <a:schemeClr val="tx1"/>
+                      </a:solidFill>
+                      <a:prstDash val="solid"/>
+                      <a:round/>
+                      <a:headEnd type="none" w="med" len="med"/>
+                      <a:tailEnd type="none" w="med" len="med"/>
+                    </a:lnL>
+                    <a:lnR w="12700" cap="flat" cmpd="sng" algn="ctr">
+                      <a:solidFill>
+                        <a:schemeClr val="tx1"/>
+                      </a:solidFill>
+                      <a:prstDash val="solid"/>
+                      <a:round/>
+                      <a:headEnd type="none" w="med" len="med"/>
+                      <a:tailEnd type="none" w="med" len="med"/>
+                    </a:lnR>
+                    <a:lnT w="12700" cap="flat" cmpd="sng" algn="ctr">
+                      <a:solidFill>
+                        <a:schemeClr val="tx1"/>
+                      </a:solidFill>
+                      <a:prstDash val="solid"/>
+                      <a:round/>
+                      <a:headEnd type="none" w="med" len="med"/>
+                      <a:tailEnd type="none" w="med" len="med"/>
+                    </a:lnT>
+                    <a:lnB w="12700" cap="flat" cmpd="sng" algn="ctr">
+                      <a:solidFill>
+                        <a:schemeClr val="tx1"/>
+                      </a:solidFill>
+                      <a:prstDash val="solid"/>
+                      <a:round/>
+                      <a:headEnd type="none" w="med" len="med"/>
+                      <a:tailEnd type="none" w="med" len="med"/>
+                    </a:lnB>
+                    <a:lnTlToBr w="12700" cmpd="sng">
+                      <a:noFill/>
+                      <a:prstDash val="solid"/>
+                    </a:lnTlToBr>
+                    <a:lnBlToTr w="12700" cmpd="sng">
+                      <a:noFill/>
+                      <a:prstDash val="solid"/>
+                    </a:lnBlToTr>
+                    <a:solidFill>
+                      <a:schemeClr val="bg1"/>
+                    </a:solidFill>
+                  </a:tcPr>
+                </a:tc>
+                <a:tc>
+                  <a:txBody>
+                    <a:bodyPr/>
+                    <a:lstStyle/>
+                    <a:p>
+                      <a:pPr algn="ctr"/>
+                      <a:r>
+                        <a:rPr lang="en-US" b="1" smtClean="0">
+                          <a:solidFill>
+                            <a:schemeClr val="tx1"/>
+                          </a:solidFill>
+                          <a:latin typeface="Times New Roman" panose="02020603050405020304" pitchFamily="18" charset="0"/>
+                          <a:cs typeface="Times New Roman" panose="02020603050405020304" pitchFamily="18" charset="0"/>
+                        </a:rPr>
+                        <a:t>3</a:t>
+                      </a:r>
+                      <a:endParaRPr lang="en-US" b="1">
+                        <a:solidFill>
+                          <a:schemeClr val="tx1"/>
+                        </a:solidFill>
+                        <a:latin typeface="Times New Roman" panose="02020603050405020304" pitchFamily="18" charset="0"/>
+                        <a:cs typeface="Times New Roman" panose="02020603050405020304" pitchFamily="18" charset="0"/>
+                      </a:endParaRPr>
+                    </a:p>
+                  </a:txBody>
+                  <a:tcPr>
+                    <a:lnL w="12700" cap="flat" cmpd="sng" algn="ctr">
+                      <a:solidFill>
+                        <a:schemeClr val="tx1"/>
+                      </a:solidFill>
+                      <a:prstDash val="solid"/>
+                      <a:round/>
+                      <a:headEnd type="none" w="med" len="med"/>
+                      <a:tailEnd type="none" w="med" len="med"/>
+                    </a:lnL>
+                    <a:lnR w="12700" cap="flat" cmpd="sng" algn="ctr">
+                      <a:solidFill>
+                        <a:schemeClr val="tx1"/>
+                      </a:solidFill>
+                      <a:prstDash val="solid"/>
+                      <a:round/>
+                      <a:headEnd type="none" w="med" len="med"/>
+                      <a:tailEnd type="none" w="med" len="med"/>
+                    </a:lnR>
+                    <a:lnT w="12700" cap="flat" cmpd="sng" algn="ctr">
+                      <a:solidFill>
+                        <a:schemeClr val="tx1"/>
+                      </a:solidFill>
+                      <a:prstDash val="solid"/>
+                      <a:round/>
+                      <a:headEnd type="none" w="med" len="med"/>
+                      <a:tailEnd type="none" w="med" len="med"/>
+                    </a:lnT>
+                    <a:lnB w="12700" cap="flat" cmpd="sng" algn="ctr">
+                      <a:solidFill>
+                        <a:schemeClr val="tx1"/>
+                      </a:solidFill>
+                      <a:prstDash val="solid"/>
+                      <a:round/>
+                      <a:headEnd type="none" w="med" len="med"/>
+                      <a:tailEnd type="none" w="med" len="med"/>
+                    </a:lnB>
+                    <a:lnTlToBr w="12700" cmpd="sng">
+                      <a:noFill/>
+                      <a:prstDash val="solid"/>
+                    </a:lnTlToBr>
+                    <a:lnBlToTr w="12700" cmpd="sng">
+                      <a:noFill/>
+                      <a:prstDash val="solid"/>
+                    </a:lnBlToTr>
+                    <a:solidFill>
+                      <a:schemeClr val="bg1"/>
+                    </a:solidFill>
+                  </a:tcPr>
+                </a:tc>
+              </a:tr>
+              <a:tr h="609600">
+                <a:tc>
+                  <a:txBody>
+                    <a:bodyPr/>
+                    <a:lstStyle/>
+                    <a:p>
+                      <a:pPr algn="ctr"/>
+                      <a:r>
+                        <a:rPr lang="en-US" b="1" smtClean="0">
+                          <a:solidFill>
+                            <a:schemeClr val="tx1"/>
+                          </a:solidFill>
+                          <a:latin typeface="Times New Roman" panose="02020603050405020304" pitchFamily="18" charset="0"/>
+                          <a:cs typeface="Times New Roman" panose="02020603050405020304" pitchFamily="18" charset="0"/>
+                        </a:rPr>
+                        <a:t>4</a:t>
+                      </a:r>
+                      <a:endParaRPr lang="en-US" b="1">
+                        <a:solidFill>
+                          <a:schemeClr val="tx1"/>
+                        </a:solidFill>
+                        <a:latin typeface="Times New Roman" panose="02020603050405020304" pitchFamily="18" charset="0"/>
+                        <a:cs typeface="Times New Roman" panose="02020603050405020304" pitchFamily="18" charset="0"/>
+                      </a:endParaRPr>
+                    </a:p>
+                  </a:txBody>
+                  <a:tcPr>
+                    <a:lnL w="12700" cap="flat" cmpd="sng" algn="ctr">
+                      <a:solidFill>
+                        <a:schemeClr val="tx1"/>
+                      </a:solidFill>
+                      <a:prstDash val="solid"/>
+                      <a:round/>
+                      <a:headEnd type="none" w="med" len="med"/>
+                      <a:tailEnd type="none" w="med" len="med"/>
+                    </a:lnL>
+                    <a:lnR w="12700" cap="flat" cmpd="sng" algn="ctr">
+                      <a:solidFill>
+                        <a:schemeClr val="tx1"/>
+                      </a:solidFill>
+                      <a:prstDash val="solid"/>
+                      <a:round/>
+                      <a:headEnd type="none" w="med" len="med"/>
+                      <a:tailEnd type="none" w="med" len="med"/>
+                    </a:lnR>
+                    <a:lnT w="12700" cap="flat" cmpd="sng" algn="ctr">
+                      <a:solidFill>
+                        <a:schemeClr val="tx1"/>
+                      </a:solidFill>
+                      <a:prstDash val="solid"/>
+                      <a:round/>
+                      <a:headEnd type="none" w="med" len="med"/>
+                      <a:tailEnd type="none" w="med" len="med"/>
+                    </a:lnT>
+                    <a:lnB w="12700" cap="flat" cmpd="sng" algn="ctr">
+                      <a:solidFill>
+                        <a:schemeClr val="tx1"/>
+                      </a:solidFill>
+                      <a:prstDash val="solid"/>
+                      <a:round/>
+                      <a:headEnd type="none" w="med" len="med"/>
+                      <a:tailEnd type="none" w="med" len="med"/>
+                    </a:lnB>
+                    <a:lnTlToBr w="12700" cmpd="sng">
+                      <a:noFill/>
+                      <a:prstDash val="solid"/>
+                    </a:lnTlToBr>
+                    <a:lnBlToTr w="12700" cmpd="sng">
+                      <a:noFill/>
+                      <a:prstDash val="solid"/>
+                    </a:lnBlToTr>
+                    <a:solidFill>
+                      <a:schemeClr val="bg1"/>
+                    </a:solidFill>
+                  </a:tcPr>
+                </a:tc>
+                <a:tc>
+                  <a:txBody>
+                    <a:bodyPr/>
+                    <a:lstStyle/>
+                    <a:p>
+                      <a:pPr algn="ctr"/>
+                      <a:r>
+                        <a:rPr lang="en-US" b="1" smtClean="0">
+                          <a:solidFill>
+                            <a:schemeClr val="tx1"/>
+                          </a:solidFill>
+                          <a:latin typeface="Times New Roman" panose="02020603050405020304" pitchFamily="18" charset="0"/>
+                          <a:cs typeface="Times New Roman" panose="02020603050405020304" pitchFamily="18" charset="0"/>
+                        </a:rPr>
+                        <a:t>2</a:t>
+                      </a:r>
+                      <a:endParaRPr lang="en-US" b="1">
+                        <a:solidFill>
+                          <a:schemeClr val="tx1"/>
+                        </a:solidFill>
+                        <a:latin typeface="Times New Roman" panose="02020603050405020304" pitchFamily="18" charset="0"/>
+                        <a:cs typeface="Times New Roman" panose="02020603050405020304" pitchFamily="18" charset="0"/>
+                      </a:endParaRPr>
+                    </a:p>
+                  </a:txBody>
+                  <a:tcPr>
+                    <a:lnL w="12700" cap="flat" cmpd="sng" algn="ctr">
+                      <a:solidFill>
+                        <a:schemeClr val="tx1"/>
+                      </a:solidFill>
+                      <a:prstDash val="solid"/>
+                      <a:round/>
+                      <a:headEnd type="none" w="med" len="med"/>
+                      <a:tailEnd type="none" w="med" len="med"/>
+                    </a:lnL>
+                    <a:lnR w="12700" cap="flat" cmpd="sng" algn="ctr">
+                      <a:solidFill>
+                        <a:schemeClr val="tx1"/>
+                      </a:solidFill>
+                      <a:prstDash val="solid"/>
+                      <a:round/>
+                      <a:headEnd type="none" w="med" len="med"/>
+                      <a:tailEnd type="none" w="med" len="med"/>
+                    </a:lnR>
+                    <a:lnT w="12700" cap="flat" cmpd="sng" algn="ctr">
+                      <a:solidFill>
+                        <a:schemeClr val="tx1"/>
+                      </a:solidFill>
+                      <a:prstDash val="solid"/>
+                      <a:round/>
+                      <a:headEnd type="none" w="med" len="med"/>
+                      <a:tailEnd type="none" w="med" len="med"/>
+                    </a:lnT>
+                    <a:lnB w="12700" cap="flat" cmpd="sng" algn="ctr">
+                      <a:solidFill>
+                        <a:schemeClr val="tx1"/>
+                      </a:solidFill>
+                      <a:prstDash val="solid"/>
+                      <a:round/>
+                      <a:headEnd type="none" w="med" len="med"/>
+                      <a:tailEnd type="none" w="med" len="med"/>
+                    </a:lnB>
+                    <a:lnTlToBr w="12700" cmpd="sng">
+                      <a:noFill/>
+                      <a:prstDash val="solid"/>
+                    </a:lnTlToBr>
+                    <a:lnBlToTr w="12700" cmpd="sng">
+                      <a:noFill/>
+                      <a:prstDash val="solid"/>
+                    </a:lnBlToTr>
+                    <a:solidFill>
+                      <a:schemeClr val="bg1"/>
+                    </a:solidFill>
+                  </a:tcPr>
+                </a:tc>
+                <a:tc>
+                  <a:txBody>
+                    <a:bodyPr/>
+                    <a:lstStyle/>
+                    <a:p>
+                      <a:pPr algn="ctr"/>
+                      <a:r>
+                        <a:rPr lang="en-US" b="1" smtClean="0">
+                          <a:solidFill>
+                            <a:schemeClr val="tx1"/>
+                          </a:solidFill>
+                          <a:latin typeface="Times New Roman" panose="02020603050405020304" pitchFamily="18" charset="0"/>
+                          <a:cs typeface="Times New Roman" panose="02020603050405020304" pitchFamily="18" charset="0"/>
+                        </a:rPr>
+                        <a:t>3</a:t>
+                      </a:r>
+                      <a:endParaRPr lang="en-US" b="1">
+                        <a:solidFill>
+                          <a:schemeClr val="tx1"/>
+                        </a:solidFill>
+                        <a:latin typeface="Times New Roman" panose="02020603050405020304" pitchFamily="18" charset="0"/>
+                        <a:cs typeface="Times New Roman" panose="02020603050405020304" pitchFamily="18" charset="0"/>
+                      </a:endParaRPr>
+                    </a:p>
+                  </a:txBody>
+                  <a:tcPr>
+                    <a:lnL w="12700" cap="flat" cmpd="sng" algn="ctr">
+                      <a:solidFill>
+                        <a:schemeClr val="tx1"/>
+                      </a:solidFill>
+                      <a:prstDash val="solid"/>
+                      <a:round/>
+                      <a:headEnd type="none" w="med" len="med"/>
+                      <a:tailEnd type="none" w="med" len="med"/>
+                    </a:lnL>
+                    <a:lnR w="12700" cap="flat" cmpd="sng" algn="ctr">
+                      <a:solidFill>
+                        <a:schemeClr val="tx1"/>
+                      </a:solidFill>
+                      <a:prstDash val="solid"/>
+                      <a:round/>
+                      <a:headEnd type="none" w="med" len="med"/>
+                      <a:tailEnd type="none" w="med" len="med"/>
+                    </a:lnR>
+                    <a:lnT w="12700" cap="flat" cmpd="sng" algn="ctr">
+                      <a:solidFill>
+                        <a:schemeClr val="tx1"/>
+                      </a:solidFill>
+                      <a:prstDash val="solid"/>
+                      <a:round/>
+                      <a:headEnd type="none" w="med" len="med"/>
+                      <a:tailEnd type="none" w="med" len="med"/>
+                    </a:lnT>
+                    <a:lnB w="12700" cap="flat" cmpd="sng" algn="ctr">
+                      <a:solidFill>
+                        <a:schemeClr val="tx1"/>
+                      </a:solidFill>
+                      <a:prstDash val="solid"/>
+                      <a:round/>
+                      <a:headEnd type="none" w="med" len="med"/>
+                      <a:tailEnd type="none" w="med" len="med"/>
+                    </a:lnB>
+                    <a:lnTlToBr w="12700" cmpd="sng">
+                      <a:noFill/>
+                      <a:prstDash val="solid"/>
+                    </a:lnTlToBr>
+                    <a:lnBlToTr w="12700" cmpd="sng">
+                      <a:noFill/>
+                      <a:prstDash val="solid"/>
+                    </a:lnBlToTr>
+                    <a:solidFill>
+                      <a:schemeClr val="bg1"/>
+                    </a:solidFill>
+                  </a:tcPr>
+                </a:tc>
+                <a:tc>
+                  <a:txBody>
+                    <a:bodyPr/>
+                    <a:lstStyle/>
+                    <a:p>
+                      <a:pPr algn="ctr"/>
+                      <a:r>
+                        <a:rPr lang="en-US" b="1" smtClean="0">
+                          <a:solidFill>
+                            <a:schemeClr val="tx1"/>
+                          </a:solidFill>
+                          <a:latin typeface="Times New Roman" panose="02020603050405020304" pitchFamily="18" charset="0"/>
+                          <a:cs typeface="Times New Roman" panose="02020603050405020304" pitchFamily="18" charset="0"/>
+                        </a:rPr>
+                        <a:t>4</a:t>
+                      </a:r>
+                      <a:endParaRPr lang="en-US" b="1">
+                        <a:solidFill>
+                          <a:schemeClr val="tx1"/>
+                        </a:solidFill>
+                        <a:latin typeface="Times New Roman" panose="02020603050405020304" pitchFamily="18" charset="0"/>
+                        <a:cs typeface="Times New Roman" panose="02020603050405020304" pitchFamily="18" charset="0"/>
+                      </a:endParaRPr>
+                    </a:p>
+                  </a:txBody>
+                  <a:tcPr>
+                    <a:lnL w="12700" cap="flat" cmpd="sng" algn="ctr">
+                      <a:solidFill>
+                        <a:schemeClr val="tx1"/>
+                      </a:solidFill>
+                      <a:prstDash val="solid"/>
+                      <a:round/>
+                      <a:headEnd type="none" w="med" len="med"/>
+                      <a:tailEnd type="none" w="med" len="med"/>
+                    </a:lnL>
+                    <a:lnR w="12700" cap="flat" cmpd="sng" algn="ctr">
+                      <a:solidFill>
+                        <a:schemeClr val="tx1"/>
+                      </a:solidFill>
+                      <a:prstDash val="solid"/>
+                      <a:round/>
+                      <a:headEnd type="none" w="med" len="med"/>
+                      <a:tailEnd type="none" w="med" len="med"/>
+                    </a:lnR>
+                    <a:lnT w="12700" cap="flat" cmpd="sng" algn="ctr">
+                      <a:solidFill>
+                        <a:schemeClr val="tx1"/>
+                      </a:solidFill>
+                      <a:prstDash val="solid"/>
+                      <a:round/>
+                      <a:headEnd type="none" w="med" len="med"/>
+                      <a:tailEnd type="none" w="med" len="med"/>
+                    </a:lnT>
+                    <a:lnB w="12700" cap="flat" cmpd="sng" algn="ctr">
+                      <a:solidFill>
+                        <a:schemeClr val="tx1"/>
+                      </a:solidFill>
+                      <a:prstDash val="solid"/>
+                      <a:round/>
+                      <a:headEnd type="none" w="med" len="med"/>
+                      <a:tailEnd type="none" w="med" len="med"/>
+                    </a:lnB>
+                    <a:lnTlToBr w="12700" cmpd="sng">
+                      <a:noFill/>
+                      <a:prstDash val="solid"/>
+                    </a:lnTlToBr>
+                    <a:lnBlToTr w="12700" cmpd="sng">
+                      <a:noFill/>
+                      <a:prstDash val="solid"/>
+                    </a:lnBlToTr>
+                    <a:solidFill>
+                      <a:schemeClr val="bg1"/>
+                    </a:solidFill>
+                  </a:tcPr>
+                </a:tc>
+                <a:tc>
+                  <a:txBody>
+                    <a:bodyPr/>
+                    <a:lstStyle/>
+                    <a:p>
+                      <a:pPr algn="ctr"/>
+                      <a:r>
+                        <a:rPr lang="en-US" b="1" smtClean="0">
+                          <a:solidFill>
+                            <a:schemeClr val="tx1"/>
+                          </a:solidFill>
+                          <a:latin typeface="Times New Roman" panose="02020603050405020304" pitchFamily="18" charset="0"/>
+                          <a:cs typeface="Times New Roman" panose="02020603050405020304" pitchFamily="18" charset="0"/>
+                        </a:rPr>
+                        <a:t>8</a:t>
+                      </a:r>
+                      <a:endParaRPr lang="en-US" b="1">
+                        <a:solidFill>
+                          <a:schemeClr val="tx1"/>
+                        </a:solidFill>
+                        <a:latin typeface="Times New Roman" panose="02020603050405020304" pitchFamily="18" charset="0"/>
+                        <a:cs typeface="Times New Roman" panose="02020603050405020304" pitchFamily="18" charset="0"/>
+                      </a:endParaRPr>
+                    </a:p>
+                  </a:txBody>
+                  <a:tcPr>
+                    <a:lnL w="12700" cap="flat" cmpd="sng" algn="ctr">
+                      <a:solidFill>
+                        <a:schemeClr val="tx1"/>
+                      </a:solidFill>
+                      <a:prstDash val="solid"/>
+                      <a:round/>
+                      <a:headEnd type="none" w="med" len="med"/>
+                      <a:tailEnd type="none" w="med" len="med"/>
+                    </a:lnL>
+                    <a:lnR w="12700" cap="flat" cmpd="sng" algn="ctr">
+                      <a:solidFill>
+                        <a:schemeClr val="tx1"/>
+                      </a:solidFill>
+                      <a:prstDash val="solid"/>
+                      <a:round/>
+                      <a:headEnd type="none" w="med" len="med"/>
+                      <a:tailEnd type="none" w="med" len="med"/>
+                    </a:lnR>
+                    <a:lnT w="12700" cap="flat" cmpd="sng" algn="ctr">
+                      <a:solidFill>
+                        <a:schemeClr val="tx1"/>
+                      </a:solidFill>
+                      <a:prstDash val="solid"/>
+                      <a:round/>
+                      <a:headEnd type="none" w="med" len="med"/>
+                      <a:tailEnd type="none" w="med" len="med"/>
+                    </a:lnT>
+                    <a:lnB w="12700" cap="flat" cmpd="sng" algn="ctr">
+                      <a:solidFill>
+                        <a:schemeClr val="tx1"/>
+                      </a:solidFill>
+                      <a:prstDash val="solid"/>
+                      <a:round/>
+                      <a:headEnd type="none" w="med" len="med"/>
+                      <a:tailEnd type="none" w="med" len="med"/>
+                    </a:lnB>
+                    <a:lnTlToBr w="12700" cmpd="sng">
+                      <a:noFill/>
+                      <a:prstDash val="solid"/>
+                    </a:lnTlToBr>
+                    <a:lnBlToTr w="12700" cmpd="sng">
+                      <a:noFill/>
+                      <a:prstDash val="solid"/>
+                    </a:lnBlToTr>
+                    <a:solidFill>
+                      <a:schemeClr val="bg1"/>
+                    </a:solidFill>
+                  </a:tcPr>
+                </a:tc>
+                <a:tc>
+                  <a:txBody>
+                    <a:bodyPr/>
+                    <a:lstStyle/>
+                    <a:p>
+                      <a:pPr algn="ctr"/>
+                      <a:r>
+                        <a:rPr lang="en-US" b="1" smtClean="0">
+                          <a:solidFill>
+                            <a:schemeClr val="tx1"/>
+                          </a:solidFill>
+                          <a:latin typeface="Times New Roman" panose="02020603050405020304" pitchFamily="18" charset="0"/>
+                          <a:cs typeface="Times New Roman" panose="02020603050405020304" pitchFamily="18" charset="0"/>
+                        </a:rPr>
+                        <a:t>9</a:t>
+                      </a:r>
+                      <a:endParaRPr lang="en-US" b="1">
+                        <a:solidFill>
+                          <a:schemeClr val="tx1"/>
+                        </a:solidFill>
+                        <a:latin typeface="Times New Roman" panose="02020603050405020304" pitchFamily="18" charset="0"/>
+                        <a:cs typeface="Times New Roman" panose="02020603050405020304" pitchFamily="18" charset="0"/>
+                      </a:endParaRPr>
+                    </a:p>
+                  </a:txBody>
+                  <a:tcPr>
+                    <a:lnL w="12700" cap="flat" cmpd="sng" algn="ctr">
+                      <a:solidFill>
+                        <a:schemeClr val="tx1"/>
+                      </a:solidFill>
+                      <a:prstDash val="solid"/>
+                      <a:round/>
+                      <a:headEnd type="none" w="med" len="med"/>
+                      <a:tailEnd type="none" w="med" len="med"/>
+                    </a:lnL>
+                    <a:lnR w="12700" cap="flat" cmpd="sng" algn="ctr">
+                      <a:solidFill>
+                        <a:schemeClr val="tx1"/>
+                      </a:solidFill>
+                      <a:prstDash val="solid"/>
+                      <a:round/>
+                      <a:headEnd type="none" w="med" len="med"/>
+                      <a:tailEnd type="none" w="med" len="med"/>
+                    </a:lnR>
+                    <a:lnT w="12700" cap="flat" cmpd="sng" algn="ctr">
+                      <a:solidFill>
+                        <a:schemeClr val="tx1"/>
+                      </a:solidFill>
+                      <a:prstDash val="solid"/>
+                      <a:round/>
+                      <a:headEnd type="none" w="med" len="med"/>
+                      <a:tailEnd type="none" w="med" len="med"/>
+                    </a:lnT>
+                    <a:lnB w="12700" cap="flat" cmpd="sng" algn="ctr">
+                      <a:solidFill>
+                        <a:schemeClr val="tx1"/>
+                      </a:solidFill>
+                      <a:prstDash val="solid"/>
+                      <a:round/>
+                      <a:headEnd type="none" w="med" len="med"/>
+                      <a:tailEnd type="none" w="med" len="med"/>
+                    </a:lnB>
+                    <a:lnTlToBr w="12700" cmpd="sng">
+                      <a:noFill/>
+                      <a:prstDash val="solid"/>
+                    </a:lnTlToBr>
+                    <a:lnBlToTr w="12700" cmpd="sng">
+                      <a:noFill/>
+                      <a:prstDash val="solid"/>
+                    </a:lnBlToTr>
+                    <a:solidFill>
+                      <a:schemeClr val="bg1"/>
+                    </a:solidFill>
+                  </a:tcPr>
+                </a:tc>
+              </a:tr>
+              <a:tr h="609600">
+                <a:tc>
+                  <a:txBody>
+                    <a:bodyPr/>
+                    <a:lstStyle/>
+                    <a:p>
+                      <a:pPr algn="ctr"/>
+                      <a:r>
+                        <a:rPr lang="en-US" b="1" smtClean="0">
+                          <a:solidFill>
+                            <a:schemeClr val="tx1"/>
+                          </a:solidFill>
+                          <a:latin typeface="Times New Roman" panose="02020603050405020304" pitchFamily="18" charset="0"/>
+                          <a:cs typeface="Times New Roman" panose="02020603050405020304" pitchFamily="18" charset="0"/>
+                        </a:rPr>
+                        <a:t>9</a:t>
+                      </a:r>
+                      <a:endParaRPr lang="en-US" b="1">
+                        <a:solidFill>
+                          <a:schemeClr val="tx1"/>
+                        </a:solidFill>
+                        <a:latin typeface="Times New Roman" panose="02020603050405020304" pitchFamily="18" charset="0"/>
+                        <a:cs typeface="Times New Roman" panose="02020603050405020304" pitchFamily="18" charset="0"/>
+                      </a:endParaRPr>
+                    </a:p>
+                  </a:txBody>
+                  <a:tcPr>
+                    <a:lnL w="12700" cap="flat" cmpd="sng" algn="ctr">
+                      <a:solidFill>
+                        <a:schemeClr val="tx1"/>
+                      </a:solidFill>
+                      <a:prstDash val="solid"/>
+                      <a:round/>
+                      <a:headEnd type="none" w="med" len="med"/>
+                      <a:tailEnd type="none" w="med" len="med"/>
+                    </a:lnL>
+                    <a:lnR w="12700" cap="flat" cmpd="sng" algn="ctr">
+                      <a:solidFill>
+                        <a:schemeClr val="tx1"/>
+                      </a:solidFill>
+                      <a:prstDash val="solid"/>
+                      <a:round/>
+                      <a:headEnd type="none" w="med" len="med"/>
+                      <a:tailEnd type="none" w="med" len="med"/>
+                    </a:lnR>
+                    <a:lnT w="12700" cap="flat" cmpd="sng" algn="ctr">
+                      <a:solidFill>
+                        <a:schemeClr val="tx1"/>
+                      </a:solidFill>
+                      <a:prstDash val="solid"/>
+                      <a:round/>
+                      <a:headEnd type="none" w="med" len="med"/>
+                      <a:tailEnd type="none" w="med" len="med"/>
+                    </a:lnT>
+                    <a:lnB w="12700" cap="flat" cmpd="sng" algn="ctr">
+                      <a:solidFill>
+                        <a:schemeClr val="tx1"/>
+                      </a:solidFill>
+                      <a:prstDash val="solid"/>
+                      <a:round/>
+                      <a:headEnd type="none" w="med" len="med"/>
+                      <a:tailEnd type="none" w="med" len="med"/>
+                    </a:lnB>
+                    <a:lnTlToBr w="12700" cmpd="sng">
+                      <a:noFill/>
+                      <a:prstDash val="solid"/>
+                    </a:lnTlToBr>
+                    <a:lnBlToTr w="12700" cmpd="sng">
+                      <a:noFill/>
+                      <a:prstDash val="solid"/>
+                    </a:lnBlToTr>
+                    <a:solidFill>
+                      <a:schemeClr val="bg1"/>
+                    </a:solidFill>
+                  </a:tcPr>
+                </a:tc>
+                <a:tc>
+                  <a:txBody>
+                    <a:bodyPr/>
+                    <a:lstStyle/>
+                    <a:p>
+                      <a:pPr algn="ctr"/>
+                      <a:r>
+                        <a:rPr lang="en-US" b="1" smtClean="0">
+                          <a:solidFill>
+                            <a:schemeClr val="tx1"/>
+                          </a:solidFill>
+                          <a:latin typeface="Times New Roman" panose="02020603050405020304" pitchFamily="18" charset="0"/>
+                          <a:cs typeface="Times New Roman" panose="02020603050405020304" pitchFamily="18" charset="0"/>
+                        </a:rPr>
+                        <a:t>8</a:t>
+                      </a:r>
+                      <a:endParaRPr lang="en-US" b="1">
+                        <a:solidFill>
+                          <a:schemeClr val="tx1"/>
+                        </a:solidFill>
+                        <a:latin typeface="Times New Roman" panose="02020603050405020304" pitchFamily="18" charset="0"/>
+                        <a:cs typeface="Times New Roman" panose="02020603050405020304" pitchFamily="18" charset="0"/>
+                      </a:endParaRPr>
+                    </a:p>
+                  </a:txBody>
+                  <a:tcPr>
+                    <a:lnL w="12700" cap="flat" cmpd="sng" algn="ctr">
+                      <a:solidFill>
+                        <a:schemeClr val="tx1"/>
+                      </a:solidFill>
+                      <a:prstDash val="solid"/>
+                      <a:round/>
+                      <a:headEnd type="none" w="med" len="med"/>
+                      <a:tailEnd type="none" w="med" len="med"/>
+                    </a:lnL>
+                    <a:lnR w="12700" cap="flat" cmpd="sng" algn="ctr">
+                      <a:solidFill>
+                        <a:schemeClr val="tx1"/>
+                      </a:solidFill>
+                      <a:prstDash val="solid"/>
+                      <a:round/>
+                      <a:headEnd type="none" w="med" len="med"/>
+                      <a:tailEnd type="none" w="med" len="med"/>
+                    </a:lnR>
+                    <a:lnT w="12700" cap="flat" cmpd="sng" algn="ctr">
+                      <a:solidFill>
+                        <a:schemeClr val="tx1"/>
+                      </a:solidFill>
+                      <a:prstDash val="solid"/>
+                      <a:round/>
+                      <a:headEnd type="none" w="med" len="med"/>
+                      <a:tailEnd type="none" w="med" len="med"/>
+                    </a:lnT>
+                    <a:lnB w="12700" cap="flat" cmpd="sng" algn="ctr">
+                      <a:solidFill>
+                        <a:schemeClr val="tx1"/>
+                      </a:solidFill>
+                      <a:prstDash val="solid"/>
+                      <a:round/>
+                      <a:headEnd type="none" w="med" len="med"/>
+                      <a:tailEnd type="none" w="med" len="med"/>
+                    </a:lnB>
+                    <a:lnTlToBr w="12700" cmpd="sng">
+                      <a:noFill/>
+                      <a:prstDash val="solid"/>
+                    </a:lnTlToBr>
+                    <a:lnBlToTr w="12700" cmpd="sng">
+                      <a:noFill/>
+                      <a:prstDash val="solid"/>
+                    </a:lnBlToTr>
+                    <a:solidFill>
+                      <a:schemeClr val="bg1"/>
+                    </a:solidFill>
+                  </a:tcPr>
+                </a:tc>
+                <a:tc>
+                  <a:txBody>
+                    <a:bodyPr/>
+                    <a:lstStyle/>
+                    <a:p>
+                      <a:pPr algn="ctr"/>
+                      <a:r>
+                        <a:rPr lang="en-US" b="1" smtClean="0">
+                          <a:solidFill>
+                            <a:schemeClr val="tx1"/>
+                          </a:solidFill>
+                          <a:latin typeface="Times New Roman" panose="02020603050405020304" pitchFamily="18" charset="0"/>
+                          <a:cs typeface="Times New Roman" panose="02020603050405020304" pitchFamily="18" charset="0"/>
+                        </a:rPr>
+                        <a:t>2</a:t>
+                      </a:r>
+                      <a:endParaRPr lang="en-US" b="1">
+                        <a:solidFill>
+                          <a:schemeClr val="tx1"/>
+                        </a:solidFill>
+                        <a:latin typeface="Times New Roman" panose="02020603050405020304" pitchFamily="18" charset="0"/>
+                        <a:cs typeface="Times New Roman" panose="02020603050405020304" pitchFamily="18" charset="0"/>
+                      </a:endParaRPr>
+                    </a:p>
+                  </a:txBody>
+                  <a:tcPr>
+                    <a:lnL w="12700" cap="flat" cmpd="sng" algn="ctr">
+                      <a:solidFill>
+                        <a:schemeClr val="tx1"/>
+                      </a:solidFill>
+                      <a:prstDash val="solid"/>
+                      <a:round/>
+                      <a:headEnd type="none" w="med" len="med"/>
+                      <a:tailEnd type="none" w="med" len="med"/>
+                    </a:lnL>
+                    <a:lnR w="12700" cap="flat" cmpd="sng" algn="ctr">
+                      <a:solidFill>
+                        <a:schemeClr val="tx1"/>
+                      </a:solidFill>
+                      <a:prstDash val="solid"/>
+                      <a:round/>
+                      <a:headEnd type="none" w="med" len="med"/>
+                      <a:tailEnd type="none" w="med" len="med"/>
+                    </a:lnR>
+                    <a:lnT w="12700" cap="flat" cmpd="sng" algn="ctr">
+                      <a:solidFill>
+                        <a:schemeClr val="tx1"/>
+                      </a:solidFill>
+                      <a:prstDash val="solid"/>
+                      <a:round/>
+                      <a:headEnd type="none" w="med" len="med"/>
+                      <a:tailEnd type="none" w="med" len="med"/>
+                    </a:lnT>
+                    <a:lnB w="12700" cap="flat" cmpd="sng" algn="ctr">
+                      <a:solidFill>
+                        <a:schemeClr val="tx1"/>
+                      </a:solidFill>
+                      <a:prstDash val="solid"/>
+                      <a:round/>
+                      <a:headEnd type="none" w="med" len="med"/>
+                      <a:tailEnd type="none" w="med" len="med"/>
+                    </a:lnB>
+                    <a:lnTlToBr w="12700" cmpd="sng">
+                      <a:noFill/>
+                      <a:prstDash val="solid"/>
+                    </a:lnTlToBr>
+                    <a:lnBlToTr w="12700" cmpd="sng">
+                      <a:noFill/>
+                      <a:prstDash val="solid"/>
+                    </a:lnBlToTr>
+                    <a:solidFill>
+                      <a:srgbClr val="00B0F0"/>
+                    </a:solidFill>
+                  </a:tcPr>
+                </a:tc>
+                <a:tc>
+                  <a:txBody>
+                    <a:bodyPr/>
+                    <a:lstStyle/>
+                    <a:p>
+                      <a:pPr algn="ctr"/>
+                      <a:r>
+                        <a:rPr lang="en-US" b="1" smtClean="0">
+                          <a:solidFill>
+                            <a:schemeClr val="tx1"/>
+                          </a:solidFill>
+                          <a:latin typeface="Times New Roman" panose="02020603050405020304" pitchFamily="18" charset="0"/>
+                          <a:cs typeface="Times New Roman" panose="02020603050405020304" pitchFamily="18" charset="0"/>
+                        </a:rPr>
+                        <a:t>9</a:t>
+                      </a:r>
+                      <a:endParaRPr lang="en-US" b="1">
+                        <a:solidFill>
+                          <a:schemeClr val="tx1"/>
+                        </a:solidFill>
+                        <a:latin typeface="Times New Roman" panose="02020603050405020304" pitchFamily="18" charset="0"/>
+                        <a:cs typeface="Times New Roman" panose="02020603050405020304" pitchFamily="18" charset="0"/>
+                      </a:endParaRPr>
+                    </a:p>
+                  </a:txBody>
+                  <a:tcPr>
+                    <a:lnL w="12700" cap="flat" cmpd="sng" algn="ctr">
+                      <a:solidFill>
+                        <a:schemeClr val="tx1"/>
+                      </a:solidFill>
+                      <a:prstDash val="solid"/>
+                      <a:round/>
+                      <a:headEnd type="none" w="med" len="med"/>
+                      <a:tailEnd type="none" w="med" len="med"/>
+                    </a:lnL>
+                    <a:lnR w="12700" cap="flat" cmpd="sng" algn="ctr">
+                      <a:solidFill>
+                        <a:schemeClr val="tx1"/>
+                      </a:solidFill>
+                      <a:prstDash val="solid"/>
+                      <a:round/>
+                      <a:headEnd type="none" w="med" len="med"/>
+                      <a:tailEnd type="none" w="med" len="med"/>
+                    </a:lnR>
+                    <a:lnT w="12700" cap="flat" cmpd="sng" algn="ctr">
+                      <a:solidFill>
+                        <a:schemeClr val="tx1"/>
+                      </a:solidFill>
+                      <a:prstDash val="solid"/>
+                      <a:round/>
+                      <a:headEnd type="none" w="med" len="med"/>
+                      <a:tailEnd type="none" w="med" len="med"/>
+                    </a:lnT>
+                    <a:lnB w="12700" cap="flat" cmpd="sng" algn="ctr">
+                      <a:solidFill>
+                        <a:schemeClr val="tx1"/>
+                      </a:solidFill>
+                      <a:prstDash val="solid"/>
+                      <a:round/>
+                      <a:headEnd type="none" w="med" len="med"/>
+                      <a:tailEnd type="none" w="med" len="med"/>
+                    </a:lnB>
+                    <a:lnTlToBr w="12700" cmpd="sng">
+                      <a:noFill/>
+                      <a:prstDash val="solid"/>
+                    </a:lnTlToBr>
+                    <a:lnBlToTr w="12700" cmpd="sng">
+                      <a:noFill/>
+                      <a:prstDash val="solid"/>
+                    </a:lnBlToTr>
+                    <a:solidFill>
+                      <a:schemeClr val="bg1"/>
+                    </a:solidFill>
+                  </a:tcPr>
+                </a:tc>
+                <a:tc>
+                  <a:txBody>
+                    <a:bodyPr/>
+                    <a:lstStyle/>
+                    <a:p>
+                      <a:pPr algn="ctr"/>
+                      <a:r>
+                        <a:rPr lang="en-US" b="1" smtClean="0">
+                          <a:solidFill>
+                            <a:schemeClr val="tx1"/>
+                          </a:solidFill>
+                          <a:latin typeface="Times New Roman" panose="02020603050405020304" pitchFamily="18" charset="0"/>
+                          <a:cs typeface="Times New Roman" panose="02020603050405020304" pitchFamily="18" charset="0"/>
+                        </a:rPr>
+                        <a:t>2</a:t>
+                      </a:r>
+                      <a:endParaRPr lang="en-US" b="1">
+                        <a:solidFill>
+                          <a:schemeClr val="tx1"/>
+                        </a:solidFill>
+                        <a:latin typeface="Times New Roman" panose="02020603050405020304" pitchFamily="18" charset="0"/>
+                        <a:cs typeface="Times New Roman" panose="02020603050405020304" pitchFamily="18" charset="0"/>
+                      </a:endParaRPr>
+                    </a:p>
+                  </a:txBody>
+                  <a:tcPr>
+                    <a:lnL w="12700" cap="flat" cmpd="sng" algn="ctr">
+                      <a:solidFill>
+                        <a:schemeClr val="tx1"/>
+                      </a:solidFill>
+                      <a:prstDash val="solid"/>
+                      <a:round/>
+                      <a:headEnd type="none" w="med" len="med"/>
+                      <a:tailEnd type="none" w="med" len="med"/>
+                    </a:lnL>
+                    <a:lnR w="12700" cap="flat" cmpd="sng" algn="ctr">
+                      <a:solidFill>
+                        <a:schemeClr val="tx1"/>
+                      </a:solidFill>
+                      <a:prstDash val="solid"/>
+                      <a:round/>
+                      <a:headEnd type="none" w="med" len="med"/>
+                      <a:tailEnd type="none" w="med" len="med"/>
+                    </a:lnR>
+                    <a:lnT w="12700" cap="flat" cmpd="sng" algn="ctr">
+                      <a:solidFill>
+                        <a:schemeClr val="tx1"/>
+                      </a:solidFill>
+                      <a:prstDash val="solid"/>
+                      <a:round/>
+                      <a:headEnd type="none" w="med" len="med"/>
+                      <a:tailEnd type="none" w="med" len="med"/>
+                    </a:lnT>
+                    <a:lnB w="12700" cap="flat" cmpd="sng" algn="ctr">
+                      <a:solidFill>
+                        <a:schemeClr val="tx1"/>
+                      </a:solidFill>
+                      <a:prstDash val="solid"/>
+                      <a:round/>
+                      <a:headEnd type="none" w="med" len="med"/>
+                      <a:tailEnd type="none" w="med" len="med"/>
+                    </a:lnB>
+                    <a:lnTlToBr w="12700" cmpd="sng">
+                      <a:noFill/>
+                      <a:prstDash val="solid"/>
+                    </a:lnTlToBr>
+                    <a:lnBlToTr w="12700" cmpd="sng">
+                      <a:noFill/>
+                      <a:prstDash val="solid"/>
+                    </a:lnBlToTr>
+                    <a:solidFill>
+                      <a:schemeClr val="bg1"/>
+                    </a:solidFill>
+                  </a:tcPr>
+                </a:tc>
+                <a:tc>
+                  <a:txBody>
+                    <a:bodyPr/>
+                    <a:lstStyle/>
+                    <a:p>
+                      <a:pPr algn="ctr"/>
+                      <a:r>
+                        <a:rPr lang="en-US" b="1" smtClean="0">
+                          <a:solidFill>
+                            <a:schemeClr val="tx1"/>
+                          </a:solidFill>
+                          <a:latin typeface="Times New Roman" panose="02020603050405020304" pitchFamily="18" charset="0"/>
+                          <a:cs typeface="Times New Roman" panose="02020603050405020304" pitchFamily="18" charset="0"/>
+                        </a:rPr>
+                        <a:t>8</a:t>
+                      </a:r>
+                      <a:endParaRPr lang="en-US" b="1">
+                        <a:solidFill>
+                          <a:schemeClr val="tx1"/>
+                        </a:solidFill>
+                        <a:latin typeface="Times New Roman" panose="02020603050405020304" pitchFamily="18" charset="0"/>
+                        <a:cs typeface="Times New Roman" panose="02020603050405020304" pitchFamily="18" charset="0"/>
+                      </a:endParaRPr>
+                    </a:p>
+                  </a:txBody>
+                  <a:tcPr>
+                    <a:lnL w="12700" cap="flat" cmpd="sng" algn="ctr">
+                      <a:solidFill>
+                        <a:schemeClr val="tx1"/>
+                      </a:solidFill>
+                      <a:prstDash val="solid"/>
+                      <a:round/>
+                      <a:headEnd type="none" w="med" len="med"/>
+                      <a:tailEnd type="none" w="med" len="med"/>
+                    </a:lnL>
+                    <a:lnR w="12700" cap="flat" cmpd="sng" algn="ctr">
+                      <a:solidFill>
+                        <a:schemeClr val="tx1"/>
+                      </a:solidFill>
+                      <a:prstDash val="solid"/>
+                      <a:round/>
+                      <a:headEnd type="none" w="med" len="med"/>
+                      <a:tailEnd type="none" w="med" len="med"/>
+                    </a:lnR>
+                    <a:lnT w="12700" cap="flat" cmpd="sng" algn="ctr">
+                      <a:solidFill>
+                        <a:schemeClr val="tx1"/>
+                      </a:solidFill>
+                      <a:prstDash val="solid"/>
+                      <a:round/>
+                      <a:headEnd type="none" w="med" len="med"/>
+                      <a:tailEnd type="none" w="med" len="med"/>
+                    </a:lnT>
+                    <a:lnB w="12700" cap="flat" cmpd="sng" algn="ctr">
+                      <a:solidFill>
+                        <a:schemeClr val="tx1"/>
+                      </a:solidFill>
+                      <a:prstDash val="solid"/>
+                      <a:round/>
+                      <a:headEnd type="none" w="med" len="med"/>
+                      <a:tailEnd type="none" w="med" len="med"/>
+                    </a:lnB>
+                    <a:lnTlToBr w="12700" cmpd="sng">
+                      <a:noFill/>
+                      <a:prstDash val="solid"/>
+                    </a:lnTlToBr>
+                    <a:lnBlToTr w="12700" cmpd="sng">
+                      <a:noFill/>
+                      <a:prstDash val="solid"/>
+                    </a:lnBlToTr>
+                    <a:solidFill>
+                      <a:schemeClr val="bg1"/>
+                    </a:solidFill>
+                  </a:tcPr>
+                </a:tc>
+              </a:tr>
+              <a:tr h="609600">
+                <a:tc>
+                  <a:txBody>
+                    <a:bodyPr/>
+                    <a:lstStyle/>
+                    <a:p>
+                      <a:pPr algn="ctr"/>
+                      <a:r>
+                        <a:rPr lang="en-US" b="1" smtClean="0">
+                          <a:solidFill>
+                            <a:schemeClr val="tx1"/>
+                          </a:solidFill>
+                          <a:latin typeface="Times New Roman" panose="02020603050405020304" pitchFamily="18" charset="0"/>
+                          <a:cs typeface="Times New Roman" panose="02020603050405020304" pitchFamily="18" charset="0"/>
+                        </a:rPr>
+                        <a:t>3</a:t>
+                      </a:r>
+                      <a:endParaRPr lang="en-US" b="1">
+                        <a:solidFill>
+                          <a:schemeClr val="tx1"/>
+                        </a:solidFill>
+                        <a:latin typeface="Times New Roman" panose="02020603050405020304" pitchFamily="18" charset="0"/>
+                        <a:cs typeface="Times New Roman" panose="02020603050405020304" pitchFamily="18" charset="0"/>
+                      </a:endParaRPr>
+                    </a:p>
+                  </a:txBody>
+                  <a:tcPr>
+                    <a:lnL w="12700" cap="flat" cmpd="sng" algn="ctr">
+                      <a:solidFill>
+                        <a:schemeClr val="tx1"/>
+                      </a:solidFill>
+                      <a:prstDash val="solid"/>
+                      <a:round/>
+                      <a:headEnd type="none" w="med" len="med"/>
+                      <a:tailEnd type="none" w="med" len="med"/>
+                    </a:lnL>
+                    <a:lnR w="12700" cap="flat" cmpd="sng" algn="ctr">
+                      <a:solidFill>
+                        <a:schemeClr val="tx1"/>
+                      </a:solidFill>
+                      <a:prstDash val="solid"/>
+                      <a:round/>
+                      <a:headEnd type="none" w="med" len="med"/>
+                      <a:tailEnd type="none" w="med" len="med"/>
+                    </a:lnR>
+                    <a:lnT w="12700" cap="flat" cmpd="sng" algn="ctr">
+                      <a:solidFill>
+                        <a:schemeClr val="tx1"/>
+                      </a:solidFill>
+                      <a:prstDash val="solid"/>
+                      <a:round/>
+                      <a:headEnd type="none" w="med" len="med"/>
+                      <a:tailEnd type="none" w="med" len="med"/>
+                    </a:lnT>
+                    <a:lnB w="12700" cap="flat" cmpd="sng" algn="ctr">
+                      <a:solidFill>
+                        <a:schemeClr val="tx1"/>
+                      </a:solidFill>
+                      <a:prstDash val="solid"/>
+                      <a:round/>
+                      <a:headEnd type="none" w="med" len="med"/>
+                      <a:tailEnd type="none" w="med" len="med"/>
+                    </a:lnB>
+                    <a:lnTlToBr w="12700" cmpd="sng">
+                      <a:noFill/>
+                      <a:prstDash val="solid"/>
+                    </a:lnTlToBr>
+                    <a:lnBlToTr w="12700" cmpd="sng">
+                      <a:noFill/>
+                      <a:prstDash val="solid"/>
+                    </a:lnBlToTr>
+                    <a:solidFill>
+                      <a:schemeClr val="bg1"/>
+                    </a:solidFill>
+                  </a:tcPr>
+                </a:tc>
+                <a:tc>
+                  <a:txBody>
+                    <a:bodyPr/>
+                    <a:lstStyle/>
+                    <a:p>
+                      <a:pPr algn="ctr"/>
+                      <a:r>
+                        <a:rPr lang="en-US" b="1" smtClean="0">
+                          <a:solidFill>
+                            <a:schemeClr val="tx1"/>
+                          </a:solidFill>
+                          <a:latin typeface="Times New Roman" panose="02020603050405020304" pitchFamily="18" charset="0"/>
+                          <a:cs typeface="Times New Roman" panose="02020603050405020304" pitchFamily="18" charset="0"/>
+                        </a:rPr>
+                        <a:t>1</a:t>
+                      </a:r>
+                      <a:endParaRPr lang="en-US" b="1">
+                        <a:solidFill>
+                          <a:schemeClr val="tx1"/>
+                        </a:solidFill>
+                        <a:latin typeface="Times New Roman" panose="02020603050405020304" pitchFamily="18" charset="0"/>
+                        <a:cs typeface="Times New Roman" panose="02020603050405020304" pitchFamily="18" charset="0"/>
+                      </a:endParaRPr>
+                    </a:p>
+                  </a:txBody>
+                  <a:tcPr>
+                    <a:lnL w="12700" cap="flat" cmpd="sng" algn="ctr">
+                      <a:solidFill>
+                        <a:schemeClr val="tx1"/>
+                      </a:solidFill>
+                      <a:prstDash val="solid"/>
+                      <a:round/>
+                      <a:headEnd type="none" w="med" len="med"/>
+                      <a:tailEnd type="none" w="med" len="med"/>
+                    </a:lnL>
+                    <a:lnR w="12700" cap="flat" cmpd="sng" algn="ctr">
+                      <a:solidFill>
+                        <a:schemeClr val="tx1"/>
+                      </a:solidFill>
+                      <a:prstDash val="solid"/>
+                      <a:round/>
+                      <a:headEnd type="none" w="med" len="med"/>
+                      <a:tailEnd type="none" w="med" len="med"/>
+                    </a:lnR>
+                    <a:lnT w="12700" cap="flat" cmpd="sng" algn="ctr">
+                      <a:solidFill>
+                        <a:schemeClr val="tx1"/>
+                      </a:solidFill>
+                      <a:prstDash val="solid"/>
+                      <a:round/>
+                      <a:headEnd type="none" w="med" len="med"/>
+                      <a:tailEnd type="none" w="med" len="med"/>
+                    </a:lnT>
+                    <a:lnB w="12700" cap="flat" cmpd="sng" algn="ctr">
+                      <a:solidFill>
+                        <a:schemeClr val="tx1"/>
+                      </a:solidFill>
+                      <a:prstDash val="solid"/>
+                      <a:round/>
+                      <a:headEnd type="none" w="med" len="med"/>
+                      <a:tailEnd type="none" w="med" len="med"/>
+                    </a:lnB>
+                    <a:lnTlToBr w="12700" cmpd="sng">
+                      <a:noFill/>
+                      <a:prstDash val="solid"/>
+                    </a:lnTlToBr>
+                    <a:lnBlToTr w="12700" cmpd="sng">
+                      <a:noFill/>
+                      <a:prstDash val="solid"/>
+                    </a:lnBlToTr>
+                    <a:solidFill>
+                      <a:schemeClr val="bg1"/>
+                    </a:solidFill>
+                  </a:tcPr>
+                </a:tc>
+                <a:tc>
+                  <a:txBody>
+                    <a:bodyPr/>
+                    <a:lstStyle/>
+                    <a:p>
+                      <a:pPr algn="ctr"/>
+                      <a:r>
+                        <a:rPr lang="en-US" b="1" smtClean="0">
+                          <a:solidFill>
+                            <a:schemeClr val="tx1"/>
+                          </a:solidFill>
+                          <a:latin typeface="Times New Roman" panose="02020603050405020304" pitchFamily="18" charset="0"/>
+                          <a:cs typeface="Times New Roman" panose="02020603050405020304" pitchFamily="18" charset="0"/>
+                        </a:rPr>
+                        <a:t>3</a:t>
+                      </a:r>
+                      <a:endParaRPr lang="en-US" b="1">
+                        <a:solidFill>
+                          <a:schemeClr val="tx1"/>
+                        </a:solidFill>
+                        <a:latin typeface="Times New Roman" panose="02020603050405020304" pitchFamily="18" charset="0"/>
+                        <a:cs typeface="Times New Roman" panose="02020603050405020304" pitchFamily="18" charset="0"/>
+                      </a:endParaRPr>
+                    </a:p>
+                  </a:txBody>
+                  <a:tcPr>
+                    <a:lnL w="12700" cap="flat" cmpd="sng" algn="ctr">
+                      <a:solidFill>
+                        <a:schemeClr val="tx1"/>
+                      </a:solidFill>
+                      <a:prstDash val="solid"/>
+                      <a:round/>
+                      <a:headEnd type="none" w="med" len="med"/>
+                      <a:tailEnd type="none" w="med" len="med"/>
+                    </a:lnL>
+                    <a:lnR w="12700" cap="flat" cmpd="sng" algn="ctr">
+                      <a:solidFill>
+                        <a:schemeClr val="tx1"/>
+                      </a:solidFill>
+                      <a:prstDash val="solid"/>
+                      <a:round/>
+                      <a:headEnd type="none" w="med" len="med"/>
+                      <a:tailEnd type="none" w="med" len="med"/>
+                    </a:lnR>
+                    <a:lnT w="12700" cap="flat" cmpd="sng" algn="ctr">
+                      <a:solidFill>
+                        <a:schemeClr val="tx1"/>
+                      </a:solidFill>
+                      <a:prstDash val="solid"/>
+                      <a:round/>
+                      <a:headEnd type="none" w="med" len="med"/>
+                      <a:tailEnd type="none" w="med" len="med"/>
+                    </a:lnT>
+                    <a:lnB w="12700" cap="flat" cmpd="sng" algn="ctr">
+                      <a:solidFill>
+                        <a:schemeClr val="tx1"/>
+                      </a:solidFill>
+                      <a:prstDash val="solid"/>
+                      <a:round/>
+                      <a:headEnd type="none" w="med" len="med"/>
+                      <a:tailEnd type="none" w="med" len="med"/>
+                    </a:lnB>
+                    <a:lnTlToBr w="12700" cmpd="sng">
+                      <a:noFill/>
+                      <a:prstDash val="solid"/>
+                    </a:lnTlToBr>
+                    <a:lnBlToTr w="12700" cmpd="sng">
+                      <a:noFill/>
+                      <a:prstDash val="solid"/>
+                    </a:lnBlToTr>
+                    <a:solidFill>
+                      <a:schemeClr val="bg1"/>
+                    </a:solidFill>
+                  </a:tcPr>
+                </a:tc>
+                <a:tc>
+                  <a:txBody>
+                    <a:bodyPr/>
+                    <a:lstStyle/>
+                    <a:p>
+                      <a:pPr algn="ctr"/>
+                      <a:r>
+                        <a:rPr lang="en-US" b="1" smtClean="0">
+                          <a:solidFill>
+                            <a:schemeClr val="tx1"/>
+                          </a:solidFill>
+                          <a:latin typeface="Times New Roman" panose="02020603050405020304" pitchFamily="18" charset="0"/>
+                          <a:cs typeface="Times New Roman" panose="02020603050405020304" pitchFamily="18" charset="0"/>
+                        </a:rPr>
+                        <a:t>5</a:t>
+                      </a:r>
+                      <a:endParaRPr lang="en-US" b="1">
+                        <a:solidFill>
+                          <a:schemeClr val="tx1"/>
+                        </a:solidFill>
+                        <a:latin typeface="Times New Roman" panose="02020603050405020304" pitchFamily="18" charset="0"/>
+                        <a:cs typeface="Times New Roman" panose="02020603050405020304" pitchFamily="18" charset="0"/>
+                      </a:endParaRPr>
+                    </a:p>
+                  </a:txBody>
+                  <a:tcPr>
+                    <a:lnL w="12700" cap="flat" cmpd="sng" algn="ctr">
+                      <a:solidFill>
+                        <a:schemeClr val="tx1"/>
+                      </a:solidFill>
+                      <a:prstDash val="solid"/>
+                      <a:round/>
+                      <a:headEnd type="none" w="med" len="med"/>
+                      <a:tailEnd type="none" w="med" len="med"/>
+                    </a:lnL>
+                    <a:lnR w="12700" cap="flat" cmpd="sng" algn="ctr">
+                      <a:solidFill>
+                        <a:schemeClr val="tx1"/>
+                      </a:solidFill>
+                      <a:prstDash val="solid"/>
+                      <a:round/>
+                      <a:headEnd type="none" w="med" len="med"/>
+                      <a:tailEnd type="none" w="med" len="med"/>
+                    </a:lnR>
+                    <a:lnT w="12700" cap="flat" cmpd="sng" algn="ctr">
+                      <a:solidFill>
+                        <a:schemeClr val="tx1"/>
+                      </a:solidFill>
+                      <a:prstDash val="solid"/>
+                      <a:round/>
+                      <a:headEnd type="none" w="med" len="med"/>
+                      <a:tailEnd type="none" w="med" len="med"/>
+                    </a:lnT>
+                    <a:lnB w="12700" cap="flat" cmpd="sng" algn="ctr">
+                      <a:solidFill>
+                        <a:schemeClr val="tx1"/>
+                      </a:solidFill>
+                      <a:prstDash val="solid"/>
+                      <a:round/>
+                      <a:headEnd type="none" w="med" len="med"/>
+                      <a:tailEnd type="none" w="med" len="med"/>
+                    </a:lnB>
+                    <a:lnTlToBr w="12700" cmpd="sng">
+                      <a:noFill/>
+                      <a:prstDash val="solid"/>
+                    </a:lnTlToBr>
+                    <a:lnBlToTr w="12700" cmpd="sng">
+                      <a:noFill/>
+                      <a:prstDash val="solid"/>
+                    </a:lnBlToTr>
+                    <a:solidFill>
+                      <a:schemeClr val="bg1"/>
+                    </a:solidFill>
+                  </a:tcPr>
+                </a:tc>
+                <a:tc>
+                  <a:txBody>
+                    <a:bodyPr/>
+                    <a:lstStyle/>
+                    <a:p>
+                      <a:pPr algn="ctr"/>
+                      <a:r>
+                        <a:rPr lang="en-US" b="1" smtClean="0">
+                          <a:solidFill>
+                            <a:schemeClr val="tx1"/>
+                          </a:solidFill>
+                          <a:latin typeface="Times New Roman" panose="02020603050405020304" pitchFamily="18" charset="0"/>
+                          <a:cs typeface="Times New Roman" panose="02020603050405020304" pitchFamily="18" charset="0"/>
+                        </a:rPr>
+                        <a:t>3</a:t>
+                      </a:r>
+                      <a:endParaRPr lang="en-US" b="1">
+                        <a:solidFill>
+                          <a:schemeClr val="tx1"/>
+                        </a:solidFill>
+                        <a:latin typeface="Times New Roman" panose="02020603050405020304" pitchFamily="18" charset="0"/>
+                        <a:cs typeface="Times New Roman" panose="02020603050405020304" pitchFamily="18" charset="0"/>
+                      </a:endParaRPr>
+                    </a:p>
+                  </a:txBody>
+                  <a:tcPr>
+                    <a:lnL w="12700" cap="flat" cmpd="sng" algn="ctr">
+                      <a:solidFill>
+                        <a:schemeClr val="tx1"/>
+                      </a:solidFill>
+                      <a:prstDash val="solid"/>
+                      <a:round/>
+                      <a:headEnd type="none" w="med" len="med"/>
+                      <a:tailEnd type="none" w="med" len="med"/>
+                    </a:lnL>
+                    <a:lnR w="12700" cap="flat" cmpd="sng" algn="ctr">
+                      <a:solidFill>
+                        <a:schemeClr val="tx1"/>
+                      </a:solidFill>
+                      <a:prstDash val="solid"/>
+                      <a:round/>
+                      <a:headEnd type="none" w="med" len="med"/>
+                      <a:tailEnd type="none" w="med" len="med"/>
+                    </a:lnR>
+                    <a:lnT w="12700" cap="flat" cmpd="sng" algn="ctr">
+                      <a:solidFill>
+                        <a:schemeClr val="tx1"/>
+                      </a:solidFill>
+                      <a:prstDash val="solid"/>
+                      <a:round/>
+                      <a:headEnd type="none" w="med" len="med"/>
+                      <a:tailEnd type="none" w="med" len="med"/>
+                    </a:lnT>
+                    <a:lnB w="12700" cap="flat" cmpd="sng" algn="ctr">
+                      <a:solidFill>
+                        <a:schemeClr val="tx1"/>
+                      </a:solidFill>
+                      <a:prstDash val="solid"/>
+                      <a:round/>
+                      <a:headEnd type="none" w="med" len="med"/>
+                      <a:tailEnd type="none" w="med" len="med"/>
+                    </a:lnB>
+                    <a:lnTlToBr w="12700" cmpd="sng">
+                      <a:noFill/>
+                      <a:prstDash val="solid"/>
+                    </a:lnTlToBr>
+                    <a:lnBlToTr w="12700" cmpd="sng">
+                      <a:noFill/>
+                      <a:prstDash val="solid"/>
+                    </a:lnBlToTr>
+                    <a:solidFill>
+                      <a:schemeClr val="bg1"/>
+                    </a:solidFill>
+                  </a:tcPr>
+                </a:tc>
+                <a:tc>
+                  <a:txBody>
+                    <a:bodyPr/>
+                    <a:lstStyle/>
+                    <a:p>
+                      <a:pPr algn="ctr"/>
+                      <a:r>
+                        <a:rPr lang="en-US" b="1" smtClean="0">
+                          <a:solidFill>
+                            <a:schemeClr val="tx1"/>
+                          </a:solidFill>
+                          <a:latin typeface="Times New Roman" panose="02020603050405020304" pitchFamily="18" charset="0"/>
+                          <a:cs typeface="Times New Roman" panose="02020603050405020304" pitchFamily="18" charset="0"/>
+                        </a:rPr>
+                        <a:t>1</a:t>
+                      </a:r>
+                      <a:endParaRPr lang="en-US" b="1">
+                        <a:solidFill>
+                          <a:schemeClr val="tx1"/>
+                        </a:solidFill>
+                        <a:latin typeface="Times New Roman" panose="02020603050405020304" pitchFamily="18" charset="0"/>
+                        <a:cs typeface="Times New Roman" panose="02020603050405020304" pitchFamily="18" charset="0"/>
+                      </a:endParaRPr>
+                    </a:p>
+                  </a:txBody>
+                  <a:tcPr>
+                    <a:lnL w="12700" cap="flat" cmpd="sng" algn="ctr">
+                      <a:solidFill>
+                        <a:schemeClr val="tx1"/>
+                      </a:solidFill>
+                      <a:prstDash val="solid"/>
+                      <a:round/>
+                      <a:headEnd type="none" w="med" len="med"/>
+                      <a:tailEnd type="none" w="med" len="med"/>
+                    </a:lnL>
+                    <a:lnR w="12700" cap="flat" cmpd="sng" algn="ctr">
+                      <a:solidFill>
+                        <a:schemeClr val="tx1"/>
+                      </a:solidFill>
+                      <a:prstDash val="solid"/>
+                      <a:round/>
+                      <a:headEnd type="none" w="med" len="med"/>
+                      <a:tailEnd type="none" w="med" len="med"/>
+                    </a:lnR>
+                    <a:lnT w="12700" cap="flat" cmpd="sng" algn="ctr">
+                      <a:solidFill>
+                        <a:schemeClr val="tx1"/>
+                      </a:solidFill>
+                      <a:prstDash val="solid"/>
+                      <a:round/>
+                      <a:headEnd type="none" w="med" len="med"/>
+                      <a:tailEnd type="none" w="med" len="med"/>
+                    </a:lnT>
+                    <a:lnB w="12700" cap="flat" cmpd="sng" algn="ctr">
+                      <a:solidFill>
+                        <a:schemeClr val="tx1"/>
+                      </a:solidFill>
+                      <a:prstDash val="solid"/>
+                      <a:round/>
+                      <a:headEnd type="none" w="med" len="med"/>
+                      <a:tailEnd type="none" w="med" len="med"/>
+                    </a:lnB>
+                    <a:lnTlToBr w="12700" cmpd="sng">
+                      <a:noFill/>
+                      <a:prstDash val="solid"/>
+                    </a:lnTlToBr>
+                    <a:lnBlToTr w="12700" cmpd="sng">
+                      <a:noFill/>
+                      <a:prstDash val="solid"/>
+                    </a:lnBlToTr>
+                    <a:solidFill>
+                      <a:schemeClr val="bg1"/>
+                    </a:solidFill>
+                  </a:tcPr>
+                </a:tc>
+              </a:tr>
+              <a:tr h="609600">
+                <a:tc>
+                  <a:txBody>
+                    <a:bodyPr/>
+                    <a:lstStyle/>
+                    <a:p>
+                      <a:pPr algn="ctr"/>
+                      <a:r>
+                        <a:rPr lang="en-US" b="1" smtClean="0">
+                          <a:solidFill>
+                            <a:schemeClr val="tx1"/>
+                          </a:solidFill>
+                          <a:latin typeface="Times New Roman" panose="02020603050405020304" pitchFamily="18" charset="0"/>
+                          <a:cs typeface="Times New Roman" panose="02020603050405020304" pitchFamily="18" charset="0"/>
+                        </a:rPr>
+                        <a:t>6</a:t>
+                      </a:r>
+                      <a:endParaRPr lang="en-US" b="1">
+                        <a:solidFill>
+                          <a:schemeClr val="tx1"/>
+                        </a:solidFill>
+                        <a:latin typeface="Times New Roman" panose="02020603050405020304" pitchFamily="18" charset="0"/>
+                        <a:cs typeface="Times New Roman" panose="02020603050405020304" pitchFamily="18" charset="0"/>
+                      </a:endParaRPr>
+                    </a:p>
+                  </a:txBody>
+                  <a:tcPr>
+                    <a:lnL w="12700" cap="flat" cmpd="sng" algn="ctr">
+                      <a:solidFill>
+                        <a:schemeClr val="tx1"/>
+                      </a:solidFill>
+                      <a:prstDash val="solid"/>
+                      <a:round/>
+                      <a:headEnd type="none" w="med" len="med"/>
+                      <a:tailEnd type="none" w="med" len="med"/>
+                    </a:lnL>
+                    <a:lnR w="12700" cap="flat" cmpd="sng" algn="ctr">
+                      <a:solidFill>
+                        <a:schemeClr val="tx1"/>
+                      </a:solidFill>
+                      <a:prstDash val="solid"/>
+                      <a:round/>
+                      <a:headEnd type="none" w="med" len="med"/>
+                      <a:tailEnd type="none" w="med" len="med"/>
+                    </a:lnR>
+                    <a:lnT w="12700" cap="flat" cmpd="sng" algn="ctr">
+                      <a:solidFill>
+                        <a:schemeClr val="tx1"/>
+                      </a:solidFill>
+                      <a:prstDash val="solid"/>
+                      <a:round/>
+                      <a:headEnd type="none" w="med" len="med"/>
+                      <a:tailEnd type="none" w="med" len="med"/>
+                    </a:lnT>
+                    <a:lnB w="12700" cap="flat" cmpd="sng" algn="ctr">
+                      <a:solidFill>
+                        <a:schemeClr val="tx1"/>
+                      </a:solidFill>
+                      <a:prstDash val="solid"/>
+                      <a:round/>
+                      <a:headEnd type="none" w="med" len="med"/>
+                      <a:tailEnd type="none" w="med" len="med"/>
+                    </a:lnB>
+                    <a:lnTlToBr w="12700" cmpd="sng">
+                      <a:noFill/>
+                      <a:prstDash val="solid"/>
+                    </a:lnTlToBr>
+                    <a:lnBlToTr w="12700" cmpd="sng">
+                      <a:noFill/>
+                      <a:prstDash val="solid"/>
+                    </a:lnBlToTr>
+                    <a:solidFill>
+                      <a:schemeClr val="bg1"/>
+                    </a:solidFill>
+                  </a:tcPr>
+                </a:tc>
+                <a:tc>
+                  <a:txBody>
+                    <a:bodyPr/>
+                    <a:lstStyle/>
+                    <a:p>
+                      <a:pPr algn="ctr"/>
+                      <a:r>
+                        <a:rPr lang="en-US" b="1" smtClean="0">
+                          <a:solidFill>
+                            <a:schemeClr val="tx1"/>
+                          </a:solidFill>
+                          <a:latin typeface="Times New Roman" panose="02020603050405020304" pitchFamily="18" charset="0"/>
+                          <a:cs typeface="Times New Roman" panose="02020603050405020304" pitchFamily="18" charset="0"/>
+                        </a:rPr>
+                        <a:t>4</a:t>
+                      </a:r>
+                      <a:endParaRPr lang="en-US" b="1">
+                        <a:solidFill>
+                          <a:schemeClr val="tx1"/>
+                        </a:solidFill>
+                        <a:latin typeface="Times New Roman" panose="02020603050405020304" pitchFamily="18" charset="0"/>
+                        <a:cs typeface="Times New Roman" panose="02020603050405020304" pitchFamily="18" charset="0"/>
+                      </a:endParaRPr>
+                    </a:p>
+                  </a:txBody>
+                  <a:tcPr>
+                    <a:lnL w="12700" cap="flat" cmpd="sng" algn="ctr">
+                      <a:solidFill>
+                        <a:schemeClr val="tx1"/>
+                      </a:solidFill>
+                      <a:prstDash val="solid"/>
+                      <a:round/>
+                      <a:headEnd type="none" w="med" len="med"/>
+                      <a:tailEnd type="none" w="med" len="med"/>
+                    </a:lnL>
+                    <a:lnR w="12700" cap="flat" cmpd="sng" algn="ctr">
+                      <a:solidFill>
+                        <a:schemeClr val="tx1"/>
+                      </a:solidFill>
+                      <a:prstDash val="solid"/>
+                      <a:round/>
+                      <a:headEnd type="none" w="med" len="med"/>
+                      <a:tailEnd type="none" w="med" len="med"/>
+                    </a:lnR>
+                    <a:lnT w="12700" cap="flat" cmpd="sng" algn="ctr">
+                      <a:solidFill>
+                        <a:schemeClr val="tx1"/>
+                      </a:solidFill>
+                      <a:prstDash val="solid"/>
+                      <a:round/>
+                      <a:headEnd type="none" w="med" len="med"/>
+                      <a:tailEnd type="none" w="med" len="med"/>
+                    </a:lnT>
+                    <a:lnB w="12700" cap="flat" cmpd="sng" algn="ctr">
+                      <a:solidFill>
+                        <a:schemeClr val="tx1"/>
+                      </a:solidFill>
+                      <a:prstDash val="solid"/>
+                      <a:round/>
+                      <a:headEnd type="none" w="med" len="med"/>
+                      <a:tailEnd type="none" w="med" len="med"/>
+                    </a:lnB>
+                    <a:lnTlToBr w="12700" cmpd="sng">
+                      <a:noFill/>
+                      <a:prstDash val="solid"/>
+                    </a:lnTlToBr>
+                    <a:lnBlToTr w="12700" cmpd="sng">
+                      <a:noFill/>
+                      <a:prstDash val="solid"/>
+                    </a:lnBlToTr>
+                    <a:solidFill>
+                      <a:schemeClr val="bg1"/>
+                    </a:solidFill>
+                  </a:tcPr>
+                </a:tc>
+                <a:tc>
+                  <a:txBody>
+                    <a:bodyPr/>
+                    <a:lstStyle/>
+                    <a:p>
+                      <a:pPr algn="ctr"/>
+                      <a:r>
+                        <a:rPr lang="en-US" b="1" smtClean="0">
+                          <a:solidFill>
+                            <a:schemeClr val="tx1"/>
+                          </a:solidFill>
+                          <a:latin typeface="Times New Roman" panose="02020603050405020304" pitchFamily="18" charset="0"/>
+                          <a:cs typeface="Times New Roman" panose="02020603050405020304" pitchFamily="18" charset="0"/>
+                        </a:rPr>
+                        <a:t>5</a:t>
+                      </a:r>
+                      <a:endParaRPr lang="en-US" b="1">
+                        <a:solidFill>
+                          <a:schemeClr val="tx1"/>
+                        </a:solidFill>
+                        <a:latin typeface="Times New Roman" panose="02020603050405020304" pitchFamily="18" charset="0"/>
+                        <a:cs typeface="Times New Roman" panose="02020603050405020304" pitchFamily="18" charset="0"/>
+                      </a:endParaRPr>
+                    </a:p>
+                  </a:txBody>
+                  <a:tcPr>
+                    <a:lnL w="12700" cap="flat" cmpd="sng" algn="ctr">
+                      <a:solidFill>
+                        <a:schemeClr val="tx1"/>
+                      </a:solidFill>
+                      <a:prstDash val="solid"/>
+                      <a:round/>
+                      <a:headEnd type="none" w="med" len="med"/>
+                      <a:tailEnd type="none" w="med" len="med"/>
+                    </a:lnL>
+                    <a:lnR w="12700" cap="flat" cmpd="sng" algn="ctr">
+                      <a:solidFill>
+                        <a:schemeClr val="tx1"/>
+                      </a:solidFill>
+                      <a:prstDash val="solid"/>
+                      <a:round/>
+                      <a:headEnd type="none" w="med" len="med"/>
+                      <a:tailEnd type="none" w="med" len="med"/>
+                    </a:lnR>
+                    <a:lnT w="12700" cap="flat" cmpd="sng" algn="ctr">
+                      <a:solidFill>
+                        <a:schemeClr val="tx1"/>
+                      </a:solidFill>
+                      <a:prstDash val="solid"/>
+                      <a:round/>
+                      <a:headEnd type="none" w="med" len="med"/>
+                      <a:tailEnd type="none" w="med" len="med"/>
+                    </a:lnT>
+                    <a:lnB w="12700" cap="flat" cmpd="sng" algn="ctr">
+                      <a:solidFill>
+                        <a:schemeClr val="tx1"/>
+                      </a:solidFill>
+                      <a:prstDash val="solid"/>
+                      <a:round/>
+                      <a:headEnd type="none" w="med" len="med"/>
+                      <a:tailEnd type="none" w="med" len="med"/>
+                    </a:lnB>
+                    <a:lnTlToBr w="12700" cmpd="sng">
+                      <a:noFill/>
+                      <a:prstDash val="solid"/>
+                    </a:lnTlToBr>
+                    <a:lnBlToTr w="12700" cmpd="sng">
+                      <a:noFill/>
+                      <a:prstDash val="solid"/>
+                    </a:lnBlToTr>
+                    <a:solidFill>
+                      <a:schemeClr val="bg1"/>
+                    </a:solidFill>
+                  </a:tcPr>
+                </a:tc>
+                <a:tc>
+                  <a:txBody>
+                    <a:bodyPr/>
+                    <a:lstStyle/>
+                    <a:p>
+                      <a:pPr algn="ctr"/>
+                      <a:r>
+                        <a:rPr lang="en-US" b="1" smtClean="0">
+                          <a:solidFill>
+                            <a:schemeClr val="tx1"/>
+                          </a:solidFill>
+                          <a:latin typeface="Times New Roman" panose="02020603050405020304" pitchFamily="18" charset="0"/>
+                          <a:cs typeface="Times New Roman" panose="02020603050405020304" pitchFamily="18" charset="0"/>
+                        </a:rPr>
+                        <a:t>1</a:t>
+                      </a:r>
+                      <a:endParaRPr lang="en-US" b="1">
+                        <a:solidFill>
+                          <a:schemeClr val="tx1"/>
+                        </a:solidFill>
+                        <a:latin typeface="Times New Roman" panose="02020603050405020304" pitchFamily="18" charset="0"/>
+                        <a:cs typeface="Times New Roman" panose="02020603050405020304" pitchFamily="18" charset="0"/>
+                      </a:endParaRPr>
+                    </a:p>
+                  </a:txBody>
+                  <a:tcPr>
+                    <a:lnL w="12700" cap="flat" cmpd="sng" algn="ctr">
+                      <a:solidFill>
+                        <a:schemeClr val="tx1"/>
+                      </a:solidFill>
+                      <a:prstDash val="solid"/>
+                      <a:round/>
+                      <a:headEnd type="none" w="med" len="med"/>
+                      <a:tailEnd type="none" w="med" len="med"/>
+                    </a:lnL>
+                    <a:lnR w="12700" cap="flat" cmpd="sng" algn="ctr">
+                      <a:solidFill>
+                        <a:schemeClr val="tx1"/>
+                      </a:solidFill>
+                      <a:prstDash val="solid"/>
+                      <a:round/>
+                      <a:headEnd type="none" w="med" len="med"/>
+                      <a:tailEnd type="none" w="med" len="med"/>
+                    </a:lnR>
+                    <a:lnT w="12700" cap="flat" cmpd="sng" algn="ctr">
+                      <a:solidFill>
+                        <a:schemeClr val="tx1"/>
+                      </a:solidFill>
+                      <a:prstDash val="solid"/>
+                      <a:round/>
+                      <a:headEnd type="none" w="med" len="med"/>
+                      <a:tailEnd type="none" w="med" len="med"/>
+                    </a:lnT>
+                    <a:lnB w="12700" cap="flat" cmpd="sng" algn="ctr">
+                      <a:solidFill>
+                        <a:schemeClr val="tx1"/>
+                      </a:solidFill>
+                      <a:prstDash val="solid"/>
+                      <a:round/>
+                      <a:headEnd type="none" w="med" len="med"/>
+                      <a:tailEnd type="none" w="med" len="med"/>
+                    </a:lnB>
+                    <a:lnTlToBr w="12700" cmpd="sng">
+                      <a:noFill/>
+                      <a:prstDash val="solid"/>
+                    </a:lnTlToBr>
+                    <a:lnBlToTr w="12700" cmpd="sng">
+                      <a:noFill/>
+                      <a:prstDash val="solid"/>
+                    </a:lnBlToTr>
+                    <a:solidFill>
+                      <a:schemeClr val="bg1"/>
+                    </a:solidFill>
+                  </a:tcPr>
+                </a:tc>
+                <a:tc>
+                  <a:txBody>
+                    <a:bodyPr/>
+                    <a:lstStyle/>
+                    <a:p>
+                      <a:pPr algn="ctr"/>
+                      <a:r>
+                        <a:rPr lang="en-US" b="1" smtClean="0">
+                          <a:solidFill>
+                            <a:schemeClr val="tx1"/>
+                          </a:solidFill>
+                          <a:latin typeface="Times New Roman" panose="02020603050405020304" pitchFamily="18" charset="0"/>
+                          <a:cs typeface="Times New Roman" panose="02020603050405020304" pitchFamily="18" charset="0"/>
+                        </a:rPr>
+                        <a:t>7</a:t>
+                      </a:r>
+                      <a:endParaRPr lang="en-US" b="1">
+                        <a:solidFill>
+                          <a:schemeClr val="tx1"/>
+                        </a:solidFill>
+                        <a:latin typeface="Times New Roman" panose="02020603050405020304" pitchFamily="18" charset="0"/>
+                        <a:cs typeface="Times New Roman" panose="02020603050405020304" pitchFamily="18" charset="0"/>
+                      </a:endParaRPr>
+                    </a:p>
+                  </a:txBody>
+                  <a:tcPr>
+                    <a:lnL w="12700" cap="flat" cmpd="sng" algn="ctr">
+                      <a:solidFill>
+                        <a:schemeClr val="tx1"/>
+                      </a:solidFill>
+                      <a:prstDash val="solid"/>
+                      <a:round/>
+                      <a:headEnd type="none" w="med" len="med"/>
+                      <a:tailEnd type="none" w="med" len="med"/>
+                    </a:lnL>
+                    <a:lnR w="12700" cap="flat" cmpd="sng" algn="ctr">
+                      <a:solidFill>
+                        <a:schemeClr val="tx1"/>
+                      </a:solidFill>
+                      <a:prstDash val="solid"/>
+                      <a:round/>
+                      <a:headEnd type="none" w="med" len="med"/>
+                      <a:tailEnd type="none" w="med" len="med"/>
+                    </a:lnR>
+                    <a:lnT w="12700" cap="flat" cmpd="sng" algn="ctr">
+                      <a:solidFill>
+                        <a:schemeClr val="tx1"/>
+                      </a:solidFill>
+                      <a:prstDash val="solid"/>
+                      <a:round/>
+                      <a:headEnd type="none" w="med" len="med"/>
+                      <a:tailEnd type="none" w="med" len="med"/>
+                    </a:lnT>
+                    <a:lnB w="12700" cap="flat" cmpd="sng" algn="ctr">
+                      <a:solidFill>
+                        <a:schemeClr val="tx1"/>
+                      </a:solidFill>
+                      <a:prstDash val="solid"/>
+                      <a:round/>
+                      <a:headEnd type="none" w="med" len="med"/>
+                      <a:tailEnd type="none" w="med" len="med"/>
+                    </a:lnB>
+                    <a:lnTlToBr w="12700" cmpd="sng">
+                      <a:noFill/>
+                      <a:prstDash val="solid"/>
+                    </a:lnTlToBr>
+                    <a:lnBlToTr w="12700" cmpd="sng">
+                      <a:noFill/>
+                      <a:prstDash val="solid"/>
+                    </a:lnBlToTr>
+                    <a:solidFill>
+                      <a:schemeClr val="bg1"/>
+                    </a:solidFill>
+                  </a:tcPr>
+                </a:tc>
+                <a:tc>
+                  <a:txBody>
+                    <a:bodyPr/>
+                    <a:lstStyle/>
+                    <a:p>
+                      <a:pPr algn="ctr"/>
+                      <a:r>
+                        <a:rPr lang="en-US" b="1" smtClean="0">
+                          <a:solidFill>
+                            <a:schemeClr val="tx1"/>
+                          </a:solidFill>
+                          <a:latin typeface="Times New Roman" panose="02020603050405020304" pitchFamily="18" charset="0"/>
+                          <a:cs typeface="Times New Roman" panose="02020603050405020304" pitchFamily="18" charset="0"/>
+                        </a:rPr>
+                        <a:t>2</a:t>
+                      </a:r>
+                      <a:endParaRPr lang="en-US" b="1">
+                        <a:solidFill>
+                          <a:schemeClr val="tx1"/>
+                        </a:solidFill>
+                        <a:latin typeface="Times New Roman" panose="02020603050405020304" pitchFamily="18" charset="0"/>
+                        <a:cs typeface="Times New Roman" panose="02020603050405020304" pitchFamily="18" charset="0"/>
+                      </a:endParaRPr>
+                    </a:p>
+                  </a:txBody>
+                  <a:tcPr>
+                    <a:lnL w="12700" cap="flat" cmpd="sng" algn="ctr">
+                      <a:solidFill>
+                        <a:schemeClr val="tx1"/>
+                      </a:solidFill>
+                      <a:prstDash val="solid"/>
+                      <a:round/>
+                      <a:headEnd type="none" w="med" len="med"/>
+                      <a:tailEnd type="none" w="med" len="med"/>
+                    </a:lnL>
+                    <a:lnR w="12700" cap="flat" cmpd="sng" algn="ctr">
+                      <a:solidFill>
+                        <a:schemeClr val="tx1"/>
+                      </a:solidFill>
+                      <a:prstDash val="solid"/>
+                      <a:round/>
+                      <a:headEnd type="none" w="med" len="med"/>
+                      <a:tailEnd type="none" w="med" len="med"/>
+                    </a:lnR>
+                    <a:lnT w="12700" cap="flat" cmpd="sng" algn="ctr">
+                      <a:solidFill>
+                        <a:schemeClr val="tx1"/>
+                      </a:solidFill>
+                      <a:prstDash val="solid"/>
+                      <a:round/>
+                      <a:headEnd type="none" w="med" len="med"/>
+                      <a:tailEnd type="none" w="med" len="med"/>
+                    </a:lnT>
+                    <a:lnB w="12700" cap="flat" cmpd="sng" algn="ctr">
+                      <a:solidFill>
+                        <a:schemeClr val="tx1"/>
+                      </a:solidFill>
+                      <a:prstDash val="solid"/>
+                      <a:round/>
+                      <a:headEnd type="none" w="med" len="med"/>
+                      <a:tailEnd type="none" w="med" len="med"/>
+                    </a:lnB>
+                    <a:lnTlToBr w="12700" cmpd="sng">
+                      <a:noFill/>
+                      <a:prstDash val="solid"/>
+                    </a:lnTlToBr>
+                    <a:lnBlToTr w="12700" cmpd="sng">
+                      <a:noFill/>
+                      <a:prstDash val="solid"/>
+                    </a:lnBlToTr>
+                    <a:solidFill>
+                      <a:schemeClr val="bg1"/>
+                    </a:solidFill>
+                  </a:tcPr>
+                </a:tc>
+              </a:tr>
+              <a:tr h="609600">
+                <a:tc>
+                  <a:txBody>
+                    <a:bodyPr/>
+                    <a:lstStyle/>
+                    <a:p>
+                      <a:pPr algn="ctr"/>
+                      <a:r>
+                        <a:rPr lang="en-US" b="1" smtClean="0">
+                          <a:solidFill>
+                            <a:schemeClr val="tx1"/>
+                          </a:solidFill>
+                          <a:latin typeface="Times New Roman" panose="02020603050405020304" pitchFamily="18" charset="0"/>
+                          <a:cs typeface="Times New Roman" panose="02020603050405020304" pitchFamily="18" charset="0"/>
+                        </a:rPr>
+                        <a:t>7</a:t>
+                      </a:r>
+                      <a:endParaRPr lang="en-US" b="1">
+                        <a:solidFill>
+                          <a:schemeClr val="tx1"/>
+                        </a:solidFill>
+                        <a:latin typeface="Times New Roman" panose="02020603050405020304" pitchFamily="18" charset="0"/>
+                        <a:cs typeface="Times New Roman" panose="02020603050405020304" pitchFamily="18" charset="0"/>
+                      </a:endParaRPr>
+                    </a:p>
+                  </a:txBody>
+                  <a:tcPr>
+                    <a:lnL w="12700" cap="flat" cmpd="sng" algn="ctr">
+                      <a:solidFill>
+                        <a:schemeClr val="tx1"/>
+                      </a:solidFill>
+                      <a:prstDash val="solid"/>
+                      <a:round/>
+                      <a:headEnd type="none" w="med" len="med"/>
+                      <a:tailEnd type="none" w="med" len="med"/>
+                    </a:lnL>
+                    <a:lnR w="12700" cap="flat" cmpd="sng" algn="ctr">
+                      <a:solidFill>
+                        <a:schemeClr val="tx1"/>
+                      </a:solidFill>
+                      <a:prstDash val="solid"/>
+                      <a:round/>
+                      <a:headEnd type="none" w="med" len="med"/>
+                      <a:tailEnd type="none" w="med" len="med"/>
+                    </a:lnR>
+                    <a:lnT w="12700" cap="flat" cmpd="sng" algn="ctr">
+                      <a:solidFill>
+                        <a:schemeClr val="tx1"/>
+                      </a:solidFill>
+                      <a:prstDash val="solid"/>
+                      <a:round/>
+                      <a:headEnd type="none" w="med" len="med"/>
+                      <a:tailEnd type="none" w="med" len="med"/>
+                    </a:lnT>
+                    <a:lnB w="12700" cap="flat" cmpd="sng" algn="ctr">
+                      <a:solidFill>
+                        <a:schemeClr val="tx1"/>
+                      </a:solidFill>
+                      <a:prstDash val="solid"/>
+                      <a:round/>
+                      <a:headEnd type="none" w="med" len="med"/>
+                      <a:tailEnd type="none" w="med" len="med"/>
+                    </a:lnB>
+                    <a:lnTlToBr w="12700" cmpd="sng">
+                      <a:noFill/>
+                      <a:prstDash val="solid"/>
+                    </a:lnTlToBr>
+                    <a:lnBlToTr w="12700" cmpd="sng">
+                      <a:noFill/>
+                      <a:prstDash val="solid"/>
+                    </a:lnBlToTr>
+                    <a:solidFill>
+                      <a:schemeClr val="bg1"/>
+                    </a:solidFill>
+                  </a:tcPr>
+                </a:tc>
+                <a:tc>
+                  <a:txBody>
+                    <a:bodyPr/>
+                    <a:lstStyle/>
+                    <a:p>
+                      <a:pPr algn="ctr"/>
+                      <a:r>
+                        <a:rPr lang="en-US" b="1" smtClean="0">
+                          <a:solidFill>
+                            <a:schemeClr val="tx1"/>
+                          </a:solidFill>
+                          <a:latin typeface="Times New Roman" panose="02020603050405020304" pitchFamily="18" charset="0"/>
+                          <a:cs typeface="Times New Roman" panose="02020603050405020304" pitchFamily="18" charset="0"/>
+                        </a:rPr>
+                        <a:t>5</a:t>
+                      </a:r>
+                      <a:endParaRPr lang="en-US" b="1">
+                        <a:solidFill>
+                          <a:schemeClr val="tx1"/>
+                        </a:solidFill>
+                        <a:latin typeface="Times New Roman" panose="02020603050405020304" pitchFamily="18" charset="0"/>
+                        <a:cs typeface="Times New Roman" panose="02020603050405020304" pitchFamily="18" charset="0"/>
+                      </a:endParaRPr>
+                    </a:p>
+                  </a:txBody>
+                  <a:tcPr>
+                    <a:lnL w="12700" cap="flat" cmpd="sng" algn="ctr">
+                      <a:solidFill>
+                        <a:schemeClr val="tx1"/>
+                      </a:solidFill>
+                      <a:prstDash val="solid"/>
+                      <a:round/>
+                      <a:headEnd type="none" w="med" len="med"/>
+                      <a:tailEnd type="none" w="med" len="med"/>
+                    </a:lnL>
+                    <a:lnR w="12700" cap="flat" cmpd="sng" algn="ctr">
+                      <a:solidFill>
+                        <a:schemeClr val="tx1"/>
+                      </a:solidFill>
+                      <a:prstDash val="solid"/>
+                      <a:round/>
+                      <a:headEnd type="none" w="med" len="med"/>
+                      <a:tailEnd type="none" w="med" len="med"/>
+                    </a:lnR>
+                    <a:lnT w="12700" cap="flat" cmpd="sng" algn="ctr">
+                      <a:solidFill>
+                        <a:schemeClr val="tx1"/>
+                      </a:solidFill>
+                      <a:prstDash val="solid"/>
+                      <a:round/>
+                      <a:headEnd type="none" w="med" len="med"/>
+                      <a:tailEnd type="none" w="med" len="med"/>
+                    </a:lnT>
+                    <a:lnB w="12700" cap="flat" cmpd="sng" algn="ctr">
+                      <a:solidFill>
+                        <a:schemeClr val="tx1"/>
+                      </a:solidFill>
+                      <a:prstDash val="solid"/>
+                      <a:round/>
+                      <a:headEnd type="none" w="med" len="med"/>
+                      <a:tailEnd type="none" w="med" len="med"/>
+                    </a:lnB>
+                    <a:lnTlToBr w="12700" cmpd="sng">
+                      <a:noFill/>
+                      <a:prstDash val="solid"/>
+                    </a:lnTlToBr>
+                    <a:lnBlToTr w="12700" cmpd="sng">
+                      <a:noFill/>
+                      <a:prstDash val="solid"/>
+                    </a:lnBlToTr>
+                    <a:solidFill>
+                      <a:schemeClr val="bg1"/>
+                    </a:solidFill>
+                  </a:tcPr>
+                </a:tc>
+                <a:tc>
+                  <a:txBody>
+                    <a:bodyPr/>
+                    <a:lstStyle/>
+                    <a:p>
+                      <a:pPr algn="ctr"/>
+                      <a:r>
+                        <a:rPr lang="en-US" b="1" smtClean="0">
+                          <a:solidFill>
+                            <a:schemeClr val="tx1"/>
+                          </a:solidFill>
+                          <a:latin typeface="Times New Roman" panose="02020603050405020304" pitchFamily="18" charset="0"/>
+                          <a:cs typeface="Times New Roman" panose="02020603050405020304" pitchFamily="18" charset="0"/>
+                        </a:rPr>
+                        <a:t>5</a:t>
+                      </a:r>
+                      <a:endParaRPr lang="en-US" b="1">
+                        <a:solidFill>
+                          <a:schemeClr val="tx1"/>
+                        </a:solidFill>
+                        <a:latin typeface="Times New Roman" panose="02020603050405020304" pitchFamily="18" charset="0"/>
+                        <a:cs typeface="Times New Roman" panose="02020603050405020304" pitchFamily="18" charset="0"/>
+                      </a:endParaRPr>
+                    </a:p>
+                  </a:txBody>
+                  <a:tcPr>
+                    <a:lnL w="12700" cap="flat" cmpd="sng" algn="ctr">
+                      <a:solidFill>
+                        <a:schemeClr val="tx1"/>
+                      </a:solidFill>
+                      <a:prstDash val="solid"/>
+                      <a:round/>
+                      <a:headEnd type="none" w="med" len="med"/>
+                      <a:tailEnd type="none" w="med" len="med"/>
+                    </a:lnL>
+                    <a:lnR w="12700" cap="flat" cmpd="sng" algn="ctr">
+                      <a:solidFill>
+                        <a:schemeClr val="tx1"/>
+                      </a:solidFill>
+                      <a:prstDash val="solid"/>
+                      <a:round/>
+                      <a:headEnd type="none" w="med" len="med"/>
+                      <a:tailEnd type="none" w="med" len="med"/>
+                    </a:lnR>
+                    <a:lnT w="12700" cap="flat" cmpd="sng" algn="ctr">
+                      <a:solidFill>
+                        <a:schemeClr val="tx1"/>
+                      </a:solidFill>
+                      <a:prstDash val="solid"/>
+                      <a:round/>
+                      <a:headEnd type="none" w="med" len="med"/>
+                      <a:tailEnd type="none" w="med" len="med"/>
+                    </a:lnT>
+                    <a:lnB w="12700" cap="flat" cmpd="sng" algn="ctr">
+                      <a:solidFill>
+                        <a:schemeClr val="tx1"/>
+                      </a:solidFill>
+                      <a:prstDash val="solid"/>
+                      <a:round/>
+                      <a:headEnd type="none" w="med" len="med"/>
+                      <a:tailEnd type="none" w="med" len="med"/>
+                    </a:lnB>
+                    <a:lnTlToBr w="12700" cmpd="sng">
+                      <a:noFill/>
+                      <a:prstDash val="solid"/>
+                    </a:lnTlToBr>
+                    <a:lnBlToTr w="12700" cmpd="sng">
+                      <a:noFill/>
+                      <a:prstDash val="solid"/>
+                    </a:lnBlToTr>
+                    <a:solidFill>
+                      <a:schemeClr val="bg1"/>
+                    </a:solidFill>
+                  </a:tcPr>
+                </a:tc>
+                <a:tc>
+                  <a:txBody>
+                    <a:bodyPr/>
+                    <a:lstStyle/>
+                    <a:p>
+                      <a:pPr algn="ctr"/>
+                      <a:r>
+                        <a:rPr lang="en-US" b="1" smtClean="0">
+                          <a:solidFill>
+                            <a:schemeClr val="tx1"/>
+                          </a:solidFill>
+                          <a:latin typeface="Times New Roman" panose="02020603050405020304" pitchFamily="18" charset="0"/>
+                          <a:cs typeface="Times New Roman" panose="02020603050405020304" pitchFamily="18" charset="0"/>
+                        </a:rPr>
+                        <a:t>4</a:t>
+                      </a:r>
+                      <a:endParaRPr lang="en-US" b="1">
+                        <a:solidFill>
+                          <a:schemeClr val="tx1"/>
+                        </a:solidFill>
+                        <a:latin typeface="Times New Roman" panose="02020603050405020304" pitchFamily="18" charset="0"/>
+                        <a:cs typeface="Times New Roman" panose="02020603050405020304" pitchFamily="18" charset="0"/>
+                      </a:endParaRPr>
+                    </a:p>
+                  </a:txBody>
+                  <a:tcPr>
+                    <a:lnL w="12700" cap="flat" cmpd="sng" algn="ctr">
+                      <a:solidFill>
+                        <a:schemeClr val="tx1"/>
+                      </a:solidFill>
+                      <a:prstDash val="solid"/>
+                      <a:round/>
+                      <a:headEnd type="none" w="med" len="med"/>
+                      <a:tailEnd type="none" w="med" len="med"/>
+                    </a:lnL>
+                    <a:lnR w="12700" cap="flat" cmpd="sng" algn="ctr">
+                      <a:solidFill>
+                        <a:schemeClr val="tx1"/>
+                      </a:solidFill>
+                      <a:prstDash val="solid"/>
+                      <a:round/>
+                      <a:headEnd type="none" w="med" len="med"/>
+                      <a:tailEnd type="none" w="med" len="med"/>
+                    </a:lnR>
+                    <a:lnT w="12700" cap="flat" cmpd="sng" algn="ctr">
+                      <a:solidFill>
+                        <a:schemeClr val="tx1"/>
+                      </a:solidFill>
+                      <a:prstDash val="solid"/>
+                      <a:round/>
+                      <a:headEnd type="none" w="med" len="med"/>
+                      <a:tailEnd type="none" w="med" len="med"/>
+                    </a:lnT>
+                    <a:lnB w="12700" cap="flat" cmpd="sng" algn="ctr">
+                      <a:solidFill>
+                        <a:schemeClr val="tx1"/>
+                      </a:solidFill>
+                      <a:prstDash val="solid"/>
+                      <a:round/>
+                      <a:headEnd type="none" w="med" len="med"/>
+                      <a:tailEnd type="none" w="med" len="med"/>
+                    </a:lnB>
+                    <a:lnTlToBr w="12700" cmpd="sng">
+                      <a:noFill/>
+                      <a:prstDash val="solid"/>
+                    </a:lnTlToBr>
+                    <a:lnBlToTr w="12700" cmpd="sng">
+                      <a:noFill/>
+                      <a:prstDash val="solid"/>
+                    </a:lnBlToTr>
+                    <a:solidFill>
+                      <a:schemeClr val="bg1"/>
+                    </a:solidFill>
+                  </a:tcPr>
+                </a:tc>
+                <a:tc>
+                  <a:txBody>
+                    <a:bodyPr/>
+                    <a:lstStyle/>
+                    <a:p>
+                      <a:pPr algn="ctr"/>
+                      <a:r>
+                        <a:rPr lang="en-US" b="1" smtClean="0">
+                          <a:solidFill>
+                            <a:schemeClr val="tx1"/>
+                          </a:solidFill>
+                          <a:latin typeface="Times New Roman" panose="02020603050405020304" pitchFamily="18" charset="0"/>
+                          <a:cs typeface="Times New Roman" panose="02020603050405020304" pitchFamily="18" charset="0"/>
+                        </a:rPr>
+                        <a:t>1</a:t>
+                      </a:r>
+                      <a:endParaRPr lang="en-US" b="1">
+                        <a:solidFill>
+                          <a:schemeClr val="tx1"/>
+                        </a:solidFill>
+                        <a:latin typeface="Times New Roman" panose="02020603050405020304" pitchFamily="18" charset="0"/>
+                        <a:cs typeface="Times New Roman" panose="02020603050405020304" pitchFamily="18" charset="0"/>
+                      </a:endParaRPr>
+                    </a:p>
+                  </a:txBody>
+                  <a:tcPr>
+                    <a:lnL w="12700" cap="flat" cmpd="sng" algn="ctr">
+                      <a:solidFill>
+                        <a:schemeClr val="tx1"/>
+                      </a:solidFill>
+                      <a:prstDash val="solid"/>
+                      <a:round/>
+                      <a:headEnd type="none" w="med" len="med"/>
+                      <a:tailEnd type="none" w="med" len="med"/>
+                    </a:lnL>
+                    <a:lnR w="12700" cap="flat" cmpd="sng" algn="ctr">
+                      <a:solidFill>
+                        <a:schemeClr val="tx1"/>
+                      </a:solidFill>
+                      <a:prstDash val="solid"/>
+                      <a:round/>
+                      <a:headEnd type="none" w="med" len="med"/>
+                      <a:tailEnd type="none" w="med" len="med"/>
+                    </a:lnR>
+                    <a:lnT w="12700" cap="flat" cmpd="sng" algn="ctr">
+                      <a:solidFill>
+                        <a:schemeClr val="tx1"/>
+                      </a:solidFill>
+                      <a:prstDash val="solid"/>
+                      <a:round/>
+                      <a:headEnd type="none" w="med" len="med"/>
+                      <a:tailEnd type="none" w="med" len="med"/>
+                    </a:lnT>
+                    <a:lnB w="12700" cap="flat" cmpd="sng" algn="ctr">
+                      <a:solidFill>
+                        <a:schemeClr val="tx1"/>
+                      </a:solidFill>
+                      <a:prstDash val="solid"/>
+                      <a:round/>
+                      <a:headEnd type="none" w="med" len="med"/>
+                      <a:tailEnd type="none" w="med" len="med"/>
+                    </a:lnB>
+                    <a:lnTlToBr w="12700" cmpd="sng">
+                      <a:noFill/>
+                      <a:prstDash val="solid"/>
+                    </a:lnTlToBr>
+                    <a:lnBlToTr w="12700" cmpd="sng">
+                      <a:noFill/>
+                      <a:prstDash val="solid"/>
+                    </a:lnBlToTr>
+                    <a:solidFill>
+                      <a:schemeClr val="bg1"/>
+                    </a:solidFill>
+                  </a:tcPr>
+                </a:tc>
+                <a:tc>
+                  <a:txBody>
+                    <a:bodyPr/>
+                    <a:lstStyle/>
+                    <a:p>
+                      <a:pPr algn="ctr"/>
+                      <a:r>
+                        <a:rPr lang="en-US" b="1" smtClean="0">
+                          <a:solidFill>
+                            <a:schemeClr val="tx1"/>
+                          </a:solidFill>
+                          <a:latin typeface="Times New Roman" panose="02020603050405020304" pitchFamily="18" charset="0"/>
+                          <a:cs typeface="Times New Roman" panose="02020603050405020304" pitchFamily="18" charset="0"/>
+                        </a:rPr>
+                        <a:t>0</a:t>
+                      </a:r>
+                      <a:endParaRPr lang="en-US" b="1">
+                        <a:solidFill>
+                          <a:schemeClr val="tx1"/>
+                        </a:solidFill>
+                        <a:latin typeface="Times New Roman" panose="02020603050405020304" pitchFamily="18" charset="0"/>
+                        <a:cs typeface="Times New Roman" panose="02020603050405020304" pitchFamily="18" charset="0"/>
+                      </a:endParaRPr>
+                    </a:p>
+                  </a:txBody>
+                  <a:tcPr>
+                    <a:lnL w="12700" cap="flat" cmpd="sng" algn="ctr">
+                      <a:solidFill>
+                        <a:schemeClr val="tx1"/>
+                      </a:solidFill>
+                      <a:prstDash val="solid"/>
+                      <a:round/>
+                      <a:headEnd type="none" w="med" len="med"/>
+                      <a:tailEnd type="none" w="med" len="med"/>
+                    </a:lnL>
+                    <a:lnR w="12700" cap="flat" cmpd="sng" algn="ctr">
+                      <a:solidFill>
+                        <a:schemeClr val="tx1"/>
+                      </a:solidFill>
+                      <a:prstDash val="solid"/>
+                      <a:round/>
+                      <a:headEnd type="none" w="med" len="med"/>
+                      <a:tailEnd type="none" w="med" len="med"/>
+                    </a:lnR>
+                    <a:lnT w="12700" cap="flat" cmpd="sng" algn="ctr">
+                      <a:solidFill>
+                        <a:schemeClr val="tx1"/>
+                      </a:solidFill>
+                      <a:prstDash val="solid"/>
+                      <a:round/>
+                      <a:headEnd type="none" w="med" len="med"/>
+                      <a:tailEnd type="none" w="med" len="med"/>
+                    </a:lnT>
+                    <a:lnB w="12700" cap="flat" cmpd="sng" algn="ctr">
+                      <a:solidFill>
+                        <a:schemeClr val="tx1"/>
+                      </a:solidFill>
+                      <a:prstDash val="solid"/>
+                      <a:round/>
+                      <a:headEnd type="none" w="med" len="med"/>
+                      <a:tailEnd type="none" w="med" len="med"/>
+                    </a:lnB>
+                    <a:lnTlToBr w="12700" cmpd="sng">
+                      <a:noFill/>
+                      <a:prstDash val="solid"/>
+                    </a:lnTlToBr>
+                    <a:lnBlToTr w="12700" cmpd="sng">
+                      <a:noFill/>
+                      <a:prstDash val="solid"/>
+                    </a:lnBlToTr>
+                    <a:solidFill>
+                      <a:schemeClr val="bg1"/>
+                    </a:solidFill>
+                  </a:tcPr>
+                </a:tc>
+              </a:tr>
+            </a:tbl>
+          </a:graphicData>
+        </a:graphic>
+      </p:graphicFrame>
+      <p:graphicFrame>
+        <p:nvGraphicFramePr>
+          <p:cNvPr id="5" name="Table 4"/>
+          <p:cNvGraphicFramePr>
+            <a:graphicFrameLocks noGrp="1"/>
+          </p:cNvGraphicFramePr>
+          <p:nvPr>
+            <p:extLst>
+              <p:ext uri="{D42A27DB-BD31-4B8C-83A1-F6EECF244321}">
+                <p14:modId xmlns:p14="http://schemas.microsoft.com/office/powerpoint/2010/main" val="2814040420"/>
+              </p:ext>
+            </p:extLst>
+          </p:nvPr>
+        </p:nvGraphicFramePr>
+        <p:xfrm>
+          <a:off x="7722935" y="2119454"/>
+          <a:ext cx="594360" cy="594360"/>
+        </p:xfrm>
+        <a:graphic>
+          <a:graphicData uri="http://schemas.openxmlformats.org/drawingml/2006/table">
+            <a:tbl>
+              <a:tblPr firstRow="1" bandRow="1">
+                <a:tableStyleId>{5C22544A-7EE6-4342-B048-85BDC9FD1C3A}</a:tableStyleId>
+              </a:tblPr>
+              <a:tblGrid>
+                <a:gridCol w="594360"/>
+              </a:tblGrid>
+              <a:tr h="594360">
+                <a:tc>
+                  <a:txBody>
+                    <a:bodyPr/>
+                    <a:lstStyle/>
+                    <a:p>
+                      <a:endParaRPr lang="en-US"/>
+                    </a:p>
+                  </a:txBody>
+                  <a:tcPr>
+                    <a:lnL w="12700" cap="flat" cmpd="sng" algn="ctr">
+                      <a:solidFill>
+                        <a:schemeClr val="tx1"/>
+                      </a:solidFill>
+                      <a:prstDash val="solid"/>
+                      <a:round/>
+                      <a:headEnd type="none" w="med" len="med"/>
+                      <a:tailEnd type="none" w="med" len="med"/>
+                    </a:lnL>
+                    <a:lnR w="12700" cap="flat" cmpd="sng" algn="ctr">
+                      <a:solidFill>
+                        <a:schemeClr val="tx1"/>
+                      </a:solidFill>
+                      <a:prstDash val="solid"/>
+                      <a:round/>
+                      <a:headEnd type="none" w="med" len="med"/>
+                      <a:tailEnd type="none" w="med" len="med"/>
+                    </a:lnR>
+                    <a:lnT w="12700" cap="flat" cmpd="sng" algn="ctr">
+                      <a:solidFill>
+                        <a:schemeClr val="tx1"/>
+                      </a:solidFill>
+                      <a:prstDash val="solid"/>
+                      <a:round/>
+                      <a:headEnd type="none" w="med" len="med"/>
+                      <a:tailEnd type="none" w="med" len="med"/>
+                    </a:lnT>
+                    <a:lnB w="12700" cap="flat" cmpd="sng" algn="ctr">
+                      <a:solidFill>
+                        <a:schemeClr val="tx1"/>
+                      </a:solidFill>
+                      <a:prstDash val="solid"/>
+                      <a:round/>
+                      <a:headEnd type="none" w="med" len="med"/>
+                      <a:tailEnd type="none" w="med" len="med"/>
+                    </a:lnB>
+                    <a:solidFill>
+                      <a:srgbClr val="00B0F0"/>
+                    </a:solidFill>
+                  </a:tcPr>
+                </a:tc>
+              </a:tr>
+            </a:tbl>
+          </a:graphicData>
+        </a:graphic>
+      </p:graphicFrame>
+      <p:sp>
+        <p:nvSpPr>
+          <p:cNvPr id="7" name="TextBox 6"/>
+          <p:cNvSpPr txBox="1"/>
+          <p:nvPr/>
+        </p:nvSpPr>
+        <p:spPr>
+          <a:xfrm>
+            <a:off x="8674231" y="2231968"/>
+            <a:ext cx="1540042" cy="369332"/>
+          </a:xfrm>
+          <a:prstGeom prst="rect">
+            <a:avLst/>
+          </a:prstGeom>
+          <a:noFill/>
+        </p:spPr>
+        <p:txBody>
+          <a:bodyPr wrap="square" rtlCol="0">
+            <a:spAutoFit/>
+          </a:bodyPr>
+          <a:lstStyle/>
+          <a:p>
+            <a:r>
+              <a:rPr lang="en-US" smtClean="0">
+                <a:latin typeface="Times New Roman" panose="02020603050405020304" pitchFamily="18" charset="0"/>
+                <a:cs typeface="Times New Roman" panose="02020603050405020304" pitchFamily="18" charset="0"/>
+              </a:rPr>
+              <a:t>Seed Awal</a:t>
+            </a:r>
+            <a:endParaRPr lang="en-US">
+              <a:latin typeface="Times New Roman" panose="02020603050405020304" pitchFamily="18" charset="0"/>
+              <a:cs typeface="Times New Roman" panose="02020603050405020304" pitchFamily="18" charset="0"/>
+            </a:endParaRPr>
+          </a:p>
+        </p:txBody>
+      </p:sp>
+      <p:cxnSp>
+        <p:nvCxnSpPr>
+          <p:cNvPr id="9" name="Straight Arrow Connector 8"/>
+          <p:cNvCxnSpPr/>
+          <p:nvPr/>
+        </p:nvCxnSpPr>
+        <p:spPr>
+          <a:xfrm flipV="1">
+            <a:off x="7722935" y="3256657"/>
+            <a:ext cx="594360" cy="0"/>
+          </a:xfrm>
+          <a:prstGeom prst="straightConnector1">
+            <a:avLst/>
+          </a:prstGeom>
+          <a:ln w="38100">
+            <a:solidFill>
+              <a:schemeClr val="tx1"/>
+            </a:solidFill>
+            <a:tailEnd type="triangle"/>
+          </a:ln>
+        </p:spPr>
+        <p:style>
+          <a:lnRef idx="1">
+            <a:schemeClr val="accent1"/>
+          </a:lnRef>
+          <a:fillRef idx="0">
+            <a:schemeClr val="accent1"/>
+          </a:fillRef>
+          <a:effectRef idx="0">
+            <a:schemeClr val="accent1"/>
+          </a:effectRef>
+          <a:fontRef idx="minor">
+            <a:schemeClr val="tx1"/>
+          </a:fontRef>
+        </p:style>
+      </p:cxnSp>
+      <p:sp>
+        <p:nvSpPr>
+          <p:cNvPr id="11" name="TextBox 10"/>
+          <p:cNvSpPr txBox="1"/>
+          <p:nvPr/>
+        </p:nvSpPr>
+        <p:spPr>
+          <a:xfrm>
+            <a:off x="8674231" y="3071991"/>
+            <a:ext cx="2915653" cy="369332"/>
+          </a:xfrm>
+          <a:prstGeom prst="rect">
+            <a:avLst/>
+          </a:prstGeom>
+          <a:noFill/>
+        </p:spPr>
+        <p:txBody>
+          <a:bodyPr wrap="square" rtlCol="0">
+            <a:spAutoFit/>
+          </a:bodyPr>
+          <a:lstStyle/>
+          <a:p>
+            <a:r>
+              <a:rPr lang="en-US" smtClean="0">
+                <a:latin typeface="Times New Roman" panose="02020603050405020304" pitchFamily="18" charset="0"/>
+                <a:cs typeface="Times New Roman" panose="02020603050405020304" pitchFamily="18" charset="0"/>
+              </a:rPr>
+              <a:t>Arah Pertumbuhan Piksel</a:t>
+            </a:r>
+            <a:endParaRPr lang="en-US">
+              <a:latin typeface="Times New Roman" panose="02020603050405020304" pitchFamily="18" charset="0"/>
+              <a:cs typeface="Times New Roman" panose="02020603050405020304" pitchFamily="18" charset="0"/>
+            </a:endParaRPr>
+          </a:p>
+        </p:txBody>
+      </p:sp>
+      <p:sp>
+        <p:nvSpPr>
+          <p:cNvPr id="14" name="TextBox 13"/>
+          <p:cNvSpPr txBox="1"/>
+          <p:nvPr/>
+        </p:nvSpPr>
+        <p:spPr>
+          <a:xfrm>
+            <a:off x="3708399" y="5522495"/>
+            <a:ext cx="3657600" cy="369332"/>
+          </a:xfrm>
+          <a:prstGeom prst="rect">
+            <a:avLst/>
+          </a:prstGeom>
+          <a:noFill/>
+        </p:spPr>
+        <p:txBody>
+          <a:bodyPr wrap="square" rtlCol="0">
+            <a:spAutoFit/>
+          </a:bodyPr>
+          <a:lstStyle/>
+          <a:p>
+            <a:r>
+              <a:rPr lang="en-US" smtClean="0">
+                <a:latin typeface="Times New Roman" panose="02020603050405020304" pitchFamily="18" charset="0"/>
+                <a:cs typeface="Times New Roman" panose="02020603050405020304" pitchFamily="18" charset="0"/>
+              </a:rPr>
+              <a:t>Matrix 6x6 dengan gray leve 0 - 9</a:t>
+            </a:r>
+            <a:endParaRPr lang="en-US">
+              <a:latin typeface="Times New Roman" panose="02020603050405020304" pitchFamily="18" charset="0"/>
+              <a:cs typeface="Times New Roman" panose="02020603050405020304" pitchFamily="18" charset="0"/>
+            </a:endParaRPr>
+          </a:p>
+        </p:txBody>
+      </p:sp>
+    </p:spTree>
+    <p:extLst>
+      <p:ext uri="{BB962C8B-B14F-4D97-AF65-F5344CB8AC3E}">
+        <p14:creationId xmlns:p14="http://schemas.microsoft.com/office/powerpoint/2010/main" val="3793773941"/>
+      </p:ext>
+    </p:extLst>
+  </p:cSld>
+  <p:clrMapOvr>
+    <a:masterClrMapping/>
+  </p:clrMapOvr>
+  <p:timing>
+    <p:tnLst>
+      <p:par>
+        <p:cTn id="1" dur="indefinite" restart="never" nodeType="tmRoot"/>
+      </p:par>
+    </p:tnLst>
+  </p:timing>
+</p:sld>
+</file>
+
+<file path=ppt/slides/slide4.xml><?xml version="1.0" encoding="utf-8"?>
+<p:sld xmlns:a="http://schemas.openxmlformats.org/drawingml/2006/main" xmlns:r="http://schemas.openxmlformats.org/officeDocument/2006/relationships" xmlns:p="http://schemas.openxmlformats.org/presentationml/2006/main">
+  <p:cSld>
+    <p:spTree>
+      <p:nvGrpSpPr>
+        <p:cNvPr id="1" name=""/>
+        <p:cNvGrpSpPr/>
+        <p:nvPr/>
+      </p:nvGrpSpPr>
+      <p:grpSpPr>
+        <a:xfrm>
+          <a:off x="0" y="0"/>
+          <a:ext cx="0" cy="0"/>
+          <a:chOff x="0" y="0"/>
+          <a:chExt cx="0" cy="0"/>
+        </a:xfrm>
+      </p:grpSpPr>
+      <p:sp>
+        <p:nvSpPr>
+          <p:cNvPr id="32" name="Rectangle 31"/>
+          <p:cNvSpPr/>
+          <p:nvPr/>
+        </p:nvSpPr>
+        <p:spPr>
+          <a:xfrm>
+            <a:off x="3212432" y="986589"/>
+            <a:ext cx="8831179" cy="5354053"/>
+          </a:xfrm>
+          <a:prstGeom prst="rect">
+            <a:avLst/>
+          </a:prstGeom>
+        </p:spPr>
+        <p:style>
+          <a:lnRef idx="2">
+            <a:schemeClr val="accent6"/>
+          </a:lnRef>
+          <a:fillRef idx="1">
+            <a:schemeClr val="lt1"/>
+          </a:fillRef>
+          <a:effectRef idx="0">
+            <a:schemeClr val="accent6"/>
+          </a:effectRef>
+          <a:fontRef idx="minor">
+            <a:schemeClr val="dk1"/>
+          </a:fontRef>
+        </p:style>
+        <p:txBody>
+          <a:bodyPr rtlCol="0" anchor="ctr"/>
+          <a:lstStyle/>
+          <a:p>
+            <a:pPr algn="ctr"/>
+            <a:endParaRPr lang="en-US"/>
+          </a:p>
+        </p:txBody>
+      </p:sp>
+      <p:graphicFrame>
+        <p:nvGraphicFramePr>
+          <p:cNvPr id="4" name="Table 3"/>
+          <p:cNvGraphicFramePr>
+            <a:graphicFrameLocks noGrp="1"/>
+          </p:cNvGraphicFramePr>
+          <p:nvPr>
+            <p:extLst>
+              <p:ext uri="{D42A27DB-BD31-4B8C-83A1-F6EECF244321}">
+                <p14:modId xmlns:p14="http://schemas.microsoft.com/office/powerpoint/2010/main" val="3100714578"/>
+              </p:ext>
+            </p:extLst>
+          </p:nvPr>
+        </p:nvGraphicFramePr>
+        <p:xfrm>
+          <a:off x="3708399" y="1612523"/>
+          <a:ext cx="3657600" cy="3657600"/>
+        </p:xfrm>
+        <a:graphic>
+          <a:graphicData uri="http://schemas.openxmlformats.org/drawingml/2006/table">
+            <a:tbl>
+              <a:tblPr firstRow="1" bandRow="1">
+                <a:tableStyleId>{5C22544A-7EE6-4342-B048-85BDC9FD1C3A}</a:tableStyleId>
+              </a:tblPr>
+              <a:tblGrid>
+                <a:gridCol w="609600"/>
+                <a:gridCol w="609600"/>
+                <a:gridCol w="609600"/>
+                <a:gridCol w="609600"/>
+                <a:gridCol w="609600"/>
+                <a:gridCol w="609600"/>
+              </a:tblGrid>
+              <a:tr h="609600">
+                <a:tc>
+                  <a:txBody>
+                    <a:bodyPr/>
+                    <a:lstStyle/>
+                    <a:p>
+                      <a:pPr algn="ctr"/>
+                      <a:r>
+                        <a:rPr lang="en-US" b="1" smtClean="0">
+                          <a:solidFill>
+                            <a:schemeClr val="tx1"/>
+                          </a:solidFill>
+                          <a:latin typeface="Times New Roman" panose="02020603050405020304" pitchFamily="18" charset="0"/>
+                          <a:cs typeface="Times New Roman" panose="02020603050405020304" pitchFamily="18" charset="0"/>
+                        </a:rPr>
+                        <a:t>2</a:t>
+                      </a:r>
+                      <a:endParaRPr lang="en-US" b="1">
+                        <a:solidFill>
+                          <a:schemeClr val="tx1"/>
+                        </a:solidFill>
+                        <a:latin typeface="Times New Roman" panose="02020603050405020304" pitchFamily="18" charset="0"/>
+                        <a:cs typeface="Times New Roman" panose="02020603050405020304" pitchFamily="18" charset="0"/>
+                      </a:endParaRPr>
+                    </a:p>
+                  </a:txBody>
+                  <a:tcPr>
+                    <a:lnL w="12700" cap="flat" cmpd="sng" algn="ctr">
+                      <a:solidFill>
+                        <a:schemeClr val="tx1"/>
+                      </a:solidFill>
+                      <a:prstDash val="solid"/>
+                      <a:round/>
+                      <a:headEnd type="none" w="med" len="med"/>
+                      <a:tailEnd type="none" w="med" len="med"/>
+                    </a:lnL>
+                    <a:lnR w="12700" cap="flat" cmpd="sng" algn="ctr">
+                      <a:solidFill>
+                        <a:schemeClr val="tx1"/>
+                      </a:solidFill>
+                      <a:prstDash val="solid"/>
+                      <a:round/>
+                      <a:headEnd type="none" w="med" len="med"/>
+                      <a:tailEnd type="none" w="med" len="med"/>
+                    </a:lnR>
+                    <a:lnT w="12700" cap="flat" cmpd="sng" algn="ctr">
+                      <a:solidFill>
+                        <a:schemeClr val="tx1"/>
+                      </a:solidFill>
+                      <a:prstDash val="solid"/>
+                      <a:round/>
+                      <a:headEnd type="none" w="med" len="med"/>
+                      <a:tailEnd type="none" w="med" len="med"/>
+                    </a:lnT>
+                    <a:lnB w="12700" cap="flat" cmpd="sng" algn="ctr">
+                      <a:solidFill>
+                        <a:schemeClr val="tx1"/>
+                      </a:solidFill>
+                      <a:prstDash val="solid"/>
+                      <a:round/>
+                      <a:headEnd type="none" w="med" len="med"/>
+                      <a:tailEnd type="none" w="med" len="med"/>
+                    </a:lnB>
+                    <a:lnTlToBr w="12700" cmpd="sng">
+                      <a:noFill/>
+                      <a:prstDash val="solid"/>
+                    </a:lnTlToBr>
+                    <a:lnBlToTr w="12700" cmpd="sng">
+                      <a:noFill/>
+                      <a:prstDash val="solid"/>
+                    </a:lnBlToTr>
+                    <a:solidFill>
+                      <a:schemeClr val="bg1"/>
+                    </a:solidFill>
+                  </a:tcPr>
+                </a:tc>
+                <a:tc>
+                  <a:txBody>
+                    <a:bodyPr/>
+                    <a:lstStyle/>
+                    <a:p>
+                      <a:pPr algn="ctr"/>
+                      <a:r>
+                        <a:rPr lang="en-US" b="1" smtClean="0">
+                          <a:solidFill>
+                            <a:schemeClr val="tx1"/>
+                          </a:solidFill>
+                          <a:latin typeface="Times New Roman" panose="02020603050405020304" pitchFamily="18" charset="0"/>
+                          <a:cs typeface="Times New Roman" panose="02020603050405020304" pitchFamily="18" charset="0"/>
+                        </a:rPr>
+                        <a:t>3</a:t>
+                      </a:r>
+                      <a:endParaRPr lang="en-US" b="1">
+                        <a:solidFill>
+                          <a:schemeClr val="tx1"/>
+                        </a:solidFill>
+                        <a:latin typeface="Times New Roman" panose="02020603050405020304" pitchFamily="18" charset="0"/>
+                        <a:cs typeface="Times New Roman" panose="02020603050405020304" pitchFamily="18" charset="0"/>
+                      </a:endParaRPr>
+                    </a:p>
+                  </a:txBody>
+                  <a:tcPr>
+                    <a:lnL w="12700" cap="flat" cmpd="sng" algn="ctr">
+                      <a:solidFill>
+                        <a:schemeClr val="tx1"/>
+                      </a:solidFill>
+                      <a:prstDash val="solid"/>
+                      <a:round/>
+                      <a:headEnd type="none" w="med" len="med"/>
+                      <a:tailEnd type="none" w="med" len="med"/>
+                    </a:lnL>
+                    <a:lnR w="12700" cap="flat" cmpd="sng" algn="ctr">
+                      <a:solidFill>
+                        <a:schemeClr val="tx1"/>
+                      </a:solidFill>
+                      <a:prstDash val="solid"/>
+                      <a:round/>
+                      <a:headEnd type="none" w="med" len="med"/>
+                      <a:tailEnd type="none" w="med" len="med"/>
+                    </a:lnR>
+                    <a:lnT w="12700" cap="flat" cmpd="sng" algn="ctr">
+                      <a:solidFill>
+                        <a:schemeClr val="tx1"/>
+                      </a:solidFill>
+                      <a:prstDash val="solid"/>
+                      <a:round/>
+                      <a:headEnd type="none" w="med" len="med"/>
+                      <a:tailEnd type="none" w="med" len="med"/>
+                    </a:lnT>
+                    <a:lnB w="12700" cap="flat" cmpd="sng" algn="ctr">
+                      <a:solidFill>
+                        <a:schemeClr val="tx1"/>
+                      </a:solidFill>
+                      <a:prstDash val="solid"/>
+                      <a:round/>
+                      <a:headEnd type="none" w="med" len="med"/>
+                      <a:tailEnd type="none" w="med" len="med"/>
+                    </a:lnB>
+                    <a:lnTlToBr w="12700" cmpd="sng">
+                      <a:noFill/>
+                      <a:prstDash val="solid"/>
+                    </a:lnTlToBr>
+                    <a:lnBlToTr w="12700" cmpd="sng">
+                      <a:noFill/>
+                      <a:prstDash val="solid"/>
+                    </a:lnBlToTr>
+                    <a:solidFill>
+                      <a:schemeClr val="bg1"/>
+                    </a:solidFill>
+                  </a:tcPr>
+                </a:tc>
+                <a:tc>
+                  <a:txBody>
+                    <a:bodyPr/>
+                    <a:lstStyle/>
+                    <a:p>
+                      <a:pPr algn="ctr"/>
+                      <a:r>
+                        <a:rPr lang="en-US" b="1" smtClean="0">
+                          <a:solidFill>
+                            <a:schemeClr val="tx1"/>
+                          </a:solidFill>
+                          <a:latin typeface="Times New Roman" panose="02020603050405020304" pitchFamily="18" charset="0"/>
+                          <a:cs typeface="Times New Roman" panose="02020603050405020304" pitchFamily="18" charset="0"/>
+                        </a:rPr>
+                        <a:t>8</a:t>
+                      </a:r>
+                      <a:endParaRPr lang="en-US" b="1">
+                        <a:solidFill>
+                          <a:schemeClr val="tx1"/>
+                        </a:solidFill>
+                        <a:latin typeface="Times New Roman" panose="02020603050405020304" pitchFamily="18" charset="0"/>
+                        <a:cs typeface="Times New Roman" panose="02020603050405020304" pitchFamily="18" charset="0"/>
+                      </a:endParaRPr>
+                    </a:p>
+                  </a:txBody>
+                  <a:tcPr>
+                    <a:lnL w="12700" cap="flat" cmpd="sng" algn="ctr">
+                      <a:solidFill>
+                        <a:schemeClr val="tx1"/>
+                      </a:solidFill>
+                      <a:prstDash val="solid"/>
+                      <a:round/>
+                      <a:headEnd type="none" w="med" len="med"/>
+                      <a:tailEnd type="none" w="med" len="med"/>
+                    </a:lnL>
+                    <a:lnR w="12700" cap="flat" cmpd="sng" algn="ctr">
+                      <a:solidFill>
+                        <a:schemeClr val="tx1"/>
+                      </a:solidFill>
+                      <a:prstDash val="solid"/>
+                      <a:round/>
+                      <a:headEnd type="none" w="med" len="med"/>
+                      <a:tailEnd type="none" w="med" len="med"/>
+                    </a:lnR>
+                    <a:lnT w="12700" cap="flat" cmpd="sng" algn="ctr">
+                      <a:solidFill>
+                        <a:schemeClr val="tx1"/>
+                      </a:solidFill>
+                      <a:prstDash val="solid"/>
+                      <a:round/>
+                      <a:headEnd type="none" w="med" len="med"/>
+                      <a:tailEnd type="none" w="med" len="med"/>
+                    </a:lnT>
+                    <a:lnB w="12700" cap="flat" cmpd="sng" algn="ctr">
+                      <a:solidFill>
+                        <a:schemeClr val="tx1"/>
+                      </a:solidFill>
+                      <a:prstDash val="solid"/>
+                      <a:round/>
+                      <a:headEnd type="none" w="med" len="med"/>
+                      <a:tailEnd type="none" w="med" len="med"/>
+                    </a:lnB>
+                    <a:lnTlToBr w="12700" cmpd="sng">
+                      <a:noFill/>
+                      <a:prstDash val="solid"/>
+                    </a:lnTlToBr>
+                    <a:lnBlToTr w="12700" cmpd="sng">
+                      <a:noFill/>
+                      <a:prstDash val="solid"/>
+                    </a:lnBlToTr>
+                    <a:solidFill>
+                      <a:schemeClr val="bg1"/>
+                    </a:solidFill>
+                  </a:tcPr>
+                </a:tc>
+                <a:tc>
+                  <a:txBody>
+                    <a:bodyPr/>
+                    <a:lstStyle/>
+                    <a:p>
+                      <a:pPr algn="ctr"/>
+                      <a:r>
+                        <a:rPr lang="en-US" b="1" smtClean="0">
+                          <a:solidFill>
+                            <a:schemeClr val="tx1"/>
+                          </a:solidFill>
+                          <a:latin typeface="Times New Roman" panose="02020603050405020304" pitchFamily="18" charset="0"/>
+                          <a:cs typeface="Times New Roman" panose="02020603050405020304" pitchFamily="18" charset="0"/>
+                        </a:rPr>
+                        <a:t>2</a:t>
+                      </a:r>
+                      <a:endParaRPr lang="en-US" b="1">
+                        <a:solidFill>
+                          <a:schemeClr val="tx1"/>
+                        </a:solidFill>
+                        <a:latin typeface="Times New Roman" panose="02020603050405020304" pitchFamily="18" charset="0"/>
+                        <a:cs typeface="Times New Roman" panose="02020603050405020304" pitchFamily="18" charset="0"/>
+                      </a:endParaRPr>
+                    </a:p>
+                  </a:txBody>
+                  <a:tcPr>
+                    <a:lnL w="12700" cap="flat" cmpd="sng" algn="ctr">
+                      <a:solidFill>
+                        <a:schemeClr val="tx1"/>
+                      </a:solidFill>
+                      <a:prstDash val="solid"/>
+                      <a:round/>
+                      <a:headEnd type="none" w="med" len="med"/>
+                      <a:tailEnd type="none" w="med" len="med"/>
+                    </a:lnL>
+                    <a:lnR w="12700" cap="flat" cmpd="sng" algn="ctr">
+                      <a:solidFill>
+                        <a:schemeClr val="tx1"/>
+                      </a:solidFill>
+                      <a:prstDash val="solid"/>
+                      <a:round/>
+                      <a:headEnd type="none" w="med" len="med"/>
+                      <a:tailEnd type="none" w="med" len="med"/>
+                    </a:lnR>
+                    <a:lnT w="12700" cap="flat" cmpd="sng" algn="ctr">
+                      <a:solidFill>
+                        <a:schemeClr val="tx1"/>
+                      </a:solidFill>
+                      <a:prstDash val="solid"/>
+                      <a:round/>
+                      <a:headEnd type="none" w="med" len="med"/>
+                      <a:tailEnd type="none" w="med" len="med"/>
+                    </a:lnT>
+                    <a:lnB w="12700" cap="flat" cmpd="sng" algn="ctr">
+                      <a:solidFill>
+                        <a:schemeClr val="tx1"/>
+                      </a:solidFill>
+                      <a:prstDash val="solid"/>
+                      <a:round/>
+                      <a:headEnd type="none" w="med" len="med"/>
+                      <a:tailEnd type="none" w="med" len="med"/>
+                    </a:lnB>
+                    <a:lnTlToBr w="12700" cmpd="sng">
+                      <a:noFill/>
+                      <a:prstDash val="solid"/>
+                    </a:lnTlToBr>
+                    <a:lnBlToTr w="12700" cmpd="sng">
+                      <a:noFill/>
+                      <a:prstDash val="solid"/>
+                    </a:lnBlToTr>
+                    <a:solidFill>
+                      <a:srgbClr val="92D050"/>
+                    </a:solidFill>
+                  </a:tcPr>
+                </a:tc>
+                <a:tc>
+                  <a:txBody>
+                    <a:bodyPr/>
+                    <a:lstStyle/>
+                    <a:p>
+                      <a:pPr algn="ctr"/>
+                      <a:r>
+                        <a:rPr lang="en-US" b="1" smtClean="0">
+                          <a:solidFill>
+                            <a:schemeClr val="tx1"/>
+                          </a:solidFill>
+                          <a:latin typeface="Times New Roman" panose="02020603050405020304" pitchFamily="18" charset="0"/>
+                          <a:cs typeface="Times New Roman" panose="02020603050405020304" pitchFamily="18" charset="0"/>
+                        </a:rPr>
+                        <a:t>7</a:t>
+                      </a:r>
+                      <a:endParaRPr lang="en-US" b="1">
+                        <a:solidFill>
+                          <a:schemeClr val="tx1"/>
+                        </a:solidFill>
+                        <a:latin typeface="Times New Roman" panose="02020603050405020304" pitchFamily="18" charset="0"/>
+                        <a:cs typeface="Times New Roman" panose="02020603050405020304" pitchFamily="18" charset="0"/>
+                      </a:endParaRPr>
+                    </a:p>
+                  </a:txBody>
+                  <a:tcPr>
+                    <a:lnL w="12700" cap="flat" cmpd="sng" algn="ctr">
+                      <a:solidFill>
+                        <a:schemeClr val="tx1"/>
+                      </a:solidFill>
+                      <a:prstDash val="solid"/>
+                      <a:round/>
+                      <a:headEnd type="none" w="med" len="med"/>
+                      <a:tailEnd type="none" w="med" len="med"/>
+                    </a:lnL>
+                    <a:lnR w="12700" cap="flat" cmpd="sng" algn="ctr">
+                      <a:solidFill>
+                        <a:schemeClr val="tx1"/>
+                      </a:solidFill>
+                      <a:prstDash val="solid"/>
+                      <a:round/>
+                      <a:headEnd type="none" w="med" len="med"/>
+                      <a:tailEnd type="none" w="med" len="med"/>
+                    </a:lnR>
+                    <a:lnT w="12700" cap="flat" cmpd="sng" algn="ctr">
+                      <a:solidFill>
+                        <a:schemeClr val="tx1"/>
+                      </a:solidFill>
+                      <a:prstDash val="solid"/>
+                      <a:round/>
+                      <a:headEnd type="none" w="med" len="med"/>
+                      <a:tailEnd type="none" w="med" len="med"/>
+                    </a:lnT>
+                    <a:lnB w="12700" cap="flat" cmpd="sng" algn="ctr">
+                      <a:solidFill>
+                        <a:schemeClr val="tx1"/>
+                      </a:solidFill>
+                      <a:prstDash val="solid"/>
+                      <a:round/>
+                      <a:headEnd type="none" w="med" len="med"/>
+                      <a:tailEnd type="none" w="med" len="med"/>
+                    </a:lnB>
+                    <a:lnTlToBr w="12700" cmpd="sng">
+                      <a:noFill/>
+                      <a:prstDash val="solid"/>
+                    </a:lnTlToBr>
+                    <a:lnBlToTr w="12700" cmpd="sng">
+                      <a:noFill/>
+                      <a:prstDash val="solid"/>
+                    </a:lnBlToTr>
+                    <a:solidFill>
+                      <a:srgbClr val="92D050"/>
+                    </a:solidFill>
+                  </a:tcPr>
+                </a:tc>
+                <a:tc>
+                  <a:txBody>
+                    <a:bodyPr/>
+                    <a:lstStyle/>
+                    <a:p>
+                      <a:pPr algn="ctr"/>
+                      <a:r>
+                        <a:rPr lang="en-US" b="1" smtClean="0">
+                          <a:solidFill>
+                            <a:schemeClr val="tx1"/>
+                          </a:solidFill>
+                          <a:latin typeface="Times New Roman" panose="02020603050405020304" pitchFamily="18" charset="0"/>
+                          <a:cs typeface="Times New Roman" panose="02020603050405020304" pitchFamily="18" charset="0"/>
+                        </a:rPr>
+                        <a:t>3</a:t>
+                      </a:r>
+                      <a:endParaRPr lang="en-US" b="1">
+                        <a:solidFill>
+                          <a:schemeClr val="tx1"/>
+                        </a:solidFill>
+                        <a:latin typeface="Times New Roman" panose="02020603050405020304" pitchFamily="18" charset="0"/>
+                        <a:cs typeface="Times New Roman" panose="02020603050405020304" pitchFamily="18" charset="0"/>
+                      </a:endParaRPr>
+                    </a:p>
+                  </a:txBody>
+                  <a:tcPr>
+                    <a:lnL w="12700" cap="flat" cmpd="sng" algn="ctr">
+                      <a:solidFill>
+                        <a:schemeClr val="tx1"/>
+                      </a:solidFill>
+                      <a:prstDash val="solid"/>
+                      <a:round/>
+                      <a:headEnd type="none" w="med" len="med"/>
+                      <a:tailEnd type="none" w="med" len="med"/>
+                    </a:lnL>
+                    <a:lnR w="12700" cap="flat" cmpd="sng" algn="ctr">
+                      <a:solidFill>
+                        <a:schemeClr val="tx1"/>
+                      </a:solidFill>
+                      <a:prstDash val="solid"/>
+                      <a:round/>
+                      <a:headEnd type="none" w="med" len="med"/>
+                      <a:tailEnd type="none" w="med" len="med"/>
+                    </a:lnR>
+                    <a:lnT w="12700" cap="flat" cmpd="sng" algn="ctr">
+                      <a:solidFill>
+                        <a:schemeClr val="tx1"/>
+                      </a:solidFill>
+                      <a:prstDash val="solid"/>
+                      <a:round/>
+                      <a:headEnd type="none" w="med" len="med"/>
+                      <a:tailEnd type="none" w="med" len="med"/>
+                    </a:lnT>
+                    <a:lnB w="12700" cap="flat" cmpd="sng" algn="ctr">
+                      <a:solidFill>
+                        <a:schemeClr val="tx1"/>
+                      </a:solidFill>
+                      <a:prstDash val="solid"/>
+                      <a:round/>
+                      <a:headEnd type="none" w="med" len="med"/>
+                      <a:tailEnd type="none" w="med" len="med"/>
+                    </a:lnB>
+                    <a:lnTlToBr w="12700" cmpd="sng">
+                      <a:noFill/>
+                      <a:prstDash val="solid"/>
+                    </a:lnTlToBr>
+                    <a:lnBlToTr w="12700" cmpd="sng">
+                      <a:noFill/>
+                      <a:prstDash val="solid"/>
+                    </a:lnBlToTr>
+                    <a:solidFill>
+                      <a:schemeClr val="bg1"/>
+                    </a:solidFill>
+                  </a:tcPr>
+                </a:tc>
+              </a:tr>
+              <a:tr h="609600">
+                <a:tc>
+                  <a:txBody>
+                    <a:bodyPr/>
+                    <a:lstStyle/>
+                    <a:p>
+                      <a:pPr algn="ctr"/>
+                      <a:r>
+                        <a:rPr lang="en-US" b="1" smtClean="0">
+                          <a:solidFill>
+                            <a:schemeClr val="tx1"/>
+                          </a:solidFill>
+                          <a:latin typeface="Times New Roman" panose="02020603050405020304" pitchFamily="18" charset="0"/>
+                          <a:cs typeface="Times New Roman" panose="02020603050405020304" pitchFamily="18" charset="0"/>
+                        </a:rPr>
+                        <a:t>4</a:t>
+                      </a:r>
+                      <a:endParaRPr lang="en-US" b="1">
+                        <a:solidFill>
+                          <a:schemeClr val="tx1"/>
+                        </a:solidFill>
+                        <a:latin typeface="Times New Roman" panose="02020603050405020304" pitchFamily="18" charset="0"/>
+                        <a:cs typeface="Times New Roman" panose="02020603050405020304" pitchFamily="18" charset="0"/>
+                      </a:endParaRPr>
+                    </a:p>
+                  </a:txBody>
+                  <a:tcPr>
+                    <a:lnL w="12700" cap="flat" cmpd="sng" algn="ctr">
+                      <a:solidFill>
+                        <a:schemeClr val="tx1"/>
+                      </a:solidFill>
+                      <a:prstDash val="solid"/>
+                      <a:round/>
+                      <a:headEnd type="none" w="med" len="med"/>
+                      <a:tailEnd type="none" w="med" len="med"/>
+                    </a:lnL>
+                    <a:lnR w="12700" cap="flat" cmpd="sng" algn="ctr">
+                      <a:solidFill>
+                        <a:schemeClr val="tx1"/>
+                      </a:solidFill>
+                      <a:prstDash val="solid"/>
+                      <a:round/>
+                      <a:headEnd type="none" w="med" len="med"/>
+                      <a:tailEnd type="none" w="med" len="med"/>
+                    </a:lnR>
+                    <a:lnT w="12700" cap="flat" cmpd="sng" algn="ctr">
+                      <a:solidFill>
+                        <a:schemeClr val="tx1"/>
+                      </a:solidFill>
+                      <a:prstDash val="solid"/>
+                      <a:round/>
+                      <a:headEnd type="none" w="med" len="med"/>
+                      <a:tailEnd type="none" w="med" len="med"/>
+                    </a:lnT>
+                    <a:lnB w="12700" cap="flat" cmpd="sng" algn="ctr">
+                      <a:solidFill>
+                        <a:schemeClr val="tx1"/>
+                      </a:solidFill>
+                      <a:prstDash val="solid"/>
+                      <a:round/>
+                      <a:headEnd type="none" w="med" len="med"/>
+                      <a:tailEnd type="none" w="med" len="med"/>
+                    </a:lnB>
+                    <a:lnTlToBr w="12700" cmpd="sng">
+                      <a:noFill/>
+                      <a:prstDash val="solid"/>
+                    </a:lnTlToBr>
+                    <a:lnBlToTr w="12700" cmpd="sng">
+                      <a:noFill/>
+                      <a:prstDash val="solid"/>
+                    </a:lnBlToTr>
+                    <a:solidFill>
+                      <a:schemeClr val="bg1"/>
+                    </a:solidFill>
+                  </a:tcPr>
+                </a:tc>
+                <a:tc>
+                  <a:txBody>
+                    <a:bodyPr/>
+                    <a:lstStyle/>
+                    <a:p>
+                      <a:pPr algn="ctr"/>
+                      <a:r>
+                        <a:rPr lang="en-US" b="1" smtClean="0">
+                          <a:solidFill>
+                            <a:schemeClr val="tx1"/>
+                          </a:solidFill>
+                          <a:latin typeface="Times New Roman" panose="02020603050405020304" pitchFamily="18" charset="0"/>
+                          <a:cs typeface="Times New Roman" panose="02020603050405020304" pitchFamily="18" charset="0"/>
+                        </a:rPr>
+                        <a:t>2</a:t>
+                      </a:r>
+                      <a:endParaRPr lang="en-US" b="1">
+                        <a:solidFill>
+                          <a:schemeClr val="tx1"/>
+                        </a:solidFill>
+                        <a:latin typeface="Times New Roman" panose="02020603050405020304" pitchFamily="18" charset="0"/>
+                        <a:cs typeface="Times New Roman" panose="02020603050405020304" pitchFamily="18" charset="0"/>
+                      </a:endParaRPr>
+                    </a:p>
+                  </a:txBody>
+                  <a:tcPr>
+                    <a:lnL w="12700" cap="flat" cmpd="sng" algn="ctr">
+                      <a:solidFill>
+                        <a:schemeClr val="tx1"/>
+                      </a:solidFill>
+                      <a:prstDash val="solid"/>
+                      <a:round/>
+                      <a:headEnd type="none" w="med" len="med"/>
+                      <a:tailEnd type="none" w="med" len="med"/>
+                    </a:lnL>
+                    <a:lnR w="12700" cap="flat" cmpd="sng" algn="ctr">
+                      <a:solidFill>
+                        <a:schemeClr val="tx1"/>
+                      </a:solidFill>
+                      <a:prstDash val="solid"/>
+                      <a:round/>
+                      <a:headEnd type="none" w="med" len="med"/>
+                      <a:tailEnd type="none" w="med" len="med"/>
+                    </a:lnR>
+                    <a:lnT w="12700" cap="flat" cmpd="sng" algn="ctr">
+                      <a:solidFill>
+                        <a:schemeClr val="tx1"/>
+                      </a:solidFill>
+                      <a:prstDash val="solid"/>
+                      <a:round/>
+                      <a:headEnd type="none" w="med" len="med"/>
+                      <a:tailEnd type="none" w="med" len="med"/>
+                    </a:lnT>
+                    <a:lnB w="12700" cap="flat" cmpd="sng" algn="ctr">
+                      <a:solidFill>
+                        <a:schemeClr val="tx1"/>
+                      </a:solidFill>
+                      <a:prstDash val="solid"/>
+                      <a:round/>
+                      <a:headEnd type="none" w="med" len="med"/>
+                      <a:tailEnd type="none" w="med" len="med"/>
+                    </a:lnB>
+                    <a:lnTlToBr w="12700" cmpd="sng">
+                      <a:noFill/>
+                      <a:prstDash val="solid"/>
+                    </a:lnTlToBr>
+                    <a:lnBlToTr w="12700" cmpd="sng">
+                      <a:noFill/>
+                      <a:prstDash val="solid"/>
+                    </a:lnBlToTr>
+                    <a:solidFill>
+                      <a:srgbClr val="FFFF00"/>
+                    </a:solidFill>
+                  </a:tcPr>
+                </a:tc>
+                <a:tc>
+                  <a:txBody>
+                    <a:bodyPr/>
+                    <a:lstStyle/>
+                    <a:p>
+                      <a:pPr algn="ctr"/>
+                      <a:r>
+                        <a:rPr lang="en-US" b="1" smtClean="0">
+                          <a:solidFill>
+                            <a:schemeClr val="tx1"/>
+                          </a:solidFill>
+                          <a:latin typeface="Times New Roman" panose="02020603050405020304" pitchFamily="18" charset="0"/>
+                          <a:cs typeface="Times New Roman" panose="02020603050405020304" pitchFamily="18" charset="0"/>
+                        </a:rPr>
+                        <a:t>3</a:t>
+                      </a:r>
+                      <a:endParaRPr lang="en-US" b="1">
+                        <a:solidFill>
+                          <a:schemeClr val="tx1"/>
+                        </a:solidFill>
+                        <a:latin typeface="Times New Roman" panose="02020603050405020304" pitchFamily="18" charset="0"/>
+                        <a:cs typeface="Times New Roman" panose="02020603050405020304" pitchFamily="18" charset="0"/>
+                      </a:endParaRPr>
+                    </a:p>
+                  </a:txBody>
+                  <a:tcPr>
+                    <a:lnL w="12700" cap="flat" cmpd="sng" algn="ctr">
+                      <a:solidFill>
+                        <a:schemeClr val="tx1"/>
+                      </a:solidFill>
+                      <a:prstDash val="solid"/>
+                      <a:round/>
+                      <a:headEnd type="none" w="med" len="med"/>
+                      <a:tailEnd type="none" w="med" len="med"/>
+                    </a:lnL>
+                    <a:lnR w="12700" cap="flat" cmpd="sng" algn="ctr">
+                      <a:solidFill>
+                        <a:schemeClr val="tx1"/>
+                      </a:solidFill>
+                      <a:prstDash val="solid"/>
+                      <a:round/>
+                      <a:headEnd type="none" w="med" len="med"/>
+                      <a:tailEnd type="none" w="med" len="med"/>
+                    </a:lnR>
+                    <a:lnT w="12700" cap="flat" cmpd="sng" algn="ctr">
+                      <a:solidFill>
+                        <a:schemeClr val="tx1"/>
+                      </a:solidFill>
+                      <a:prstDash val="solid"/>
+                      <a:round/>
+                      <a:headEnd type="none" w="med" len="med"/>
+                      <a:tailEnd type="none" w="med" len="med"/>
+                    </a:lnT>
+                    <a:lnB w="12700" cap="flat" cmpd="sng" algn="ctr">
+                      <a:solidFill>
+                        <a:schemeClr val="tx1"/>
+                      </a:solidFill>
+                      <a:prstDash val="solid"/>
+                      <a:round/>
+                      <a:headEnd type="none" w="med" len="med"/>
+                      <a:tailEnd type="none" w="med" len="med"/>
+                    </a:lnB>
+                    <a:lnTlToBr w="12700" cmpd="sng">
+                      <a:noFill/>
+                      <a:prstDash val="solid"/>
+                    </a:lnTlToBr>
+                    <a:lnBlToTr w="12700" cmpd="sng">
+                      <a:noFill/>
+                      <a:prstDash val="solid"/>
+                    </a:lnBlToTr>
+                    <a:solidFill>
+                      <a:srgbClr val="92D050"/>
+                    </a:solidFill>
+                  </a:tcPr>
+                </a:tc>
+                <a:tc>
+                  <a:txBody>
+                    <a:bodyPr/>
+                    <a:lstStyle/>
+                    <a:p>
+                      <a:pPr algn="ctr"/>
+                      <a:r>
+                        <a:rPr lang="en-US" b="1" smtClean="0">
+                          <a:solidFill>
+                            <a:schemeClr val="tx1"/>
+                          </a:solidFill>
+                          <a:latin typeface="Times New Roman" panose="02020603050405020304" pitchFamily="18" charset="0"/>
+                          <a:cs typeface="Times New Roman" panose="02020603050405020304" pitchFamily="18" charset="0"/>
+                        </a:rPr>
+                        <a:t>4</a:t>
+                      </a:r>
+                      <a:endParaRPr lang="en-US" b="1">
+                        <a:solidFill>
+                          <a:schemeClr val="tx1"/>
+                        </a:solidFill>
+                        <a:latin typeface="Times New Roman" panose="02020603050405020304" pitchFamily="18" charset="0"/>
+                        <a:cs typeface="Times New Roman" panose="02020603050405020304" pitchFamily="18" charset="0"/>
+                      </a:endParaRPr>
+                    </a:p>
+                  </a:txBody>
+                  <a:tcPr>
+                    <a:lnL w="12700" cap="flat" cmpd="sng" algn="ctr">
+                      <a:solidFill>
+                        <a:schemeClr val="tx1"/>
+                      </a:solidFill>
+                      <a:prstDash val="solid"/>
+                      <a:round/>
+                      <a:headEnd type="none" w="med" len="med"/>
+                      <a:tailEnd type="none" w="med" len="med"/>
+                    </a:lnL>
+                    <a:lnR w="12700" cap="flat" cmpd="sng" algn="ctr">
+                      <a:solidFill>
+                        <a:schemeClr val="tx1"/>
+                      </a:solidFill>
+                      <a:prstDash val="solid"/>
+                      <a:round/>
+                      <a:headEnd type="none" w="med" len="med"/>
+                      <a:tailEnd type="none" w="med" len="med"/>
+                    </a:lnR>
+                    <a:lnT w="12700" cap="flat" cmpd="sng" algn="ctr">
+                      <a:solidFill>
+                        <a:schemeClr val="tx1"/>
+                      </a:solidFill>
+                      <a:prstDash val="solid"/>
+                      <a:round/>
+                      <a:headEnd type="none" w="med" len="med"/>
+                      <a:tailEnd type="none" w="med" len="med"/>
+                    </a:lnT>
+                    <a:lnB w="12700" cap="flat" cmpd="sng" algn="ctr">
+                      <a:solidFill>
+                        <a:schemeClr val="tx1"/>
+                      </a:solidFill>
+                      <a:prstDash val="solid"/>
+                      <a:round/>
+                      <a:headEnd type="none" w="med" len="med"/>
+                      <a:tailEnd type="none" w="med" len="med"/>
+                    </a:lnB>
+                    <a:lnTlToBr w="12700" cmpd="sng">
+                      <a:noFill/>
+                      <a:prstDash val="solid"/>
+                    </a:lnTlToBr>
+                    <a:lnBlToTr w="12700" cmpd="sng">
+                      <a:noFill/>
+                      <a:prstDash val="solid"/>
+                    </a:lnBlToTr>
+                    <a:solidFill>
+                      <a:srgbClr val="92D050"/>
+                    </a:solidFill>
+                  </a:tcPr>
+                </a:tc>
+                <a:tc>
+                  <a:txBody>
+                    <a:bodyPr/>
+                    <a:lstStyle/>
+                    <a:p>
+                      <a:pPr algn="ctr"/>
+                      <a:r>
+                        <a:rPr lang="en-US" b="1" smtClean="0">
+                          <a:solidFill>
+                            <a:schemeClr val="tx1"/>
+                          </a:solidFill>
+                          <a:latin typeface="Times New Roman" panose="02020603050405020304" pitchFamily="18" charset="0"/>
+                          <a:cs typeface="Times New Roman" panose="02020603050405020304" pitchFamily="18" charset="0"/>
+                        </a:rPr>
+                        <a:t>8</a:t>
+                      </a:r>
+                      <a:endParaRPr lang="en-US" b="1">
+                        <a:solidFill>
+                          <a:schemeClr val="tx1"/>
+                        </a:solidFill>
+                        <a:latin typeface="Times New Roman" panose="02020603050405020304" pitchFamily="18" charset="0"/>
+                        <a:cs typeface="Times New Roman" panose="02020603050405020304" pitchFamily="18" charset="0"/>
+                      </a:endParaRPr>
+                    </a:p>
+                  </a:txBody>
+                  <a:tcPr>
+                    <a:lnL w="12700" cap="flat" cmpd="sng" algn="ctr">
+                      <a:solidFill>
+                        <a:schemeClr val="tx1"/>
+                      </a:solidFill>
+                      <a:prstDash val="solid"/>
+                      <a:round/>
+                      <a:headEnd type="none" w="med" len="med"/>
+                      <a:tailEnd type="none" w="med" len="med"/>
+                    </a:lnL>
+                    <a:lnR w="12700" cap="flat" cmpd="sng" algn="ctr">
+                      <a:solidFill>
+                        <a:schemeClr val="tx1"/>
+                      </a:solidFill>
+                      <a:prstDash val="solid"/>
+                      <a:round/>
+                      <a:headEnd type="none" w="med" len="med"/>
+                      <a:tailEnd type="none" w="med" len="med"/>
+                    </a:lnR>
+                    <a:lnT w="12700" cap="flat" cmpd="sng" algn="ctr">
+                      <a:solidFill>
+                        <a:schemeClr val="tx1"/>
+                      </a:solidFill>
+                      <a:prstDash val="solid"/>
+                      <a:round/>
+                      <a:headEnd type="none" w="med" len="med"/>
+                      <a:tailEnd type="none" w="med" len="med"/>
+                    </a:lnT>
+                    <a:lnB w="12700" cap="flat" cmpd="sng" algn="ctr">
+                      <a:solidFill>
+                        <a:schemeClr val="tx1"/>
+                      </a:solidFill>
+                      <a:prstDash val="solid"/>
+                      <a:round/>
+                      <a:headEnd type="none" w="med" len="med"/>
+                      <a:tailEnd type="none" w="med" len="med"/>
+                    </a:lnB>
+                    <a:lnTlToBr w="12700" cmpd="sng">
+                      <a:noFill/>
+                      <a:prstDash val="solid"/>
+                    </a:lnTlToBr>
+                    <a:lnBlToTr w="12700" cmpd="sng">
+                      <a:noFill/>
+                      <a:prstDash val="solid"/>
+                    </a:lnBlToTr>
+                    <a:solidFill>
+                      <a:schemeClr val="bg1"/>
+                    </a:solidFill>
+                  </a:tcPr>
+                </a:tc>
+                <a:tc>
+                  <a:txBody>
+                    <a:bodyPr/>
+                    <a:lstStyle/>
+                    <a:p>
+                      <a:pPr algn="ctr"/>
+                      <a:r>
+                        <a:rPr lang="en-US" b="1" smtClean="0">
+                          <a:solidFill>
+                            <a:schemeClr val="tx1"/>
+                          </a:solidFill>
+                          <a:latin typeface="Times New Roman" panose="02020603050405020304" pitchFamily="18" charset="0"/>
+                          <a:cs typeface="Times New Roman" panose="02020603050405020304" pitchFamily="18" charset="0"/>
+                        </a:rPr>
+                        <a:t>9</a:t>
+                      </a:r>
+                      <a:endParaRPr lang="en-US" b="1">
+                        <a:solidFill>
+                          <a:schemeClr val="tx1"/>
+                        </a:solidFill>
+                        <a:latin typeface="Times New Roman" panose="02020603050405020304" pitchFamily="18" charset="0"/>
+                        <a:cs typeface="Times New Roman" panose="02020603050405020304" pitchFamily="18" charset="0"/>
+                      </a:endParaRPr>
+                    </a:p>
+                  </a:txBody>
+                  <a:tcPr>
+                    <a:lnL w="12700" cap="flat" cmpd="sng" algn="ctr">
+                      <a:solidFill>
+                        <a:schemeClr val="tx1"/>
+                      </a:solidFill>
+                      <a:prstDash val="solid"/>
+                      <a:round/>
+                      <a:headEnd type="none" w="med" len="med"/>
+                      <a:tailEnd type="none" w="med" len="med"/>
+                    </a:lnL>
+                    <a:lnR w="12700" cap="flat" cmpd="sng" algn="ctr">
+                      <a:solidFill>
+                        <a:schemeClr val="tx1"/>
+                      </a:solidFill>
+                      <a:prstDash val="solid"/>
+                      <a:round/>
+                      <a:headEnd type="none" w="med" len="med"/>
+                      <a:tailEnd type="none" w="med" len="med"/>
+                    </a:lnR>
+                    <a:lnT w="12700" cap="flat" cmpd="sng" algn="ctr">
+                      <a:solidFill>
+                        <a:schemeClr val="tx1"/>
+                      </a:solidFill>
+                      <a:prstDash val="solid"/>
+                      <a:round/>
+                      <a:headEnd type="none" w="med" len="med"/>
+                      <a:tailEnd type="none" w="med" len="med"/>
+                    </a:lnT>
+                    <a:lnB w="12700" cap="flat" cmpd="sng" algn="ctr">
+                      <a:solidFill>
+                        <a:schemeClr val="tx1"/>
+                      </a:solidFill>
+                      <a:prstDash val="solid"/>
+                      <a:round/>
+                      <a:headEnd type="none" w="med" len="med"/>
+                      <a:tailEnd type="none" w="med" len="med"/>
+                    </a:lnB>
+                    <a:lnTlToBr w="12700" cmpd="sng">
+                      <a:noFill/>
+                      <a:prstDash val="solid"/>
+                    </a:lnTlToBr>
+                    <a:lnBlToTr w="12700" cmpd="sng">
+                      <a:noFill/>
+                      <a:prstDash val="solid"/>
+                    </a:lnBlToTr>
+                    <a:solidFill>
+                      <a:schemeClr val="bg1"/>
+                    </a:solidFill>
+                  </a:tcPr>
+                </a:tc>
+              </a:tr>
+              <a:tr h="609600">
+                <a:tc>
+                  <a:txBody>
+                    <a:bodyPr/>
+                    <a:lstStyle/>
+                    <a:p>
+                      <a:pPr algn="ctr"/>
+                      <a:r>
+                        <a:rPr lang="en-US" b="1" smtClean="0">
+                          <a:solidFill>
+                            <a:schemeClr val="tx1"/>
+                          </a:solidFill>
+                          <a:latin typeface="Times New Roman" panose="02020603050405020304" pitchFamily="18" charset="0"/>
+                          <a:cs typeface="Times New Roman" panose="02020603050405020304" pitchFamily="18" charset="0"/>
+                        </a:rPr>
+                        <a:t>9</a:t>
+                      </a:r>
+                      <a:endParaRPr lang="en-US" b="1">
+                        <a:solidFill>
+                          <a:schemeClr val="tx1"/>
+                        </a:solidFill>
+                        <a:latin typeface="Times New Roman" panose="02020603050405020304" pitchFamily="18" charset="0"/>
+                        <a:cs typeface="Times New Roman" panose="02020603050405020304" pitchFamily="18" charset="0"/>
+                      </a:endParaRPr>
+                    </a:p>
+                  </a:txBody>
+                  <a:tcPr>
+                    <a:lnL w="12700" cap="flat" cmpd="sng" algn="ctr">
+                      <a:solidFill>
+                        <a:schemeClr val="tx1"/>
+                      </a:solidFill>
+                      <a:prstDash val="solid"/>
+                      <a:round/>
+                      <a:headEnd type="none" w="med" len="med"/>
+                      <a:tailEnd type="none" w="med" len="med"/>
+                    </a:lnL>
+                    <a:lnR w="12700" cap="flat" cmpd="sng" algn="ctr">
+                      <a:solidFill>
+                        <a:schemeClr val="tx1"/>
+                      </a:solidFill>
+                      <a:prstDash val="solid"/>
+                      <a:round/>
+                      <a:headEnd type="none" w="med" len="med"/>
+                      <a:tailEnd type="none" w="med" len="med"/>
+                    </a:lnR>
+                    <a:lnT w="12700" cap="flat" cmpd="sng" algn="ctr">
+                      <a:solidFill>
+                        <a:schemeClr val="tx1"/>
+                      </a:solidFill>
+                      <a:prstDash val="solid"/>
+                      <a:round/>
+                      <a:headEnd type="none" w="med" len="med"/>
+                      <a:tailEnd type="none" w="med" len="med"/>
+                    </a:lnT>
+                    <a:lnB w="12700" cap="flat" cmpd="sng" algn="ctr">
+                      <a:solidFill>
+                        <a:schemeClr val="tx1"/>
+                      </a:solidFill>
+                      <a:prstDash val="solid"/>
+                      <a:round/>
+                      <a:headEnd type="none" w="med" len="med"/>
+                      <a:tailEnd type="none" w="med" len="med"/>
+                    </a:lnB>
+                    <a:lnTlToBr w="12700" cmpd="sng">
+                      <a:noFill/>
+                      <a:prstDash val="solid"/>
+                    </a:lnTlToBr>
+                    <a:lnBlToTr w="12700" cmpd="sng">
+                      <a:noFill/>
+                      <a:prstDash val="solid"/>
+                    </a:lnBlToTr>
+                    <a:solidFill>
+                      <a:schemeClr val="bg1"/>
+                    </a:solidFill>
+                  </a:tcPr>
+                </a:tc>
+                <a:tc>
+                  <a:txBody>
+                    <a:bodyPr/>
+                    <a:lstStyle/>
+                    <a:p>
+                      <a:pPr algn="ctr"/>
+                      <a:r>
+                        <a:rPr lang="en-US" b="1" smtClean="0">
+                          <a:solidFill>
+                            <a:schemeClr val="tx1"/>
+                          </a:solidFill>
+                          <a:latin typeface="Times New Roman" panose="02020603050405020304" pitchFamily="18" charset="0"/>
+                          <a:cs typeface="Times New Roman" panose="02020603050405020304" pitchFamily="18" charset="0"/>
+                        </a:rPr>
+                        <a:t>8</a:t>
+                      </a:r>
+                      <a:endParaRPr lang="en-US" b="1">
+                        <a:solidFill>
+                          <a:schemeClr val="tx1"/>
+                        </a:solidFill>
+                        <a:latin typeface="Times New Roman" panose="02020603050405020304" pitchFamily="18" charset="0"/>
+                        <a:cs typeface="Times New Roman" panose="02020603050405020304" pitchFamily="18" charset="0"/>
+                      </a:endParaRPr>
+                    </a:p>
+                  </a:txBody>
+                  <a:tcPr>
+                    <a:lnL w="12700" cap="flat" cmpd="sng" algn="ctr">
+                      <a:solidFill>
+                        <a:schemeClr val="tx1"/>
+                      </a:solidFill>
+                      <a:prstDash val="solid"/>
+                      <a:round/>
+                      <a:headEnd type="none" w="med" len="med"/>
+                      <a:tailEnd type="none" w="med" len="med"/>
+                    </a:lnL>
+                    <a:lnR w="12700" cap="flat" cmpd="sng" algn="ctr">
+                      <a:solidFill>
+                        <a:schemeClr val="tx1"/>
+                      </a:solidFill>
+                      <a:prstDash val="solid"/>
+                      <a:round/>
+                      <a:headEnd type="none" w="med" len="med"/>
+                      <a:tailEnd type="none" w="med" len="med"/>
+                    </a:lnR>
+                    <a:lnT w="12700" cap="flat" cmpd="sng" algn="ctr">
+                      <a:solidFill>
+                        <a:schemeClr val="tx1"/>
+                      </a:solidFill>
+                      <a:prstDash val="solid"/>
+                      <a:round/>
+                      <a:headEnd type="none" w="med" len="med"/>
+                      <a:tailEnd type="none" w="med" len="med"/>
+                    </a:lnT>
+                    <a:lnB w="12700" cap="flat" cmpd="sng" algn="ctr">
+                      <a:solidFill>
+                        <a:schemeClr val="tx1"/>
+                      </a:solidFill>
+                      <a:prstDash val="solid"/>
+                      <a:round/>
+                      <a:headEnd type="none" w="med" len="med"/>
+                      <a:tailEnd type="none" w="med" len="med"/>
+                    </a:lnB>
+                    <a:lnTlToBr w="12700" cmpd="sng">
+                      <a:noFill/>
+                      <a:prstDash val="solid"/>
+                    </a:lnTlToBr>
+                    <a:lnBlToTr w="12700" cmpd="sng">
+                      <a:noFill/>
+                      <a:prstDash val="solid"/>
+                    </a:lnBlToTr>
+                    <a:solidFill>
+                      <a:schemeClr val="bg1"/>
+                    </a:solidFill>
+                  </a:tcPr>
+                </a:tc>
+                <a:tc>
+                  <a:txBody>
+                    <a:bodyPr/>
+                    <a:lstStyle/>
+                    <a:p>
+                      <a:pPr algn="ctr"/>
+                      <a:r>
+                        <a:rPr lang="en-US" b="1" smtClean="0">
+                          <a:solidFill>
+                            <a:schemeClr val="tx1"/>
+                          </a:solidFill>
+                          <a:latin typeface="Times New Roman" panose="02020603050405020304" pitchFamily="18" charset="0"/>
+                          <a:cs typeface="Times New Roman" panose="02020603050405020304" pitchFamily="18" charset="0"/>
+                        </a:rPr>
+                        <a:t>2</a:t>
+                      </a:r>
+                      <a:endParaRPr lang="en-US" b="1">
+                        <a:solidFill>
+                          <a:schemeClr val="tx1"/>
+                        </a:solidFill>
+                        <a:latin typeface="Times New Roman" panose="02020603050405020304" pitchFamily="18" charset="0"/>
+                        <a:cs typeface="Times New Roman" panose="02020603050405020304" pitchFamily="18" charset="0"/>
+                      </a:endParaRPr>
+                    </a:p>
+                  </a:txBody>
+                  <a:tcPr>
+                    <a:lnL w="12700" cap="flat" cmpd="sng" algn="ctr">
+                      <a:solidFill>
+                        <a:schemeClr val="tx1"/>
+                      </a:solidFill>
+                      <a:prstDash val="solid"/>
+                      <a:round/>
+                      <a:headEnd type="none" w="med" len="med"/>
+                      <a:tailEnd type="none" w="med" len="med"/>
+                    </a:lnL>
+                    <a:lnR w="12700" cap="flat" cmpd="sng" algn="ctr">
+                      <a:solidFill>
+                        <a:schemeClr val="tx1"/>
+                      </a:solidFill>
+                      <a:prstDash val="solid"/>
+                      <a:round/>
+                      <a:headEnd type="none" w="med" len="med"/>
+                      <a:tailEnd type="none" w="med" len="med"/>
+                    </a:lnR>
+                    <a:lnT w="12700" cap="flat" cmpd="sng" algn="ctr">
+                      <a:solidFill>
+                        <a:schemeClr val="tx1"/>
+                      </a:solidFill>
+                      <a:prstDash val="solid"/>
+                      <a:round/>
+                      <a:headEnd type="none" w="med" len="med"/>
+                      <a:tailEnd type="none" w="med" len="med"/>
+                    </a:lnT>
+                    <a:lnB w="12700" cap="flat" cmpd="sng" algn="ctr">
+                      <a:solidFill>
+                        <a:schemeClr val="tx1"/>
+                      </a:solidFill>
+                      <a:prstDash val="solid"/>
+                      <a:round/>
+                      <a:headEnd type="none" w="med" len="med"/>
+                      <a:tailEnd type="none" w="med" len="med"/>
+                    </a:lnB>
+                    <a:lnTlToBr w="12700" cmpd="sng">
+                      <a:noFill/>
+                      <a:prstDash val="solid"/>
+                    </a:lnTlToBr>
+                    <a:lnBlToTr w="12700" cmpd="sng">
+                      <a:noFill/>
+                      <a:prstDash val="solid"/>
+                    </a:lnBlToTr>
+                    <a:solidFill>
+                      <a:srgbClr val="92D050"/>
+                    </a:solidFill>
+                  </a:tcPr>
+                </a:tc>
+                <a:tc>
+                  <a:txBody>
+                    <a:bodyPr/>
+                    <a:lstStyle/>
+                    <a:p>
+                      <a:pPr algn="ctr"/>
+                      <a:r>
+                        <a:rPr lang="en-US" b="1" smtClean="0">
+                          <a:solidFill>
+                            <a:schemeClr val="tx1"/>
+                          </a:solidFill>
+                          <a:latin typeface="Times New Roman" panose="02020603050405020304" pitchFamily="18" charset="0"/>
+                          <a:cs typeface="Times New Roman" panose="02020603050405020304" pitchFamily="18" charset="0"/>
+                        </a:rPr>
+                        <a:t>9</a:t>
+                      </a:r>
+                      <a:endParaRPr lang="en-US" b="1">
+                        <a:solidFill>
+                          <a:schemeClr val="tx1"/>
+                        </a:solidFill>
+                        <a:latin typeface="Times New Roman" panose="02020603050405020304" pitchFamily="18" charset="0"/>
+                        <a:cs typeface="Times New Roman" panose="02020603050405020304" pitchFamily="18" charset="0"/>
+                      </a:endParaRPr>
+                    </a:p>
+                  </a:txBody>
+                  <a:tcPr>
+                    <a:lnL w="12700" cap="flat" cmpd="sng" algn="ctr">
+                      <a:solidFill>
+                        <a:schemeClr val="tx1"/>
+                      </a:solidFill>
+                      <a:prstDash val="solid"/>
+                      <a:round/>
+                      <a:headEnd type="none" w="med" len="med"/>
+                      <a:tailEnd type="none" w="med" len="med"/>
+                    </a:lnL>
+                    <a:lnR w="12700" cap="flat" cmpd="sng" algn="ctr">
+                      <a:solidFill>
+                        <a:schemeClr val="tx1"/>
+                      </a:solidFill>
+                      <a:prstDash val="solid"/>
+                      <a:round/>
+                      <a:headEnd type="none" w="med" len="med"/>
+                      <a:tailEnd type="none" w="med" len="med"/>
+                    </a:lnR>
+                    <a:lnT w="12700" cap="flat" cmpd="sng" algn="ctr">
+                      <a:solidFill>
+                        <a:schemeClr val="tx1"/>
+                      </a:solidFill>
+                      <a:prstDash val="solid"/>
+                      <a:round/>
+                      <a:headEnd type="none" w="med" len="med"/>
+                      <a:tailEnd type="none" w="med" len="med"/>
+                    </a:lnT>
+                    <a:lnB w="12700" cap="flat" cmpd="sng" algn="ctr">
+                      <a:solidFill>
+                        <a:schemeClr val="tx1"/>
+                      </a:solidFill>
+                      <a:prstDash val="solid"/>
+                      <a:round/>
+                      <a:headEnd type="none" w="med" len="med"/>
+                      <a:tailEnd type="none" w="med" len="med"/>
+                    </a:lnB>
+                    <a:lnTlToBr w="12700" cmpd="sng">
+                      <a:noFill/>
+                      <a:prstDash val="solid"/>
+                    </a:lnTlToBr>
+                    <a:lnBlToTr w="12700" cmpd="sng">
+                      <a:noFill/>
+                      <a:prstDash val="solid"/>
+                    </a:lnBlToTr>
+                    <a:solidFill>
+                      <a:schemeClr val="bg1"/>
+                    </a:solidFill>
+                  </a:tcPr>
+                </a:tc>
+                <a:tc>
+                  <a:txBody>
+                    <a:bodyPr/>
+                    <a:lstStyle/>
+                    <a:p>
+                      <a:pPr algn="ctr"/>
+                      <a:r>
+                        <a:rPr lang="en-US" b="1" smtClean="0">
+                          <a:solidFill>
+                            <a:schemeClr val="tx1"/>
+                          </a:solidFill>
+                          <a:latin typeface="Times New Roman" panose="02020603050405020304" pitchFamily="18" charset="0"/>
+                          <a:cs typeface="Times New Roman" panose="02020603050405020304" pitchFamily="18" charset="0"/>
+                        </a:rPr>
+                        <a:t>2</a:t>
+                      </a:r>
+                      <a:endParaRPr lang="en-US" b="1">
+                        <a:solidFill>
+                          <a:schemeClr val="tx1"/>
+                        </a:solidFill>
+                        <a:latin typeface="Times New Roman" panose="02020603050405020304" pitchFamily="18" charset="0"/>
+                        <a:cs typeface="Times New Roman" panose="02020603050405020304" pitchFamily="18" charset="0"/>
+                      </a:endParaRPr>
+                    </a:p>
+                  </a:txBody>
+                  <a:tcPr>
+                    <a:lnL w="12700" cap="flat" cmpd="sng" algn="ctr">
+                      <a:solidFill>
+                        <a:schemeClr val="tx1"/>
+                      </a:solidFill>
+                      <a:prstDash val="solid"/>
+                      <a:round/>
+                      <a:headEnd type="none" w="med" len="med"/>
+                      <a:tailEnd type="none" w="med" len="med"/>
+                    </a:lnL>
+                    <a:lnR w="12700" cap="flat" cmpd="sng" algn="ctr">
+                      <a:solidFill>
+                        <a:schemeClr val="tx1"/>
+                      </a:solidFill>
+                      <a:prstDash val="solid"/>
+                      <a:round/>
+                      <a:headEnd type="none" w="med" len="med"/>
+                      <a:tailEnd type="none" w="med" len="med"/>
+                    </a:lnR>
+                    <a:lnT w="12700" cap="flat" cmpd="sng" algn="ctr">
+                      <a:solidFill>
+                        <a:schemeClr val="tx1"/>
+                      </a:solidFill>
+                      <a:prstDash val="solid"/>
+                      <a:round/>
+                      <a:headEnd type="none" w="med" len="med"/>
+                      <a:tailEnd type="none" w="med" len="med"/>
+                    </a:lnT>
+                    <a:lnB w="12700" cap="flat" cmpd="sng" algn="ctr">
+                      <a:solidFill>
+                        <a:schemeClr val="tx1"/>
+                      </a:solidFill>
+                      <a:prstDash val="solid"/>
+                      <a:round/>
+                      <a:headEnd type="none" w="med" len="med"/>
+                      <a:tailEnd type="none" w="med" len="med"/>
+                    </a:lnB>
+                    <a:lnTlToBr w="12700" cmpd="sng">
+                      <a:noFill/>
+                      <a:prstDash val="solid"/>
+                    </a:lnTlToBr>
+                    <a:lnBlToTr w="12700" cmpd="sng">
+                      <a:noFill/>
+                      <a:prstDash val="solid"/>
+                    </a:lnBlToTr>
+                    <a:solidFill>
+                      <a:srgbClr val="92D050"/>
+                    </a:solidFill>
+                  </a:tcPr>
+                </a:tc>
+                <a:tc>
+                  <a:txBody>
+                    <a:bodyPr/>
+                    <a:lstStyle/>
+                    <a:p>
+                      <a:pPr algn="ctr"/>
+                      <a:r>
+                        <a:rPr lang="en-US" b="1" smtClean="0">
+                          <a:solidFill>
+                            <a:schemeClr val="tx1"/>
+                          </a:solidFill>
+                          <a:latin typeface="Times New Roman" panose="02020603050405020304" pitchFamily="18" charset="0"/>
+                          <a:cs typeface="Times New Roman" panose="02020603050405020304" pitchFamily="18" charset="0"/>
+                        </a:rPr>
+                        <a:t>8</a:t>
+                      </a:r>
+                      <a:endParaRPr lang="en-US" b="1">
+                        <a:solidFill>
+                          <a:schemeClr val="tx1"/>
+                        </a:solidFill>
+                        <a:latin typeface="Times New Roman" panose="02020603050405020304" pitchFamily="18" charset="0"/>
+                        <a:cs typeface="Times New Roman" panose="02020603050405020304" pitchFamily="18" charset="0"/>
+                      </a:endParaRPr>
+                    </a:p>
+                  </a:txBody>
+                  <a:tcPr>
+                    <a:lnL w="12700" cap="flat" cmpd="sng" algn="ctr">
+                      <a:solidFill>
+                        <a:schemeClr val="tx1"/>
+                      </a:solidFill>
+                      <a:prstDash val="solid"/>
+                      <a:round/>
+                      <a:headEnd type="none" w="med" len="med"/>
+                      <a:tailEnd type="none" w="med" len="med"/>
+                    </a:lnL>
+                    <a:lnR w="12700" cap="flat" cmpd="sng" algn="ctr">
+                      <a:solidFill>
+                        <a:schemeClr val="tx1"/>
+                      </a:solidFill>
+                      <a:prstDash val="solid"/>
+                      <a:round/>
+                      <a:headEnd type="none" w="med" len="med"/>
+                      <a:tailEnd type="none" w="med" len="med"/>
+                    </a:lnR>
+                    <a:lnT w="12700" cap="flat" cmpd="sng" algn="ctr">
+                      <a:solidFill>
+                        <a:schemeClr val="tx1"/>
+                      </a:solidFill>
+                      <a:prstDash val="solid"/>
+                      <a:round/>
+                      <a:headEnd type="none" w="med" len="med"/>
+                      <a:tailEnd type="none" w="med" len="med"/>
+                    </a:lnT>
+                    <a:lnB w="12700" cap="flat" cmpd="sng" algn="ctr">
+                      <a:solidFill>
+                        <a:schemeClr val="tx1"/>
+                      </a:solidFill>
+                      <a:prstDash val="solid"/>
+                      <a:round/>
+                      <a:headEnd type="none" w="med" len="med"/>
+                      <a:tailEnd type="none" w="med" len="med"/>
+                    </a:lnB>
+                    <a:lnTlToBr w="12700" cmpd="sng">
+                      <a:noFill/>
+                      <a:prstDash val="solid"/>
+                    </a:lnTlToBr>
+                    <a:lnBlToTr w="12700" cmpd="sng">
+                      <a:noFill/>
+                      <a:prstDash val="solid"/>
+                    </a:lnBlToTr>
+                    <a:solidFill>
+                      <a:schemeClr val="bg1"/>
+                    </a:solidFill>
+                  </a:tcPr>
+                </a:tc>
+              </a:tr>
+              <a:tr h="609600">
+                <a:tc>
+                  <a:txBody>
+                    <a:bodyPr/>
+                    <a:lstStyle/>
+                    <a:p>
+                      <a:pPr algn="ctr"/>
+                      <a:r>
+                        <a:rPr lang="en-US" b="1" smtClean="0">
+                          <a:solidFill>
+                            <a:schemeClr val="tx1"/>
+                          </a:solidFill>
+                          <a:latin typeface="Times New Roman" panose="02020603050405020304" pitchFamily="18" charset="0"/>
+                          <a:cs typeface="Times New Roman" panose="02020603050405020304" pitchFamily="18" charset="0"/>
+                        </a:rPr>
+                        <a:t>3</a:t>
+                      </a:r>
+                      <a:endParaRPr lang="en-US" b="1">
+                        <a:solidFill>
+                          <a:schemeClr val="tx1"/>
+                        </a:solidFill>
+                        <a:latin typeface="Times New Roman" panose="02020603050405020304" pitchFamily="18" charset="0"/>
+                        <a:cs typeface="Times New Roman" panose="02020603050405020304" pitchFamily="18" charset="0"/>
+                      </a:endParaRPr>
+                    </a:p>
+                  </a:txBody>
+                  <a:tcPr>
+                    <a:lnL w="12700" cap="flat" cmpd="sng" algn="ctr">
+                      <a:solidFill>
+                        <a:schemeClr val="tx1"/>
+                      </a:solidFill>
+                      <a:prstDash val="solid"/>
+                      <a:round/>
+                      <a:headEnd type="none" w="med" len="med"/>
+                      <a:tailEnd type="none" w="med" len="med"/>
+                    </a:lnL>
+                    <a:lnR w="12700" cap="flat" cmpd="sng" algn="ctr">
+                      <a:solidFill>
+                        <a:schemeClr val="tx1"/>
+                      </a:solidFill>
+                      <a:prstDash val="solid"/>
+                      <a:round/>
+                      <a:headEnd type="none" w="med" len="med"/>
+                      <a:tailEnd type="none" w="med" len="med"/>
+                    </a:lnR>
+                    <a:lnT w="12700" cap="flat" cmpd="sng" algn="ctr">
+                      <a:solidFill>
+                        <a:schemeClr val="tx1"/>
+                      </a:solidFill>
+                      <a:prstDash val="solid"/>
+                      <a:round/>
+                      <a:headEnd type="none" w="med" len="med"/>
+                      <a:tailEnd type="none" w="med" len="med"/>
+                    </a:lnT>
+                    <a:lnB w="12700" cap="flat" cmpd="sng" algn="ctr">
+                      <a:solidFill>
+                        <a:schemeClr val="tx1"/>
+                      </a:solidFill>
+                      <a:prstDash val="solid"/>
+                      <a:round/>
+                      <a:headEnd type="none" w="med" len="med"/>
+                      <a:tailEnd type="none" w="med" len="med"/>
+                    </a:lnB>
+                    <a:lnTlToBr w="12700" cmpd="sng">
+                      <a:noFill/>
+                      <a:prstDash val="solid"/>
+                    </a:lnTlToBr>
+                    <a:lnBlToTr w="12700" cmpd="sng">
+                      <a:noFill/>
+                      <a:prstDash val="solid"/>
+                    </a:lnBlToTr>
+                    <a:solidFill>
+                      <a:schemeClr val="bg1"/>
+                    </a:solidFill>
+                  </a:tcPr>
+                </a:tc>
+                <a:tc>
+                  <a:txBody>
+                    <a:bodyPr/>
+                    <a:lstStyle/>
+                    <a:p>
+                      <a:pPr algn="ctr"/>
+                      <a:r>
+                        <a:rPr lang="en-US" b="1" smtClean="0">
+                          <a:solidFill>
+                            <a:schemeClr val="tx1"/>
+                          </a:solidFill>
+                          <a:latin typeface="Times New Roman" panose="02020603050405020304" pitchFamily="18" charset="0"/>
+                          <a:cs typeface="Times New Roman" panose="02020603050405020304" pitchFamily="18" charset="0"/>
+                        </a:rPr>
+                        <a:t>1</a:t>
+                      </a:r>
+                      <a:endParaRPr lang="en-US" b="1">
+                        <a:solidFill>
+                          <a:schemeClr val="tx1"/>
+                        </a:solidFill>
+                        <a:latin typeface="Times New Roman" panose="02020603050405020304" pitchFamily="18" charset="0"/>
+                        <a:cs typeface="Times New Roman" panose="02020603050405020304" pitchFamily="18" charset="0"/>
+                      </a:endParaRPr>
+                    </a:p>
+                  </a:txBody>
+                  <a:tcPr>
+                    <a:lnL w="12700" cap="flat" cmpd="sng" algn="ctr">
+                      <a:solidFill>
+                        <a:schemeClr val="tx1"/>
+                      </a:solidFill>
+                      <a:prstDash val="solid"/>
+                      <a:round/>
+                      <a:headEnd type="none" w="med" len="med"/>
+                      <a:tailEnd type="none" w="med" len="med"/>
+                    </a:lnL>
+                    <a:lnR w="12700" cap="flat" cmpd="sng" algn="ctr">
+                      <a:solidFill>
+                        <a:schemeClr val="tx1"/>
+                      </a:solidFill>
+                      <a:prstDash val="solid"/>
+                      <a:round/>
+                      <a:headEnd type="none" w="med" len="med"/>
+                      <a:tailEnd type="none" w="med" len="med"/>
+                    </a:lnR>
+                    <a:lnT w="12700" cap="flat" cmpd="sng" algn="ctr">
+                      <a:solidFill>
+                        <a:schemeClr val="tx1"/>
+                      </a:solidFill>
+                      <a:prstDash val="solid"/>
+                      <a:round/>
+                      <a:headEnd type="none" w="med" len="med"/>
+                      <a:tailEnd type="none" w="med" len="med"/>
+                    </a:lnT>
+                    <a:lnB w="12700" cap="flat" cmpd="sng" algn="ctr">
+                      <a:solidFill>
+                        <a:schemeClr val="tx1"/>
+                      </a:solidFill>
+                      <a:prstDash val="solid"/>
+                      <a:round/>
+                      <a:headEnd type="none" w="med" len="med"/>
+                      <a:tailEnd type="none" w="med" len="med"/>
+                    </a:lnB>
+                    <a:lnTlToBr w="12700" cmpd="sng">
+                      <a:noFill/>
+                      <a:prstDash val="solid"/>
+                    </a:lnTlToBr>
+                    <a:lnBlToTr w="12700" cmpd="sng">
+                      <a:noFill/>
+                      <a:prstDash val="solid"/>
+                    </a:lnBlToTr>
+                    <a:solidFill>
+                      <a:srgbClr val="92D050"/>
+                    </a:solidFill>
+                  </a:tcPr>
+                </a:tc>
+                <a:tc>
+                  <a:txBody>
+                    <a:bodyPr/>
+                    <a:lstStyle/>
+                    <a:p>
+                      <a:pPr algn="ctr"/>
+                      <a:r>
+                        <a:rPr lang="en-US" b="1" smtClean="0">
+                          <a:solidFill>
+                            <a:schemeClr val="tx1"/>
+                          </a:solidFill>
+                          <a:latin typeface="Times New Roman" panose="02020603050405020304" pitchFamily="18" charset="0"/>
+                          <a:cs typeface="Times New Roman" panose="02020603050405020304" pitchFamily="18" charset="0"/>
+                        </a:rPr>
+                        <a:t>3</a:t>
+                      </a:r>
+                      <a:endParaRPr lang="en-US" b="1">
+                        <a:solidFill>
+                          <a:schemeClr val="tx1"/>
+                        </a:solidFill>
+                        <a:latin typeface="Times New Roman" panose="02020603050405020304" pitchFamily="18" charset="0"/>
+                        <a:cs typeface="Times New Roman" panose="02020603050405020304" pitchFamily="18" charset="0"/>
+                      </a:endParaRPr>
+                    </a:p>
+                  </a:txBody>
+                  <a:tcPr>
+                    <a:lnL w="12700" cap="flat" cmpd="sng" algn="ctr">
+                      <a:solidFill>
+                        <a:schemeClr val="tx1"/>
+                      </a:solidFill>
+                      <a:prstDash val="solid"/>
+                      <a:round/>
+                      <a:headEnd type="none" w="med" len="med"/>
+                      <a:tailEnd type="none" w="med" len="med"/>
+                    </a:lnL>
+                    <a:lnR w="12700" cap="flat" cmpd="sng" algn="ctr">
+                      <a:solidFill>
+                        <a:schemeClr val="tx1"/>
+                      </a:solidFill>
+                      <a:prstDash val="solid"/>
+                      <a:round/>
+                      <a:headEnd type="none" w="med" len="med"/>
+                      <a:tailEnd type="none" w="med" len="med"/>
+                    </a:lnR>
+                    <a:lnT w="12700" cap="flat" cmpd="sng" algn="ctr">
+                      <a:solidFill>
+                        <a:schemeClr val="tx1"/>
+                      </a:solidFill>
+                      <a:prstDash val="solid"/>
+                      <a:round/>
+                      <a:headEnd type="none" w="med" len="med"/>
+                      <a:tailEnd type="none" w="med" len="med"/>
+                    </a:lnT>
+                    <a:lnB w="12700" cap="flat" cmpd="sng" algn="ctr">
+                      <a:solidFill>
+                        <a:schemeClr val="tx1"/>
+                      </a:solidFill>
+                      <a:prstDash val="solid"/>
+                      <a:round/>
+                      <a:headEnd type="none" w="med" len="med"/>
+                      <a:tailEnd type="none" w="med" len="med"/>
+                    </a:lnB>
+                    <a:lnTlToBr w="12700" cmpd="sng">
+                      <a:noFill/>
+                      <a:prstDash val="solid"/>
+                    </a:lnTlToBr>
+                    <a:lnBlToTr w="12700" cmpd="sng">
+                      <a:noFill/>
+                      <a:prstDash val="solid"/>
+                    </a:lnBlToTr>
+                    <a:solidFill>
+                      <a:srgbClr val="92D050"/>
+                    </a:solidFill>
+                  </a:tcPr>
+                </a:tc>
+                <a:tc>
+                  <a:txBody>
+                    <a:bodyPr/>
+                    <a:lstStyle/>
+                    <a:p>
+                      <a:pPr algn="ctr"/>
+                      <a:r>
+                        <a:rPr lang="en-US" b="1" smtClean="0">
+                          <a:solidFill>
+                            <a:schemeClr val="tx1"/>
+                          </a:solidFill>
+                          <a:latin typeface="Times New Roman" panose="02020603050405020304" pitchFamily="18" charset="0"/>
+                          <a:cs typeface="Times New Roman" panose="02020603050405020304" pitchFamily="18" charset="0"/>
+                        </a:rPr>
+                        <a:t>5</a:t>
+                      </a:r>
+                      <a:endParaRPr lang="en-US" b="1">
+                        <a:solidFill>
+                          <a:schemeClr val="tx1"/>
+                        </a:solidFill>
+                        <a:latin typeface="Times New Roman" panose="02020603050405020304" pitchFamily="18" charset="0"/>
+                        <a:cs typeface="Times New Roman" panose="02020603050405020304" pitchFamily="18" charset="0"/>
+                      </a:endParaRPr>
+                    </a:p>
+                  </a:txBody>
+                  <a:tcPr>
+                    <a:lnL w="12700" cap="flat" cmpd="sng" algn="ctr">
+                      <a:solidFill>
+                        <a:schemeClr val="tx1"/>
+                      </a:solidFill>
+                      <a:prstDash val="solid"/>
+                      <a:round/>
+                      <a:headEnd type="none" w="med" len="med"/>
+                      <a:tailEnd type="none" w="med" len="med"/>
+                    </a:lnL>
+                    <a:lnR w="12700" cap="flat" cmpd="sng" algn="ctr">
+                      <a:solidFill>
+                        <a:schemeClr val="tx1"/>
+                      </a:solidFill>
+                      <a:prstDash val="solid"/>
+                      <a:round/>
+                      <a:headEnd type="none" w="med" len="med"/>
+                      <a:tailEnd type="none" w="med" len="med"/>
+                    </a:lnR>
+                    <a:lnT w="12700" cap="flat" cmpd="sng" algn="ctr">
+                      <a:solidFill>
+                        <a:schemeClr val="tx1"/>
+                      </a:solidFill>
+                      <a:prstDash val="solid"/>
+                      <a:round/>
+                      <a:headEnd type="none" w="med" len="med"/>
+                      <a:tailEnd type="none" w="med" len="med"/>
+                    </a:lnT>
+                    <a:lnB w="12700" cap="flat" cmpd="sng" algn="ctr">
+                      <a:solidFill>
+                        <a:schemeClr val="tx1"/>
+                      </a:solidFill>
+                      <a:prstDash val="solid"/>
+                      <a:round/>
+                      <a:headEnd type="none" w="med" len="med"/>
+                      <a:tailEnd type="none" w="med" len="med"/>
+                    </a:lnB>
+                    <a:lnTlToBr w="12700" cmpd="sng">
+                      <a:noFill/>
+                      <a:prstDash val="solid"/>
+                    </a:lnTlToBr>
+                    <a:lnBlToTr w="12700" cmpd="sng">
+                      <a:noFill/>
+                      <a:prstDash val="solid"/>
+                    </a:lnBlToTr>
+                    <a:solidFill>
+                      <a:srgbClr val="FFFF00"/>
+                    </a:solidFill>
+                  </a:tcPr>
+                </a:tc>
+                <a:tc>
+                  <a:txBody>
+                    <a:bodyPr/>
+                    <a:lstStyle/>
+                    <a:p>
+                      <a:pPr algn="ctr"/>
+                      <a:r>
+                        <a:rPr lang="en-US" b="1" smtClean="0">
+                          <a:solidFill>
+                            <a:schemeClr val="tx1"/>
+                          </a:solidFill>
+                          <a:latin typeface="Times New Roman" panose="02020603050405020304" pitchFamily="18" charset="0"/>
+                          <a:cs typeface="Times New Roman" panose="02020603050405020304" pitchFamily="18" charset="0"/>
+                        </a:rPr>
+                        <a:t>3</a:t>
+                      </a:r>
+                      <a:endParaRPr lang="en-US" b="1">
+                        <a:solidFill>
+                          <a:schemeClr val="tx1"/>
+                        </a:solidFill>
+                        <a:latin typeface="Times New Roman" panose="02020603050405020304" pitchFamily="18" charset="0"/>
+                        <a:cs typeface="Times New Roman" panose="02020603050405020304" pitchFamily="18" charset="0"/>
+                      </a:endParaRPr>
+                    </a:p>
+                  </a:txBody>
+                  <a:tcPr>
+                    <a:lnL w="12700" cap="flat" cmpd="sng" algn="ctr">
+                      <a:solidFill>
+                        <a:schemeClr val="tx1"/>
+                      </a:solidFill>
+                      <a:prstDash val="solid"/>
+                      <a:round/>
+                      <a:headEnd type="none" w="med" len="med"/>
+                      <a:tailEnd type="none" w="med" len="med"/>
+                    </a:lnL>
+                    <a:lnR w="12700" cap="flat" cmpd="sng" algn="ctr">
+                      <a:solidFill>
+                        <a:schemeClr val="tx1"/>
+                      </a:solidFill>
+                      <a:prstDash val="solid"/>
+                      <a:round/>
+                      <a:headEnd type="none" w="med" len="med"/>
+                      <a:tailEnd type="none" w="med" len="med"/>
+                    </a:lnR>
+                    <a:lnT w="12700" cap="flat" cmpd="sng" algn="ctr">
+                      <a:solidFill>
+                        <a:schemeClr val="tx1"/>
+                      </a:solidFill>
+                      <a:prstDash val="solid"/>
+                      <a:round/>
+                      <a:headEnd type="none" w="med" len="med"/>
+                      <a:tailEnd type="none" w="med" len="med"/>
+                    </a:lnT>
+                    <a:lnB w="12700" cap="flat" cmpd="sng" algn="ctr">
+                      <a:solidFill>
+                        <a:schemeClr val="tx1"/>
+                      </a:solidFill>
+                      <a:prstDash val="solid"/>
+                      <a:round/>
+                      <a:headEnd type="none" w="med" len="med"/>
+                      <a:tailEnd type="none" w="med" len="med"/>
+                    </a:lnB>
+                    <a:lnTlToBr w="12700" cmpd="sng">
+                      <a:noFill/>
+                      <a:prstDash val="solid"/>
+                    </a:lnTlToBr>
+                    <a:lnBlToTr w="12700" cmpd="sng">
+                      <a:noFill/>
+                      <a:prstDash val="solid"/>
+                    </a:lnBlToTr>
+                    <a:solidFill>
+                      <a:schemeClr val="bg1"/>
+                    </a:solidFill>
+                  </a:tcPr>
+                </a:tc>
+                <a:tc>
+                  <a:txBody>
+                    <a:bodyPr/>
+                    <a:lstStyle/>
+                    <a:p>
+                      <a:pPr algn="ctr"/>
+                      <a:r>
+                        <a:rPr lang="en-US" b="1" smtClean="0">
+                          <a:solidFill>
+                            <a:schemeClr val="tx1"/>
+                          </a:solidFill>
+                          <a:latin typeface="Times New Roman" panose="02020603050405020304" pitchFamily="18" charset="0"/>
+                          <a:cs typeface="Times New Roman" panose="02020603050405020304" pitchFamily="18" charset="0"/>
+                        </a:rPr>
+                        <a:t>1</a:t>
+                      </a:r>
+                      <a:endParaRPr lang="en-US" b="1">
+                        <a:solidFill>
+                          <a:schemeClr val="tx1"/>
+                        </a:solidFill>
+                        <a:latin typeface="Times New Roman" panose="02020603050405020304" pitchFamily="18" charset="0"/>
+                        <a:cs typeface="Times New Roman" panose="02020603050405020304" pitchFamily="18" charset="0"/>
+                      </a:endParaRPr>
+                    </a:p>
+                  </a:txBody>
+                  <a:tcPr>
+                    <a:lnL w="12700" cap="flat" cmpd="sng" algn="ctr">
+                      <a:solidFill>
+                        <a:schemeClr val="tx1"/>
+                      </a:solidFill>
+                      <a:prstDash val="solid"/>
+                      <a:round/>
+                      <a:headEnd type="none" w="med" len="med"/>
+                      <a:tailEnd type="none" w="med" len="med"/>
+                    </a:lnL>
+                    <a:lnR w="12700" cap="flat" cmpd="sng" algn="ctr">
+                      <a:solidFill>
+                        <a:schemeClr val="tx1"/>
+                      </a:solidFill>
+                      <a:prstDash val="solid"/>
+                      <a:round/>
+                      <a:headEnd type="none" w="med" len="med"/>
+                      <a:tailEnd type="none" w="med" len="med"/>
+                    </a:lnR>
+                    <a:lnT w="12700" cap="flat" cmpd="sng" algn="ctr">
+                      <a:solidFill>
+                        <a:schemeClr val="tx1"/>
+                      </a:solidFill>
+                      <a:prstDash val="solid"/>
+                      <a:round/>
+                      <a:headEnd type="none" w="med" len="med"/>
+                      <a:tailEnd type="none" w="med" len="med"/>
+                    </a:lnT>
+                    <a:lnB w="12700" cap="flat" cmpd="sng" algn="ctr">
+                      <a:solidFill>
+                        <a:schemeClr val="tx1"/>
+                      </a:solidFill>
+                      <a:prstDash val="solid"/>
+                      <a:round/>
+                      <a:headEnd type="none" w="med" len="med"/>
+                      <a:tailEnd type="none" w="med" len="med"/>
+                    </a:lnB>
+                    <a:lnTlToBr w="12700" cmpd="sng">
+                      <a:noFill/>
+                      <a:prstDash val="solid"/>
+                    </a:lnTlToBr>
+                    <a:lnBlToTr w="12700" cmpd="sng">
+                      <a:noFill/>
+                      <a:prstDash val="solid"/>
+                    </a:lnBlToTr>
+                    <a:solidFill>
+                      <a:schemeClr val="bg1"/>
+                    </a:solidFill>
+                  </a:tcPr>
+                </a:tc>
+              </a:tr>
+              <a:tr h="609600">
+                <a:tc>
+                  <a:txBody>
+                    <a:bodyPr/>
+                    <a:lstStyle/>
+                    <a:p>
+                      <a:pPr algn="ctr"/>
+                      <a:r>
+                        <a:rPr lang="en-US" b="1" smtClean="0">
+                          <a:solidFill>
+                            <a:schemeClr val="tx1"/>
+                          </a:solidFill>
+                          <a:latin typeface="Times New Roman" panose="02020603050405020304" pitchFamily="18" charset="0"/>
+                          <a:cs typeface="Times New Roman" panose="02020603050405020304" pitchFamily="18" charset="0"/>
+                        </a:rPr>
+                        <a:t>6</a:t>
+                      </a:r>
+                      <a:endParaRPr lang="en-US" b="1">
+                        <a:solidFill>
+                          <a:schemeClr val="tx1"/>
+                        </a:solidFill>
+                        <a:latin typeface="Times New Roman" panose="02020603050405020304" pitchFamily="18" charset="0"/>
+                        <a:cs typeface="Times New Roman" panose="02020603050405020304" pitchFamily="18" charset="0"/>
+                      </a:endParaRPr>
+                    </a:p>
+                  </a:txBody>
+                  <a:tcPr>
+                    <a:lnL w="12700" cap="flat" cmpd="sng" algn="ctr">
+                      <a:solidFill>
+                        <a:schemeClr val="tx1"/>
+                      </a:solidFill>
+                      <a:prstDash val="solid"/>
+                      <a:round/>
+                      <a:headEnd type="none" w="med" len="med"/>
+                      <a:tailEnd type="none" w="med" len="med"/>
+                    </a:lnL>
+                    <a:lnR w="12700" cap="flat" cmpd="sng" algn="ctr">
+                      <a:solidFill>
+                        <a:schemeClr val="tx1"/>
+                      </a:solidFill>
+                      <a:prstDash val="solid"/>
+                      <a:round/>
+                      <a:headEnd type="none" w="med" len="med"/>
+                      <a:tailEnd type="none" w="med" len="med"/>
+                    </a:lnR>
+                    <a:lnT w="12700" cap="flat" cmpd="sng" algn="ctr">
+                      <a:solidFill>
+                        <a:schemeClr val="tx1"/>
+                      </a:solidFill>
+                      <a:prstDash val="solid"/>
+                      <a:round/>
+                      <a:headEnd type="none" w="med" len="med"/>
+                      <a:tailEnd type="none" w="med" len="med"/>
+                    </a:lnT>
+                    <a:lnB w="12700" cap="flat" cmpd="sng" algn="ctr">
+                      <a:solidFill>
+                        <a:schemeClr val="tx1"/>
+                      </a:solidFill>
+                      <a:prstDash val="solid"/>
+                      <a:round/>
+                      <a:headEnd type="none" w="med" len="med"/>
+                      <a:tailEnd type="none" w="med" len="med"/>
+                    </a:lnB>
+                    <a:lnTlToBr w="12700" cmpd="sng">
+                      <a:noFill/>
+                      <a:prstDash val="solid"/>
+                    </a:lnTlToBr>
+                    <a:lnBlToTr w="12700" cmpd="sng">
+                      <a:noFill/>
+                      <a:prstDash val="solid"/>
+                    </a:lnBlToTr>
+                    <a:solidFill>
+                      <a:schemeClr val="bg1"/>
+                    </a:solidFill>
+                  </a:tcPr>
+                </a:tc>
+                <a:tc>
+                  <a:txBody>
+                    <a:bodyPr/>
+                    <a:lstStyle/>
+                    <a:p>
+                      <a:pPr algn="ctr"/>
+                      <a:r>
+                        <a:rPr lang="en-US" b="1" smtClean="0">
+                          <a:solidFill>
+                            <a:schemeClr val="tx1"/>
+                          </a:solidFill>
+                          <a:latin typeface="Times New Roman" panose="02020603050405020304" pitchFamily="18" charset="0"/>
+                          <a:cs typeface="Times New Roman" panose="02020603050405020304" pitchFamily="18" charset="0"/>
+                        </a:rPr>
+                        <a:t>4</a:t>
+                      </a:r>
+                      <a:endParaRPr lang="en-US" b="1">
+                        <a:solidFill>
+                          <a:schemeClr val="tx1"/>
+                        </a:solidFill>
+                        <a:latin typeface="Times New Roman" panose="02020603050405020304" pitchFamily="18" charset="0"/>
+                        <a:cs typeface="Times New Roman" panose="02020603050405020304" pitchFamily="18" charset="0"/>
+                      </a:endParaRPr>
+                    </a:p>
+                  </a:txBody>
+                  <a:tcPr>
+                    <a:lnL w="12700" cap="flat" cmpd="sng" algn="ctr">
+                      <a:solidFill>
+                        <a:schemeClr val="tx1"/>
+                      </a:solidFill>
+                      <a:prstDash val="solid"/>
+                      <a:round/>
+                      <a:headEnd type="none" w="med" len="med"/>
+                      <a:tailEnd type="none" w="med" len="med"/>
+                    </a:lnL>
+                    <a:lnR w="12700" cap="flat" cmpd="sng" algn="ctr">
+                      <a:solidFill>
+                        <a:schemeClr val="tx1"/>
+                      </a:solidFill>
+                      <a:prstDash val="solid"/>
+                      <a:round/>
+                      <a:headEnd type="none" w="med" len="med"/>
+                      <a:tailEnd type="none" w="med" len="med"/>
+                    </a:lnR>
+                    <a:lnT w="12700" cap="flat" cmpd="sng" algn="ctr">
+                      <a:solidFill>
+                        <a:schemeClr val="tx1"/>
+                      </a:solidFill>
+                      <a:prstDash val="solid"/>
+                      <a:round/>
+                      <a:headEnd type="none" w="med" len="med"/>
+                      <a:tailEnd type="none" w="med" len="med"/>
+                    </a:lnT>
+                    <a:lnB w="12700" cap="flat" cmpd="sng" algn="ctr">
+                      <a:solidFill>
+                        <a:schemeClr val="tx1"/>
+                      </a:solidFill>
+                      <a:prstDash val="solid"/>
+                      <a:round/>
+                      <a:headEnd type="none" w="med" len="med"/>
+                      <a:tailEnd type="none" w="med" len="med"/>
+                    </a:lnB>
+                    <a:lnTlToBr w="12700" cmpd="sng">
+                      <a:noFill/>
+                      <a:prstDash val="solid"/>
+                    </a:lnTlToBr>
+                    <a:lnBlToTr w="12700" cmpd="sng">
+                      <a:noFill/>
+                      <a:prstDash val="solid"/>
+                    </a:lnBlToTr>
+                    <a:solidFill>
+                      <a:schemeClr val="bg1"/>
+                    </a:solidFill>
+                  </a:tcPr>
+                </a:tc>
+                <a:tc>
+                  <a:txBody>
+                    <a:bodyPr/>
+                    <a:lstStyle/>
+                    <a:p>
+                      <a:pPr algn="ctr"/>
+                      <a:r>
+                        <a:rPr lang="en-US" b="1" smtClean="0">
+                          <a:solidFill>
+                            <a:schemeClr val="tx1"/>
+                          </a:solidFill>
+                          <a:latin typeface="Times New Roman" panose="02020603050405020304" pitchFamily="18" charset="0"/>
+                          <a:cs typeface="Times New Roman" panose="02020603050405020304" pitchFamily="18" charset="0"/>
+                        </a:rPr>
+                        <a:t>5</a:t>
+                      </a:r>
+                      <a:endParaRPr lang="en-US" b="1">
+                        <a:solidFill>
+                          <a:schemeClr val="tx1"/>
+                        </a:solidFill>
+                        <a:latin typeface="Times New Roman" panose="02020603050405020304" pitchFamily="18" charset="0"/>
+                        <a:cs typeface="Times New Roman" panose="02020603050405020304" pitchFamily="18" charset="0"/>
+                      </a:endParaRPr>
+                    </a:p>
+                  </a:txBody>
+                  <a:tcPr>
+                    <a:lnL w="12700" cap="flat" cmpd="sng" algn="ctr">
+                      <a:solidFill>
+                        <a:schemeClr val="tx1"/>
+                      </a:solidFill>
+                      <a:prstDash val="solid"/>
+                      <a:round/>
+                      <a:headEnd type="none" w="med" len="med"/>
+                      <a:tailEnd type="none" w="med" len="med"/>
+                    </a:lnL>
+                    <a:lnR w="12700" cap="flat" cmpd="sng" algn="ctr">
+                      <a:solidFill>
+                        <a:schemeClr val="tx1"/>
+                      </a:solidFill>
+                      <a:prstDash val="solid"/>
+                      <a:round/>
+                      <a:headEnd type="none" w="med" len="med"/>
+                      <a:tailEnd type="none" w="med" len="med"/>
+                    </a:lnR>
+                    <a:lnT w="12700" cap="flat" cmpd="sng" algn="ctr">
+                      <a:solidFill>
+                        <a:schemeClr val="tx1"/>
+                      </a:solidFill>
+                      <a:prstDash val="solid"/>
+                      <a:round/>
+                      <a:headEnd type="none" w="med" len="med"/>
+                      <a:tailEnd type="none" w="med" len="med"/>
+                    </a:lnT>
+                    <a:lnB w="12700" cap="flat" cmpd="sng" algn="ctr">
+                      <a:solidFill>
+                        <a:schemeClr val="tx1"/>
+                      </a:solidFill>
+                      <a:prstDash val="solid"/>
+                      <a:round/>
+                      <a:headEnd type="none" w="med" len="med"/>
+                      <a:tailEnd type="none" w="med" len="med"/>
+                    </a:lnB>
+                    <a:lnTlToBr w="12700" cmpd="sng">
+                      <a:noFill/>
+                      <a:prstDash val="solid"/>
+                    </a:lnTlToBr>
+                    <a:lnBlToTr w="12700" cmpd="sng">
+                      <a:noFill/>
+                      <a:prstDash val="solid"/>
+                    </a:lnBlToTr>
+                    <a:solidFill>
+                      <a:schemeClr val="bg1"/>
+                    </a:solidFill>
+                  </a:tcPr>
+                </a:tc>
+                <a:tc>
+                  <a:txBody>
+                    <a:bodyPr/>
+                    <a:lstStyle/>
+                    <a:p>
+                      <a:pPr algn="ctr"/>
+                      <a:r>
+                        <a:rPr lang="en-US" b="1" smtClean="0">
+                          <a:solidFill>
+                            <a:schemeClr val="tx1"/>
+                          </a:solidFill>
+                          <a:latin typeface="Times New Roman" panose="02020603050405020304" pitchFamily="18" charset="0"/>
+                          <a:cs typeface="Times New Roman" panose="02020603050405020304" pitchFamily="18" charset="0"/>
+                        </a:rPr>
+                        <a:t>1</a:t>
+                      </a:r>
+                      <a:endParaRPr lang="en-US" b="1">
+                        <a:solidFill>
+                          <a:schemeClr val="tx1"/>
+                        </a:solidFill>
+                        <a:latin typeface="Times New Roman" panose="02020603050405020304" pitchFamily="18" charset="0"/>
+                        <a:cs typeface="Times New Roman" panose="02020603050405020304" pitchFamily="18" charset="0"/>
+                      </a:endParaRPr>
+                    </a:p>
+                  </a:txBody>
+                  <a:tcPr>
+                    <a:lnL w="12700" cap="flat" cmpd="sng" algn="ctr">
+                      <a:solidFill>
+                        <a:schemeClr val="tx1"/>
+                      </a:solidFill>
+                      <a:prstDash val="solid"/>
+                      <a:round/>
+                      <a:headEnd type="none" w="med" len="med"/>
+                      <a:tailEnd type="none" w="med" len="med"/>
+                    </a:lnL>
+                    <a:lnR w="12700" cap="flat" cmpd="sng" algn="ctr">
+                      <a:solidFill>
+                        <a:schemeClr val="tx1"/>
+                      </a:solidFill>
+                      <a:prstDash val="solid"/>
+                      <a:round/>
+                      <a:headEnd type="none" w="med" len="med"/>
+                      <a:tailEnd type="none" w="med" len="med"/>
+                    </a:lnR>
+                    <a:lnT w="12700" cap="flat" cmpd="sng" algn="ctr">
+                      <a:solidFill>
+                        <a:schemeClr val="tx1"/>
+                      </a:solidFill>
+                      <a:prstDash val="solid"/>
+                      <a:round/>
+                      <a:headEnd type="none" w="med" len="med"/>
+                      <a:tailEnd type="none" w="med" len="med"/>
+                    </a:lnT>
+                    <a:lnB w="12700" cap="flat" cmpd="sng" algn="ctr">
+                      <a:solidFill>
+                        <a:schemeClr val="tx1"/>
+                      </a:solidFill>
+                      <a:prstDash val="solid"/>
+                      <a:round/>
+                      <a:headEnd type="none" w="med" len="med"/>
+                      <a:tailEnd type="none" w="med" len="med"/>
+                    </a:lnB>
+                    <a:lnTlToBr w="12700" cmpd="sng">
+                      <a:noFill/>
+                      <a:prstDash val="solid"/>
+                    </a:lnTlToBr>
+                    <a:lnBlToTr w="12700" cmpd="sng">
+                      <a:noFill/>
+                      <a:prstDash val="solid"/>
+                    </a:lnBlToTr>
+                    <a:solidFill>
+                      <a:schemeClr val="bg1"/>
+                    </a:solidFill>
+                  </a:tcPr>
+                </a:tc>
+                <a:tc>
+                  <a:txBody>
+                    <a:bodyPr/>
+                    <a:lstStyle/>
+                    <a:p>
+                      <a:pPr algn="ctr"/>
+                      <a:r>
+                        <a:rPr lang="en-US" b="1" smtClean="0">
+                          <a:solidFill>
+                            <a:schemeClr val="tx1"/>
+                          </a:solidFill>
+                          <a:latin typeface="Times New Roman" panose="02020603050405020304" pitchFamily="18" charset="0"/>
+                          <a:cs typeface="Times New Roman" panose="02020603050405020304" pitchFamily="18" charset="0"/>
+                        </a:rPr>
+                        <a:t>7</a:t>
+                      </a:r>
+                      <a:endParaRPr lang="en-US" b="1">
+                        <a:solidFill>
+                          <a:schemeClr val="tx1"/>
+                        </a:solidFill>
+                        <a:latin typeface="Times New Roman" panose="02020603050405020304" pitchFamily="18" charset="0"/>
+                        <a:cs typeface="Times New Roman" panose="02020603050405020304" pitchFamily="18" charset="0"/>
+                      </a:endParaRPr>
+                    </a:p>
+                  </a:txBody>
+                  <a:tcPr>
+                    <a:lnL w="12700" cap="flat" cmpd="sng" algn="ctr">
+                      <a:solidFill>
+                        <a:schemeClr val="tx1"/>
+                      </a:solidFill>
+                      <a:prstDash val="solid"/>
+                      <a:round/>
+                      <a:headEnd type="none" w="med" len="med"/>
+                      <a:tailEnd type="none" w="med" len="med"/>
+                    </a:lnL>
+                    <a:lnR w="12700" cap="flat" cmpd="sng" algn="ctr">
+                      <a:solidFill>
+                        <a:schemeClr val="tx1"/>
+                      </a:solidFill>
+                      <a:prstDash val="solid"/>
+                      <a:round/>
+                      <a:headEnd type="none" w="med" len="med"/>
+                      <a:tailEnd type="none" w="med" len="med"/>
+                    </a:lnR>
+                    <a:lnT w="12700" cap="flat" cmpd="sng" algn="ctr">
+                      <a:solidFill>
+                        <a:schemeClr val="tx1"/>
+                      </a:solidFill>
+                      <a:prstDash val="solid"/>
+                      <a:round/>
+                      <a:headEnd type="none" w="med" len="med"/>
+                      <a:tailEnd type="none" w="med" len="med"/>
+                    </a:lnT>
+                    <a:lnB w="12700" cap="flat" cmpd="sng" algn="ctr">
+                      <a:solidFill>
+                        <a:schemeClr val="tx1"/>
+                      </a:solidFill>
+                      <a:prstDash val="solid"/>
+                      <a:round/>
+                      <a:headEnd type="none" w="med" len="med"/>
+                      <a:tailEnd type="none" w="med" len="med"/>
+                    </a:lnB>
+                    <a:lnTlToBr w="12700" cmpd="sng">
+                      <a:noFill/>
+                      <a:prstDash val="solid"/>
+                    </a:lnTlToBr>
+                    <a:lnBlToTr w="12700" cmpd="sng">
+                      <a:noFill/>
+                      <a:prstDash val="solid"/>
+                    </a:lnBlToTr>
+                    <a:solidFill>
+                      <a:schemeClr val="bg1"/>
+                    </a:solidFill>
+                  </a:tcPr>
+                </a:tc>
+                <a:tc>
+                  <a:txBody>
+                    <a:bodyPr/>
+                    <a:lstStyle/>
+                    <a:p>
+                      <a:pPr algn="ctr"/>
+                      <a:r>
+                        <a:rPr lang="en-US" b="1" smtClean="0">
+                          <a:solidFill>
+                            <a:schemeClr val="tx1"/>
+                          </a:solidFill>
+                          <a:latin typeface="Times New Roman" panose="02020603050405020304" pitchFamily="18" charset="0"/>
+                          <a:cs typeface="Times New Roman" panose="02020603050405020304" pitchFamily="18" charset="0"/>
+                        </a:rPr>
+                        <a:t>2</a:t>
+                      </a:r>
+                      <a:endParaRPr lang="en-US" b="1">
+                        <a:solidFill>
+                          <a:schemeClr val="tx1"/>
+                        </a:solidFill>
+                        <a:latin typeface="Times New Roman" panose="02020603050405020304" pitchFamily="18" charset="0"/>
+                        <a:cs typeface="Times New Roman" panose="02020603050405020304" pitchFamily="18" charset="0"/>
+                      </a:endParaRPr>
+                    </a:p>
+                  </a:txBody>
+                  <a:tcPr>
+                    <a:lnL w="12700" cap="flat" cmpd="sng" algn="ctr">
+                      <a:solidFill>
+                        <a:schemeClr val="tx1"/>
+                      </a:solidFill>
+                      <a:prstDash val="solid"/>
+                      <a:round/>
+                      <a:headEnd type="none" w="med" len="med"/>
+                      <a:tailEnd type="none" w="med" len="med"/>
+                    </a:lnL>
+                    <a:lnR w="12700" cap="flat" cmpd="sng" algn="ctr">
+                      <a:solidFill>
+                        <a:schemeClr val="tx1"/>
+                      </a:solidFill>
+                      <a:prstDash val="solid"/>
+                      <a:round/>
+                      <a:headEnd type="none" w="med" len="med"/>
+                      <a:tailEnd type="none" w="med" len="med"/>
+                    </a:lnR>
+                    <a:lnT w="12700" cap="flat" cmpd="sng" algn="ctr">
+                      <a:solidFill>
+                        <a:schemeClr val="tx1"/>
+                      </a:solidFill>
+                      <a:prstDash val="solid"/>
+                      <a:round/>
+                      <a:headEnd type="none" w="med" len="med"/>
+                      <a:tailEnd type="none" w="med" len="med"/>
+                    </a:lnT>
+                    <a:lnB w="12700" cap="flat" cmpd="sng" algn="ctr">
+                      <a:solidFill>
+                        <a:schemeClr val="tx1"/>
+                      </a:solidFill>
+                      <a:prstDash val="solid"/>
+                      <a:round/>
+                      <a:headEnd type="none" w="med" len="med"/>
+                      <a:tailEnd type="none" w="med" len="med"/>
+                    </a:lnB>
+                    <a:lnTlToBr w="12700" cmpd="sng">
+                      <a:noFill/>
+                      <a:prstDash val="solid"/>
+                    </a:lnTlToBr>
+                    <a:lnBlToTr w="12700" cmpd="sng">
+                      <a:noFill/>
+                      <a:prstDash val="solid"/>
+                    </a:lnBlToTr>
+                    <a:solidFill>
+                      <a:schemeClr val="bg1"/>
+                    </a:solidFill>
+                  </a:tcPr>
+                </a:tc>
+              </a:tr>
+              <a:tr h="609600">
+                <a:tc>
+                  <a:txBody>
+                    <a:bodyPr/>
+                    <a:lstStyle/>
+                    <a:p>
+                      <a:pPr algn="ctr"/>
+                      <a:r>
+                        <a:rPr lang="en-US" b="1" smtClean="0">
+                          <a:solidFill>
+                            <a:schemeClr val="tx1"/>
+                          </a:solidFill>
+                          <a:latin typeface="Times New Roman" panose="02020603050405020304" pitchFamily="18" charset="0"/>
+                          <a:cs typeface="Times New Roman" panose="02020603050405020304" pitchFamily="18" charset="0"/>
+                        </a:rPr>
+                        <a:t>7</a:t>
+                      </a:r>
+                      <a:endParaRPr lang="en-US" b="1">
+                        <a:solidFill>
+                          <a:schemeClr val="tx1"/>
+                        </a:solidFill>
+                        <a:latin typeface="Times New Roman" panose="02020603050405020304" pitchFamily="18" charset="0"/>
+                        <a:cs typeface="Times New Roman" panose="02020603050405020304" pitchFamily="18" charset="0"/>
+                      </a:endParaRPr>
+                    </a:p>
+                  </a:txBody>
+                  <a:tcPr>
+                    <a:lnL w="12700" cap="flat" cmpd="sng" algn="ctr">
+                      <a:solidFill>
+                        <a:schemeClr val="tx1"/>
+                      </a:solidFill>
+                      <a:prstDash val="solid"/>
+                      <a:round/>
+                      <a:headEnd type="none" w="med" len="med"/>
+                      <a:tailEnd type="none" w="med" len="med"/>
+                    </a:lnL>
+                    <a:lnR w="12700" cap="flat" cmpd="sng" algn="ctr">
+                      <a:solidFill>
+                        <a:schemeClr val="tx1"/>
+                      </a:solidFill>
+                      <a:prstDash val="solid"/>
+                      <a:round/>
+                      <a:headEnd type="none" w="med" len="med"/>
+                      <a:tailEnd type="none" w="med" len="med"/>
+                    </a:lnR>
+                    <a:lnT w="12700" cap="flat" cmpd="sng" algn="ctr">
+                      <a:solidFill>
+                        <a:schemeClr val="tx1"/>
+                      </a:solidFill>
+                      <a:prstDash val="solid"/>
+                      <a:round/>
+                      <a:headEnd type="none" w="med" len="med"/>
+                      <a:tailEnd type="none" w="med" len="med"/>
+                    </a:lnT>
+                    <a:lnB w="12700" cap="flat" cmpd="sng" algn="ctr">
+                      <a:solidFill>
+                        <a:schemeClr val="tx1"/>
+                      </a:solidFill>
+                      <a:prstDash val="solid"/>
+                      <a:round/>
+                      <a:headEnd type="none" w="med" len="med"/>
+                      <a:tailEnd type="none" w="med" len="med"/>
+                    </a:lnB>
+                    <a:lnTlToBr w="12700" cmpd="sng">
+                      <a:noFill/>
+                      <a:prstDash val="solid"/>
+                    </a:lnTlToBr>
+                    <a:lnBlToTr w="12700" cmpd="sng">
+                      <a:noFill/>
+                      <a:prstDash val="solid"/>
+                    </a:lnBlToTr>
+                    <a:solidFill>
+                      <a:schemeClr val="bg1"/>
+                    </a:solidFill>
+                  </a:tcPr>
+                </a:tc>
+                <a:tc>
+                  <a:txBody>
+                    <a:bodyPr/>
+                    <a:lstStyle/>
+                    <a:p>
+                      <a:pPr algn="ctr"/>
+                      <a:r>
+                        <a:rPr lang="en-US" b="1" smtClean="0">
+                          <a:solidFill>
+                            <a:schemeClr val="tx1"/>
+                          </a:solidFill>
+                          <a:latin typeface="Times New Roman" panose="02020603050405020304" pitchFamily="18" charset="0"/>
+                          <a:cs typeface="Times New Roman" panose="02020603050405020304" pitchFamily="18" charset="0"/>
+                        </a:rPr>
+                        <a:t>5</a:t>
+                      </a:r>
+                      <a:endParaRPr lang="en-US" b="1">
+                        <a:solidFill>
+                          <a:schemeClr val="tx1"/>
+                        </a:solidFill>
+                        <a:latin typeface="Times New Roman" panose="02020603050405020304" pitchFamily="18" charset="0"/>
+                        <a:cs typeface="Times New Roman" panose="02020603050405020304" pitchFamily="18" charset="0"/>
+                      </a:endParaRPr>
+                    </a:p>
+                  </a:txBody>
+                  <a:tcPr>
+                    <a:lnL w="12700" cap="flat" cmpd="sng" algn="ctr">
+                      <a:solidFill>
+                        <a:schemeClr val="tx1"/>
+                      </a:solidFill>
+                      <a:prstDash val="solid"/>
+                      <a:round/>
+                      <a:headEnd type="none" w="med" len="med"/>
+                      <a:tailEnd type="none" w="med" len="med"/>
+                    </a:lnL>
+                    <a:lnR w="12700" cap="flat" cmpd="sng" algn="ctr">
+                      <a:solidFill>
+                        <a:schemeClr val="tx1"/>
+                      </a:solidFill>
+                      <a:prstDash val="solid"/>
+                      <a:round/>
+                      <a:headEnd type="none" w="med" len="med"/>
+                      <a:tailEnd type="none" w="med" len="med"/>
+                    </a:lnR>
+                    <a:lnT w="12700" cap="flat" cmpd="sng" algn="ctr">
+                      <a:solidFill>
+                        <a:schemeClr val="tx1"/>
+                      </a:solidFill>
+                      <a:prstDash val="solid"/>
+                      <a:round/>
+                      <a:headEnd type="none" w="med" len="med"/>
+                      <a:tailEnd type="none" w="med" len="med"/>
+                    </a:lnT>
+                    <a:lnB w="12700" cap="flat" cmpd="sng" algn="ctr">
+                      <a:solidFill>
+                        <a:schemeClr val="tx1"/>
+                      </a:solidFill>
+                      <a:prstDash val="solid"/>
+                      <a:round/>
+                      <a:headEnd type="none" w="med" len="med"/>
+                      <a:tailEnd type="none" w="med" len="med"/>
+                    </a:lnB>
+                    <a:lnTlToBr w="12700" cmpd="sng">
+                      <a:noFill/>
+                      <a:prstDash val="solid"/>
+                    </a:lnTlToBr>
+                    <a:lnBlToTr w="12700" cmpd="sng">
+                      <a:noFill/>
+                      <a:prstDash val="solid"/>
+                    </a:lnBlToTr>
+                    <a:solidFill>
+                      <a:schemeClr val="bg1"/>
+                    </a:solidFill>
+                  </a:tcPr>
+                </a:tc>
+                <a:tc>
+                  <a:txBody>
+                    <a:bodyPr/>
+                    <a:lstStyle/>
+                    <a:p>
+                      <a:pPr algn="ctr"/>
+                      <a:r>
+                        <a:rPr lang="en-US" b="1" smtClean="0">
+                          <a:solidFill>
+                            <a:schemeClr val="tx1"/>
+                          </a:solidFill>
+                          <a:latin typeface="Times New Roman" panose="02020603050405020304" pitchFamily="18" charset="0"/>
+                          <a:cs typeface="Times New Roman" panose="02020603050405020304" pitchFamily="18" charset="0"/>
+                        </a:rPr>
+                        <a:t>5</a:t>
+                      </a:r>
+                      <a:endParaRPr lang="en-US" b="1">
+                        <a:solidFill>
+                          <a:schemeClr val="tx1"/>
+                        </a:solidFill>
+                        <a:latin typeface="Times New Roman" panose="02020603050405020304" pitchFamily="18" charset="0"/>
+                        <a:cs typeface="Times New Roman" panose="02020603050405020304" pitchFamily="18" charset="0"/>
+                      </a:endParaRPr>
+                    </a:p>
+                  </a:txBody>
+                  <a:tcPr>
+                    <a:lnL w="12700" cap="flat" cmpd="sng" algn="ctr">
+                      <a:solidFill>
+                        <a:schemeClr val="tx1"/>
+                      </a:solidFill>
+                      <a:prstDash val="solid"/>
+                      <a:round/>
+                      <a:headEnd type="none" w="med" len="med"/>
+                      <a:tailEnd type="none" w="med" len="med"/>
+                    </a:lnL>
+                    <a:lnR w="12700" cap="flat" cmpd="sng" algn="ctr">
+                      <a:solidFill>
+                        <a:schemeClr val="tx1"/>
+                      </a:solidFill>
+                      <a:prstDash val="solid"/>
+                      <a:round/>
+                      <a:headEnd type="none" w="med" len="med"/>
+                      <a:tailEnd type="none" w="med" len="med"/>
+                    </a:lnR>
+                    <a:lnT w="12700" cap="flat" cmpd="sng" algn="ctr">
+                      <a:solidFill>
+                        <a:schemeClr val="tx1"/>
+                      </a:solidFill>
+                      <a:prstDash val="solid"/>
+                      <a:round/>
+                      <a:headEnd type="none" w="med" len="med"/>
+                      <a:tailEnd type="none" w="med" len="med"/>
+                    </a:lnT>
+                    <a:lnB w="12700" cap="flat" cmpd="sng" algn="ctr">
+                      <a:solidFill>
+                        <a:schemeClr val="tx1"/>
+                      </a:solidFill>
+                      <a:prstDash val="solid"/>
+                      <a:round/>
+                      <a:headEnd type="none" w="med" len="med"/>
+                      <a:tailEnd type="none" w="med" len="med"/>
+                    </a:lnB>
+                    <a:lnTlToBr w="12700" cmpd="sng">
+                      <a:noFill/>
+                      <a:prstDash val="solid"/>
+                    </a:lnTlToBr>
+                    <a:lnBlToTr w="12700" cmpd="sng">
+                      <a:noFill/>
+                      <a:prstDash val="solid"/>
+                    </a:lnBlToTr>
+                    <a:solidFill>
+                      <a:schemeClr val="bg1"/>
+                    </a:solidFill>
+                  </a:tcPr>
+                </a:tc>
+                <a:tc>
+                  <a:txBody>
+                    <a:bodyPr/>
+                    <a:lstStyle/>
+                    <a:p>
+                      <a:pPr algn="ctr"/>
+                      <a:r>
+                        <a:rPr lang="en-US" b="1" smtClean="0">
+                          <a:solidFill>
+                            <a:schemeClr val="tx1"/>
+                          </a:solidFill>
+                          <a:latin typeface="Times New Roman" panose="02020603050405020304" pitchFamily="18" charset="0"/>
+                          <a:cs typeface="Times New Roman" panose="02020603050405020304" pitchFamily="18" charset="0"/>
+                        </a:rPr>
+                        <a:t>4</a:t>
+                      </a:r>
+                      <a:endParaRPr lang="en-US" b="1">
+                        <a:solidFill>
+                          <a:schemeClr val="tx1"/>
+                        </a:solidFill>
+                        <a:latin typeface="Times New Roman" panose="02020603050405020304" pitchFamily="18" charset="0"/>
+                        <a:cs typeface="Times New Roman" panose="02020603050405020304" pitchFamily="18" charset="0"/>
+                      </a:endParaRPr>
+                    </a:p>
+                  </a:txBody>
+                  <a:tcPr>
+                    <a:lnL w="12700" cap="flat" cmpd="sng" algn="ctr">
+                      <a:solidFill>
+                        <a:schemeClr val="tx1"/>
+                      </a:solidFill>
+                      <a:prstDash val="solid"/>
+                      <a:round/>
+                      <a:headEnd type="none" w="med" len="med"/>
+                      <a:tailEnd type="none" w="med" len="med"/>
+                    </a:lnL>
+                    <a:lnR w="12700" cap="flat" cmpd="sng" algn="ctr">
+                      <a:solidFill>
+                        <a:schemeClr val="tx1"/>
+                      </a:solidFill>
+                      <a:prstDash val="solid"/>
+                      <a:round/>
+                      <a:headEnd type="none" w="med" len="med"/>
+                      <a:tailEnd type="none" w="med" len="med"/>
+                    </a:lnR>
+                    <a:lnT w="12700" cap="flat" cmpd="sng" algn="ctr">
+                      <a:solidFill>
+                        <a:schemeClr val="tx1"/>
+                      </a:solidFill>
+                      <a:prstDash val="solid"/>
+                      <a:round/>
+                      <a:headEnd type="none" w="med" len="med"/>
+                      <a:tailEnd type="none" w="med" len="med"/>
+                    </a:lnT>
+                    <a:lnB w="12700" cap="flat" cmpd="sng" algn="ctr">
+                      <a:solidFill>
+                        <a:schemeClr val="tx1"/>
+                      </a:solidFill>
+                      <a:prstDash val="solid"/>
+                      <a:round/>
+                      <a:headEnd type="none" w="med" len="med"/>
+                      <a:tailEnd type="none" w="med" len="med"/>
+                    </a:lnB>
+                    <a:lnTlToBr w="12700" cmpd="sng">
+                      <a:noFill/>
+                      <a:prstDash val="solid"/>
+                    </a:lnTlToBr>
+                    <a:lnBlToTr w="12700" cmpd="sng">
+                      <a:noFill/>
+                      <a:prstDash val="solid"/>
+                    </a:lnBlToTr>
+                    <a:solidFill>
+                      <a:schemeClr val="bg1"/>
+                    </a:solidFill>
+                  </a:tcPr>
+                </a:tc>
+                <a:tc>
+                  <a:txBody>
+                    <a:bodyPr/>
+                    <a:lstStyle/>
+                    <a:p>
+                      <a:pPr algn="ctr"/>
+                      <a:r>
+                        <a:rPr lang="en-US" b="1" smtClean="0">
+                          <a:solidFill>
+                            <a:schemeClr val="tx1"/>
+                          </a:solidFill>
+                          <a:latin typeface="Times New Roman" panose="02020603050405020304" pitchFamily="18" charset="0"/>
+                          <a:cs typeface="Times New Roman" panose="02020603050405020304" pitchFamily="18" charset="0"/>
+                        </a:rPr>
+                        <a:t>1</a:t>
+                      </a:r>
+                      <a:endParaRPr lang="en-US" b="1">
+                        <a:solidFill>
+                          <a:schemeClr val="tx1"/>
+                        </a:solidFill>
+                        <a:latin typeface="Times New Roman" panose="02020603050405020304" pitchFamily="18" charset="0"/>
+                        <a:cs typeface="Times New Roman" panose="02020603050405020304" pitchFamily="18" charset="0"/>
+                      </a:endParaRPr>
+                    </a:p>
+                  </a:txBody>
+                  <a:tcPr>
+                    <a:lnL w="12700" cap="flat" cmpd="sng" algn="ctr">
+                      <a:solidFill>
+                        <a:schemeClr val="tx1"/>
+                      </a:solidFill>
+                      <a:prstDash val="solid"/>
+                      <a:round/>
+                      <a:headEnd type="none" w="med" len="med"/>
+                      <a:tailEnd type="none" w="med" len="med"/>
+                    </a:lnL>
+                    <a:lnR w="12700" cap="flat" cmpd="sng" algn="ctr">
+                      <a:solidFill>
+                        <a:schemeClr val="tx1"/>
+                      </a:solidFill>
+                      <a:prstDash val="solid"/>
+                      <a:round/>
+                      <a:headEnd type="none" w="med" len="med"/>
+                      <a:tailEnd type="none" w="med" len="med"/>
+                    </a:lnR>
+                    <a:lnT w="12700" cap="flat" cmpd="sng" algn="ctr">
+                      <a:solidFill>
+                        <a:schemeClr val="tx1"/>
+                      </a:solidFill>
+                      <a:prstDash val="solid"/>
+                      <a:round/>
+                      <a:headEnd type="none" w="med" len="med"/>
+                      <a:tailEnd type="none" w="med" len="med"/>
+                    </a:lnT>
+                    <a:lnB w="12700" cap="flat" cmpd="sng" algn="ctr">
+                      <a:solidFill>
+                        <a:schemeClr val="tx1"/>
+                      </a:solidFill>
+                      <a:prstDash val="solid"/>
+                      <a:round/>
+                      <a:headEnd type="none" w="med" len="med"/>
+                      <a:tailEnd type="none" w="med" len="med"/>
+                    </a:lnB>
+                    <a:lnTlToBr w="12700" cmpd="sng">
+                      <a:noFill/>
+                      <a:prstDash val="solid"/>
+                    </a:lnTlToBr>
+                    <a:lnBlToTr w="12700" cmpd="sng">
+                      <a:noFill/>
+                      <a:prstDash val="solid"/>
+                    </a:lnBlToTr>
+                    <a:solidFill>
+                      <a:schemeClr val="bg1"/>
+                    </a:solidFill>
+                  </a:tcPr>
+                </a:tc>
+                <a:tc>
+                  <a:txBody>
+                    <a:bodyPr/>
+                    <a:lstStyle/>
+                    <a:p>
+                      <a:pPr algn="ctr"/>
+                      <a:r>
+                        <a:rPr lang="en-US" b="1" smtClean="0">
+                          <a:solidFill>
+                            <a:schemeClr val="tx1"/>
+                          </a:solidFill>
+                          <a:latin typeface="Times New Roman" panose="02020603050405020304" pitchFamily="18" charset="0"/>
+                          <a:cs typeface="Times New Roman" panose="02020603050405020304" pitchFamily="18" charset="0"/>
+                        </a:rPr>
+                        <a:t>0</a:t>
+                      </a:r>
+                      <a:endParaRPr lang="en-US" b="1">
+                        <a:solidFill>
+                          <a:schemeClr val="tx1"/>
+                        </a:solidFill>
+                        <a:latin typeface="Times New Roman" panose="02020603050405020304" pitchFamily="18" charset="0"/>
+                        <a:cs typeface="Times New Roman" panose="02020603050405020304" pitchFamily="18" charset="0"/>
+                      </a:endParaRPr>
+                    </a:p>
+                  </a:txBody>
+                  <a:tcPr>
+                    <a:lnL w="12700" cap="flat" cmpd="sng" algn="ctr">
+                      <a:solidFill>
+                        <a:schemeClr val="tx1"/>
+                      </a:solidFill>
+                      <a:prstDash val="solid"/>
+                      <a:round/>
+                      <a:headEnd type="none" w="med" len="med"/>
+                      <a:tailEnd type="none" w="med" len="med"/>
+                    </a:lnL>
+                    <a:lnR w="12700" cap="flat" cmpd="sng" algn="ctr">
+                      <a:solidFill>
+                        <a:schemeClr val="tx1"/>
+                      </a:solidFill>
+                      <a:prstDash val="solid"/>
+                      <a:round/>
+                      <a:headEnd type="none" w="med" len="med"/>
+                      <a:tailEnd type="none" w="med" len="med"/>
+                    </a:lnR>
+                    <a:lnT w="12700" cap="flat" cmpd="sng" algn="ctr">
+                      <a:solidFill>
+                        <a:schemeClr val="tx1"/>
+                      </a:solidFill>
+                      <a:prstDash val="solid"/>
+                      <a:round/>
+                      <a:headEnd type="none" w="med" len="med"/>
+                      <a:tailEnd type="none" w="med" len="med"/>
+                    </a:lnT>
+                    <a:lnB w="12700" cap="flat" cmpd="sng" algn="ctr">
+                      <a:solidFill>
+                        <a:schemeClr val="tx1"/>
+                      </a:solidFill>
+                      <a:prstDash val="solid"/>
+                      <a:round/>
+                      <a:headEnd type="none" w="med" len="med"/>
+                      <a:tailEnd type="none" w="med" len="med"/>
+                    </a:lnB>
+                    <a:lnTlToBr w="12700" cmpd="sng">
+                      <a:noFill/>
+                      <a:prstDash val="solid"/>
+                    </a:lnTlToBr>
+                    <a:lnBlToTr w="12700" cmpd="sng">
+                      <a:noFill/>
+                      <a:prstDash val="solid"/>
+                    </a:lnBlToTr>
+                    <a:solidFill>
+                      <a:schemeClr val="bg1"/>
+                    </a:solidFill>
+                  </a:tcPr>
+                </a:tc>
+              </a:tr>
+            </a:tbl>
+          </a:graphicData>
+        </a:graphic>
+      </p:graphicFrame>
+      <p:graphicFrame>
+        <p:nvGraphicFramePr>
+          <p:cNvPr id="5" name="Table 4"/>
+          <p:cNvGraphicFramePr>
+            <a:graphicFrameLocks noGrp="1"/>
+          </p:cNvGraphicFramePr>
+          <p:nvPr>
+            <p:extLst>
+              <p:ext uri="{D42A27DB-BD31-4B8C-83A1-F6EECF244321}">
+                <p14:modId xmlns:p14="http://schemas.microsoft.com/office/powerpoint/2010/main" val="2107275287"/>
+              </p:ext>
+            </p:extLst>
+          </p:nvPr>
+        </p:nvGraphicFramePr>
+        <p:xfrm>
+          <a:off x="7722935" y="2119454"/>
+          <a:ext cx="594360" cy="594360"/>
+        </p:xfrm>
+        <a:graphic>
+          <a:graphicData uri="http://schemas.openxmlformats.org/drawingml/2006/table">
+            <a:tbl>
+              <a:tblPr firstRow="1" bandRow="1">
+                <a:tableStyleId>{5C22544A-7EE6-4342-B048-85BDC9FD1C3A}</a:tableStyleId>
+              </a:tblPr>
+              <a:tblGrid>
+                <a:gridCol w="594360"/>
+              </a:tblGrid>
+              <a:tr h="594360">
+                <a:tc>
+                  <a:txBody>
+                    <a:bodyPr/>
+                    <a:lstStyle/>
+                    <a:p>
+                      <a:endParaRPr lang="en-US"/>
+                    </a:p>
+                  </a:txBody>
+                  <a:tcPr>
+                    <a:lnL w="12700" cap="flat" cmpd="sng" algn="ctr">
+                      <a:solidFill>
+                        <a:schemeClr val="tx1"/>
+                      </a:solidFill>
+                      <a:prstDash val="solid"/>
+                      <a:round/>
+                      <a:headEnd type="none" w="med" len="med"/>
+                      <a:tailEnd type="none" w="med" len="med"/>
+                    </a:lnL>
+                    <a:lnR w="12700" cap="flat" cmpd="sng" algn="ctr">
+                      <a:solidFill>
+                        <a:schemeClr val="tx1"/>
+                      </a:solidFill>
+                      <a:prstDash val="solid"/>
+                      <a:round/>
+                      <a:headEnd type="none" w="med" len="med"/>
+                      <a:tailEnd type="none" w="med" len="med"/>
+                    </a:lnR>
+                    <a:lnT w="12700" cap="flat" cmpd="sng" algn="ctr">
+                      <a:solidFill>
+                        <a:schemeClr val="tx1"/>
+                      </a:solidFill>
+                      <a:prstDash val="solid"/>
+                      <a:round/>
+                      <a:headEnd type="none" w="med" len="med"/>
+                      <a:tailEnd type="none" w="med" len="med"/>
+                    </a:lnT>
+                    <a:lnB w="12700" cap="flat" cmpd="sng" algn="ctr">
+                      <a:solidFill>
+                        <a:schemeClr val="tx1"/>
+                      </a:solidFill>
+                      <a:prstDash val="solid"/>
+                      <a:round/>
+                      <a:headEnd type="none" w="med" len="med"/>
+                      <a:tailEnd type="none" w="med" len="med"/>
+                    </a:lnB>
+                    <a:solidFill>
+                      <a:srgbClr val="FFFF00"/>
+                    </a:solidFill>
+                  </a:tcPr>
+                </a:tc>
+              </a:tr>
+            </a:tbl>
+          </a:graphicData>
+        </a:graphic>
+      </p:graphicFrame>
+      <p:sp>
+        <p:nvSpPr>
+          <p:cNvPr id="7" name="TextBox 6"/>
+          <p:cNvSpPr txBox="1"/>
+          <p:nvPr/>
+        </p:nvSpPr>
+        <p:spPr>
+          <a:xfrm>
+            <a:off x="8674230" y="2231968"/>
+            <a:ext cx="2915653" cy="369332"/>
+          </a:xfrm>
+          <a:prstGeom prst="rect">
+            <a:avLst/>
+          </a:prstGeom>
+          <a:noFill/>
+        </p:spPr>
+        <p:txBody>
+          <a:bodyPr wrap="square" rtlCol="0">
+            <a:spAutoFit/>
+          </a:bodyPr>
+          <a:lstStyle/>
+          <a:p>
+            <a:r>
+              <a:rPr lang="en-US" smtClean="0">
+                <a:latin typeface="Times New Roman" panose="02020603050405020304" pitchFamily="18" charset="0"/>
+                <a:cs typeface="Times New Roman" panose="02020603050405020304" pitchFamily="18" charset="0"/>
+              </a:rPr>
+              <a:t>Piksel yang sedang Diamati</a:t>
+            </a:r>
+            <a:endParaRPr lang="en-US">
+              <a:latin typeface="Times New Roman" panose="02020603050405020304" pitchFamily="18" charset="0"/>
+              <a:cs typeface="Times New Roman" panose="02020603050405020304" pitchFamily="18" charset="0"/>
+            </a:endParaRPr>
+          </a:p>
+        </p:txBody>
+      </p:sp>
+      <p:sp>
+        <p:nvSpPr>
+          <p:cNvPr id="11" name="TextBox 10"/>
+          <p:cNvSpPr txBox="1"/>
+          <p:nvPr/>
+        </p:nvSpPr>
+        <p:spPr>
+          <a:xfrm>
+            <a:off x="8674231" y="3071991"/>
+            <a:ext cx="2915653" cy="923330"/>
+          </a:xfrm>
+          <a:prstGeom prst="rect">
+            <a:avLst/>
+          </a:prstGeom>
+          <a:noFill/>
+        </p:spPr>
+        <p:txBody>
+          <a:bodyPr wrap="square" rtlCol="0">
+            <a:spAutoFit/>
+          </a:bodyPr>
+          <a:lstStyle/>
+          <a:p>
+            <a:r>
+              <a:rPr lang="en-US" smtClean="0">
+                <a:latin typeface="Times New Roman" panose="02020603050405020304" pitchFamily="18" charset="0"/>
+                <a:cs typeface="Times New Roman" panose="02020603050405020304" pitchFamily="18" charset="0"/>
+              </a:rPr>
+              <a:t>Piksel Daerah Region Growing Setelah Beberapa Iterasi</a:t>
+            </a:r>
+            <a:endParaRPr lang="en-US">
+              <a:latin typeface="Times New Roman" panose="02020603050405020304" pitchFamily="18" charset="0"/>
+              <a:cs typeface="Times New Roman" panose="02020603050405020304" pitchFamily="18" charset="0"/>
+            </a:endParaRPr>
+          </a:p>
+        </p:txBody>
+      </p:sp>
+      <p:graphicFrame>
+        <p:nvGraphicFramePr>
+          <p:cNvPr id="8" name="Table 7"/>
+          <p:cNvGraphicFramePr>
+            <a:graphicFrameLocks noGrp="1"/>
+          </p:cNvGraphicFramePr>
+          <p:nvPr>
+            <p:extLst/>
+          </p:nvPr>
+        </p:nvGraphicFramePr>
+        <p:xfrm>
+          <a:off x="7722935" y="2959477"/>
+          <a:ext cx="594360" cy="594360"/>
+        </p:xfrm>
+        <a:graphic>
+          <a:graphicData uri="http://schemas.openxmlformats.org/drawingml/2006/table">
+            <a:tbl>
+              <a:tblPr firstRow="1" bandRow="1">
+                <a:tableStyleId>{5C22544A-7EE6-4342-B048-85BDC9FD1C3A}</a:tableStyleId>
+              </a:tblPr>
+              <a:tblGrid>
+                <a:gridCol w="594360"/>
+              </a:tblGrid>
+              <a:tr h="594360">
+                <a:tc>
+                  <a:txBody>
+                    <a:bodyPr/>
+                    <a:lstStyle/>
+                    <a:p>
+                      <a:endParaRPr lang="en-US"/>
+                    </a:p>
+                  </a:txBody>
+                  <a:tcPr>
+                    <a:lnL w="12700" cap="flat" cmpd="sng" algn="ctr">
+                      <a:solidFill>
+                        <a:schemeClr val="tx1"/>
+                      </a:solidFill>
+                      <a:prstDash val="solid"/>
+                      <a:round/>
+                      <a:headEnd type="none" w="med" len="med"/>
+                      <a:tailEnd type="none" w="med" len="med"/>
+                    </a:lnL>
+                    <a:lnR w="12700" cap="flat" cmpd="sng" algn="ctr">
+                      <a:solidFill>
+                        <a:schemeClr val="tx1"/>
+                      </a:solidFill>
+                      <a:prstDash val="solid"/>
+                      <a:round/>
+                      <a:headEnd type="none" w="med" len="med"/>
+                      <a:tailEnd type="none" w="med" len="med"/>
+                    </a:lnR>
+                    <a:lnT w="12700" cap="flat" cmpd="sng" algn="ctr">
+                      <a:solidFill>
+                        <a:schemeClr val="tx1"/>
+                      </a:solidFill>
+                      <a:prstDash val="solid"/>
+                      <a:round/>
+                      <a:headEnd type="none" w="med" len="med"/>
+                      <a:tailEnd type="none" w="med" len="med"/>
+                    </a:lnT>
+                    <a:lnB w="12700" cap="flat" cmpd="sng" algn="ctr">
+                      <a:solidFill>
+                        <a:schemeClr val="tx1"/>
+                      </a:solidFill>
+                      <a:prstDash val="solid"/>
+                      <a:round/>
+                      <a:headEnd type="none" w="med" len="med"/>
+                      <a:tailEnd type="none" w="med" len="med"/>
+                    </a:lnB>
+                    <a:solidFill>
+                      <a:srgbClr val="92D050"/>
+                    </a:solidFill>
+                  </a:tcPr>
+                </a:tc>
+              </a:tr>
+            </a:tbl>
+          </a:graphicData>
+        </a:graphic>
+      </p:graphicFrame>
+      <p:cxnSp>
+        <p:nvCxnSpPr>
+          <p:cNvPr id="10" name="Straight Arrow Connector 9"/>
+          <p:cNvCxnSpPr/>
+          <p:nvPr/>
+        </p:nvCxnSpPr>
+        <p:spPr>
+          <a:xfrm flipH="1" flipV="1">
+            <a:off x="4114800" y="2579716"/>
+            <a:ext cx="274320" cy="0"/>
+          </a:xfrm>
+          <a:prstGeom prst="straightConnector1">
+            <a:avLst/>
+          </a:prstGeom>
+          <a:ln w="38100">
+            <a:solidFill>
+              <a:schemeClr val="tx1"/>
+            </a:solidFill>
+            <a:tailEnd type="triangle"/>
+          </a:ln>
+        </p:spPr>
+        <p:style>
+          <a:lnRef idx="1">
+            <a:schemeClr val="accent1"/>
+          </a:lnRef>
+          <a:fillRef idx="0">
+            <a:schemeClr val="accent1"/>
+          </a:fillRef>
+          <a:effectRef idx="0">
+            <a:schemeClr val="accent1"/>
+          </a:effectRef>
+          <a:fontRef idx="minor">
+            <a:schemeClr val="tx1"/>
+          </a:fontRef>
+        </p:style>
+      </p:cxnSp>
+      <p:cxnSp>
+        <p:nvCxnSpPr>
+          <p:cNvPr id="12" name="Straight Arrow Connector 11"/>
+          <p:cNvCxnSpPr/>
+          <p:nvPr/>
+        </p:nvCxnSpPr>
+        <p:spPr>
+          <a:xfrm flipH="1" flipV="1">
+            <a:off x="4604083" y="2006940"/>
+            <a:ext cx="0" cy="274320"/>
+          </a:xfrm>
+          <a:prstGeom prst="straightConnector1">
+            <a:avLst/>
+          </a:prstGeom>
+          <a:ln w="38100">
+            <a:solidFill>
+              <a:schemeClr val="tx1"/>
+            </a:solidFill>
+            <a:tailEnd type="triangle"/>
+          </a:ln>
+        </p:spPr>
+        <p:style>
+          <a:lnRef idx="1">
+            <a:schemeClr val="accent1"/>
+          </a:lnRef>
+          <a:fillRef idx="0">
+            <a:schemeClr val="accent1"/>
+          </a:fillRef>
+          <a:effectRef idx="0">
+            <a:schemeClr val="accent1"/>
+          </a:effectRef>
+          <a:fontRef idx="minor">
+            <a:schemeClr val="tx1"/>
+          </a:fontRef>
+        </p:style>
+      </p:cxnSp>
+      <p:cxnSp>
+        <p:nvCxnSpPr>
+          <p:cNvPr id="13" name="Straight Arrow Connector 12"/>
+          <p:cNvCxnSpPr/>
+          <p:nvPr/>
+        </p:nvCxnSpPr>
+        <p:spPr>
+          <a:xfrm flipH="1" flipV="1">
+            <a:off x="4151295" y="2094808"/>
+            <a:ext cx="274320" cy="274320"/>
+          </a:xfrm>
+          <a:prstGeom prst="straightConnector1">
+            <a:avLst/>
+          </a:prstGeom>
+          <a:ln w="38100">
+            <a:solidFill>
+              <a:schemeClr val="tx1"/>
+            </a:solidFill>
+            <a:tailEnd type="triangle"/>
+          </a:ln>
+        </p:spPr>
+        <p:style>
+          <a:lnRef idx="1">
+            <a:schemeClr val="accent1"/>
+          </a:lnRef>
+          <a:fillRef idx="0">
+            <a:schemeClr val="accent1"/>
+          </a:fillRef>
+          <a:effectRef idx="0">
+            <a:schemeClr val="accent1"/>
+          </a:effectRef>
+          <a:fontRef idx="minor">
+            <a:schemeClr val="tx1"/>
+          </a:fontRef>
+        </p:style>
+      </p:cxnSp>
+      <p:cxnSp>
+        <p:nvCxnSpPr>
+          <p:cNvPr id="15" name="Straight Arrow Connector 14"/>
+          <p:cNvCxnSpPr/>
+          <p:nvPr/>
+        </p:nvCxnSpPr>
+        <p:spPr>
+          <a:xfrm flipV="1">
+            <a:off x="4782550" y="2094808"/>
+            <a:ext cx="274320" cy="274320"/>
+          </a:xfrm>
+          <a:prstGeom prst="straightConnector1">
+            <a:avLst/>
+          </a:prstGeom>
+          <a:ln w="38100">
+            <a:solidFill>
+              <a:schemeClr val="tx1"/>
+            </a:solidFill>
+            <a:tailEnd type="triangle"/>
+          </a:ln>
+        </p:spPr>
+        <p:style>
+          <a:lnRef idx="1">
+            <a:schemeClr val="accent1"/>
+          </a:lnRef>
+          <a:fillRef idx="0">
+            <a:schemeClr val="accent1"/>
+          </a:fillRef>
+          <a:effectRef idx="0">
+            <a:schemeClr val="accent1"/>
+          </a:effectRef>
+          <a:fontRef idx="minor">
+            <a:schemeClr val="tx1"/>
+          </a:fontRef>
+        </p:style>
+      </p:cxnSp>
+      <p:cxnSp>
+        <p:nvCxnSpPr>
+          <p:cNvPr id="16" name="Straight Arrow Connector 15"/>
+          <p:cNvCxnSpPr/>
+          <p:nvPr/>
+        </p:nvCxnSpPr>
+        <p:spPr>
+          <a:xfrm>
+            <a:off x="4604083" y="2636302"/>
+            <a:ext cx="0" cy="274320"/>
+          </a:xfrm>
+          <a:prstGeom prst="straightConnector1">
+            <a:avLst/>
+          </a:prstGeom>
+          <a:ln w="38100">
+            <a:solidFill>
+              <a:schemeClr val="tx1"/>
+            </a:solidFill>
+            <a:tailEnd type="triangle"/>
+          </a:ln>
+        </p:spPr>
+        <p:style>
+          <a:lnRef idx="1">
+            <a:schemeClr val="accent1"/>
+          </a:lnRef>
+          <a:fillRef idx="0">
+            <a:schemeClr val="accent1"/>
+          </a:fillRef>
+          <a:effectRef idx="0">
+            <a:schemeClr val="accent1"/>
+          </a:effectRef>
+          <a:fontRef idx="minor">
+            <a:schemeClr val="tx1"/>
+          </a:fontRef>
+        </p:style>
+      </p:cxnSp>
+      <p:cxnSp>
+        <p:nvCxnSpPr>
+          <p:cNvPr id="18" name="Straight Arrow Connector 17"/>
+          <p:cNvCxnSpPr/>
+          <p:nvPr/>
+        </p:nvCxnSpPr>
+        <p:spPr>
+          <a:xfrm flipH="1">
+            <a:off x="4151295" y="2713814"/>
+            <a:ext cx="274320" cy="274320"/>
+          </a:xfrm>
+          <a:prstGeom prst="straightConnector1">
+            <a:avLst/>
+          </a:prstGeom>
+          <a:ln w="38100">
+            <a:solidFill>
+              <a:schemeClr val="tx1"/>
+            </a:solidFill>
+            <a:tailEnd type="triangle"/>
+          </a:ln>
+        </p:spPr>
+        <p:style>
+          <a:lnRef idx="1">
+            <a:schemeClr val="accent1"/>
+          </a:lnRef>
+          <a:fillRef idx="0">
+            <a:schemeClr val="accent1"/>
+          </a:fillRef>
+          <a:effectRef idx="0">
+            <a:schemeClr val="accent1"/>
+          </a:effectRef>
+          <a:fontRef idx="minor">
+            <a:schemeClr val="tx1"/>
+          </a:fontRef>
+        </p:style>
+      </p:cxnSp>
+      <p:cxnSp>
+        <p:nvCxnSpPr>
+          <p:cNvPr id="22" name="Straight Arrow Connector 21"/>
+          <p:cNvCxnSpPr/>
+          <p:nvPr/>
+        </p:nvCxnSpPr>
+        <p:spPr>
+          <a:xfrm flipH="1" flipV="1">
+            <a:off x="5827294" y="3191649"/>
+            <a:ext cx="0" cy="274320"/>
+          </a:xfrm>
+          <a:prstGeom prst="straightConnector1">
+            <a:avLst/>
+          </a:prstGeom>
+          <a:ln w="38100">
+            <a:solidFill>
+              <a:schemeClr val="tx1"/>
+            </a:solidFill>
+            <a:tailEnd type="triangle"/>
+          </a:ln>
+        </p:spPr>
+        <p:style>
+          <a:lnRef idx="1">
+            <a:schemeClr val="accent1"/>
+          </a:lnRef>
+          <a:fillRef idx="0">
+            <a:schemeClr val="accent1"/>
+          </a:fillRef>
+          <a:effectRef idx="0">
+            <a:schemeClr val="accent1"/>
+          </a:effectRef>
+          <a:fontRef idx="minor">
+            <a:schemeClr val="tx1"/>
+          </a:fontRef>
+        </p:style>
+      </p:cxnSp>
+      <p:cxnSp>
+        <p:nvCxnSpPr>
+          <p:cNvPr id="25" name="Straight Arrow Connector 24"/>
+          <p:cNvCxnSpPr/>
+          <p:nvPr/>
+        </p:nvCxnSpPr>
+        <p:spPr>
+          <a:xfrm>
+            <a:off x="5827294" y="3821011"/>
+            <a:ext cx="0" cy="274320"/>
+          </a:xfrm>
+          <a:prstGeom prst="straightConnector1">
+            <a:avLst/>
+          </a:prstGeom>
+          <a:ln w="38100">
+            <a:solidFill>
+              <a:schemeClr val="tx1"/>
+            </a:solidFill>
+            <a:tailEnd type="triangle"/>
+          </a:ln>
+        </p:spPr>
+        <p:style>
+          <a:lnRef idx="1">
+            <a:schemeClr val="accent1"/>
+          </a:lnRef>
+          <a:fillRef idx="0">
+            <a:schemeClr val="accent1"/>
+          </a:fillRef>
+          <a:effectRef idx="0">
+            <a:schemeClr val="accent1"/>
+          </a:effectRef>
+          <a:fontRef idx="minor">
+            <a:schemeClr val="tx1"/>
+          </a:fontRef>
+        </p:style>
+      </p:cxnSp>
+      <p:cxnSp>
+        <p:nvCxnSpPr>
+          <p:cNvPr id="26" name="Straight Arrow Connector 25"/>
+          <p:cNvCxnSpPr/>
+          <p:nvPr/>
+        </p:nvCxnSpPr>
+        <p:spPr>
+          <a:xfrm>
+            <a:off x="5997138" y="3882225"/>
+            <a:ext cx="274320" cy="274320"/>
+          </a:xfrm>
+          <a:prstGeom prst="straightConnector1">
+            <a:avLst/>
+          </a:prstGeom>
+          <a:ln w="38100">
+            <a:solidFill>
+              <a:schemeClr val="tx1"/>
+            </a:solidFill>
+            <a:tailEnd type="triangle"/>
+          </a:ln>
+        </p:spPr>
+        <p:style>
+          <a:lnRef idx="1">
+            <a:schemeClr val="accent1"/>
+          </a:lnRef>
+          <a:fillRef idx="0">
+            <a:schemeClr val="accent1"/>
+          </a:fillRef>
+          <a:effectRef idx="0">
+            <a:schemeClr val="accent1"/>
+          </a:effectRef>
+          <a:fontRef idx="minor">
+            <a:schemeClr val="tx1"/>
+          </a:fontRef>
+        </p:style>
+      </p:cxnSp>
+      <p:cxnSp>
+        <p:nvCxnSpPr>
+          <p:cNvPr id="28" name="Straight Arrow Connector 27"/>
+          <p:cNvCxnSpPr/>
+          <p:nvPr/>
+        </p:nvCxnSpPr>
+        <p:spPr>
+          <a:xfrm>
+            <a:off x="6019395" y="3690559"/>
+            <a:ext cx="274320" cy="0"/>
+          </a:xfrm>
+          <a:prstGeom prst="straightConnector1">
+            <a:avLst/>
+          </a:prstGeom>
+          <a:ln w="38100">
+            <a:solidFill>
+              <a:schemeClr val="tx1"/>
+            </a:solidFill>
+            <a:tailEnd type="triangle"/>
+          </a:ln>
+        </p:spPr>
+        <p:style>
+          <a:lnRef idx="1">
+            <a:schemeClr val="accent1"/>
+          </a:lnRef>
+          <a:fillRef idx="0">
+            <a:schemeClr val="accent1"/>
+          </a:fillRef>
+          <a:effectRef idx="0">
+            <a:schemeClr val="accent1"/>
+          </a:effectRef>
+          <a:fontRef idx="minor">
+            <a:schemeClr val="tx1"/>
+          </a:fontRef>
+        </p:style>
+      </p:cxnSp>
+      <p:cxnSp>
+        <p:nvCxnSpPr>
+          <p:cNvPr id="31" name="Straight Arrow Connector 30"/>
+          <p:cNvCxnSpPr/>
+          <p:nvPr/>
+        </p:nvCxnSpPr>
+        <p:spPr>
+          <a:xfrm flipH="1">
+            <a:off x="5365882" y="3945848"/>
+            <a:ext cx="274320" cy="274320"/>
+          </a:xfrm>
+          <a:prstGeom prst="straightConnector1">
+            <a:avLst/>
+          </a:prstGeom>
+          <a:ln w="38100">
+            <a:solidFill>
+              <a:schemeClr val="tx1"/>
+            </a:solidFill>
+            <a:tailEnd type="triangle"/>
+          </a:ln>
+        </p:spPr>
+        <p:style>
+          <a:lnRef idx="1">
+            <a:schemeClr val="accent1"/>
+          </a:lnRef>
+          <a:fillRef idx="0">
+            <a:schemeClr val="accent1"/>
+          </a:fillRef>
+          <a:effectRef idx="0">
+            <a:schemeClr val="accent1"/>
+          </a:effectRef>
+          <a:fontRef idx="minor">
+            <a:schemeClr val="tx1"/>
+          </a:fontRef>
+        </p:style>
+      </p:cxnSp>
+      <p:sp>
+        <p:nvSpPr>
+          <p:cNvPr id="33" name="TextBox 32"/>
+          <p:cNvSpPr txBox="1"/>
+          <p:nvPr/>
+        </p:nvSpPr>
+        <p:spPr>
+          <a:xfrm>
+            <a:off x="3708399" y="5522495"/>
+            <a:ext cx="3657600" cy="369332"/>
+          </a:xfrm>
+          <a:prstGeom prst="rect">
+            <a:avLst/>
+          </a:prstGeom>
+          <a:noFill/>
+        </p:spPr>
+        <p:txBody>
+          <a:bodyPr wrap="square" rtlCol="0">
+            <a:spAutoFit/>
+          </a:bodyPr>
+          <a:lstStyle/>
+          <a:p>
+            <a:r>
+              <a:rPr lang="en-US" smtClean="0">
+                <a:latin typeface="Times New Roman" panose="02020603050405020304" pitchFamily="18" charset="0"/>
+                <a:cs typeface="Times New Roman" panose="02020603050405020304" pitchFamily="18" charset="0"/>
+              </a:rPr>
+              <a:t>Matrix 6x6 dengan gray leve 0 - 9</a:t>
+            </a:r>
+            <a:endParaRPr lang="en-US">
+              <a:latin typeface="Times New Roman" panose="02020603050405020304" pitchFamily="18" charset="0"/>
+              <a:cs typeface="Times New Roman" panose="02020603050405020304" pitchFamily="18" charset="0"/>
+            </a:endParaRPr>
+          </a:p>
+        </p:txBody>
+      </p:sp>
+    </p:spTree>
+    <p:extLst>
+      <p:ext uri="{BB962C8B-B14F-4D97-AF65-F5344CB8AC3E}">
+        <p14:creationId xmlns:p14="http://schemas.microsoft.com/office/powerpoint/2010/main" val="851147001"/>
+      </p:ext>
+    </p:extLst>
+  </p:cSld>
+  <p:clrMapOvr>
+    <a:masterClrMapping/>
+  </p:clrMapOvr>
+  <p:timing>
+    <p:tnLst>
+      <p:par>
+        <p:cTn id="1" dur="indefinite" restart="never" nodeType="tmRoot"/>
+      </p:par>
+    </p:tnLst>
+  </p:timing>
+</p:sld>
+</file>
+
 <file path=ppt/theme/theme1.xml><?xml version="1.0" encoding="utf-8"?>
 <a:theme xmlns:a="http://schemas.openxmlformats.org/drawingml/2006/main" name="Office Theme">
   <a:themeElements>
